--- a/Java Exception Handling.pptx
+++ b/Java Exception Handling.pptx
@@ -5,10 +5,10 @@
     <p:sldMasterId id="2147483730" r:id="rId4"/>
   </p:sldMasterIdLst>
   <p:notesMasterIdLst>
-    <p:notesMasterId r:id="rId20"/>
+    <p:notesMasterId r:id="rId32"/>
   </p:notesMasterIdLst>
   <p:handoutMasterIdLst>
-    <p:handoutMasterId r:id="rId21"/>
+    <p:handoutMasterId r:id="rId33"/>
   </p:handoutMasterIdLst>
   <p:sldIdLst>
     <p:sldId id="448" r:id="rId5"/>
@@ -16,16 +16,28 @@
     <p:sldId id="457" r:id="rId7"/>
     <p:sldId id="468" r:id="rId8"/>
     <p:sldId id="469" r:id="rId9"/>
-    <p:sldId id="476" r:id="rId10"/>
-    <p:sldId id="477" r:id="rId11"/>
-    <p:sldId id="478" r:id="rId12"/>
-    <p:sldId id="479" r:id="rId13"/>
-    <p:sldId id="480" r:id="rId14"/>
-    <p:sldId id="481" r:id="rId15"/>
-    <p:sldId id="482" r:id="rId16"/>
-    <p:sldId id="483" r:id="rId17"/>
-    <p:sldId id="484" r:id="rId18"/>
-    <p:sldId id="475" r:id="rId19"/>
+    <p:sldId id="485" r:id="rId10"/>
+    <p:sldId id="476" r:id="rId11"/>
+    <p:sldId id="477" r:id="rId12"/>
+    <p:sldId id="478" r:id="rId13"/>
+    <p:sldId id="479" r:id="rId14"/>
+    <p:sldId id="480" r:id="rId15"/>
+    <p:sldId id="481" r:id="rId16"/>
+    <p:sldId id="486" r:id="rId17"/>
+    <p:sldId id="482" r:id="rId18"/>
+    <p:sldId id="483" r:id="rId19"/>
+    <p:sldId id="484" r:id="rId20"/>
+    <p:sldId id="495" r:id="rId21"/>
+    <p:sldId id="487" r:id="rId22"/>
+    <p:sldId id="488" r:id="rId23"/>
+    <p:sldId id="489" r:id="rId24"/>
+    <p:sldId id="490" r:id="rId25"/>
+    <p:sldId id="491" r:id="rId26"/>
+    <p:sldId id="492" r:id="rId27"/>
+    <p:sldId id="493" r:id="rId28"/>
+    <p:sldId id="494" r:id="rId29"/>
+    <p:sldId id="496" r:id="rId30"/>
+    <p:sldId id="475" r:id="rId31"/>
   </p:sldIdLst>
   <p:sldSz cx="9144000" cy="5143500" type="screen16x9"/>
   <p:notesSz cx="6858000" cy="9144000"/>
@@ -392,7 +404,7 @@
           <a:p>
             <a:fld id="{7F5E9BF7-95E4-A242-BA1D-05FDCF603BE6}" type="datetime1">
               <a:rPr lang="en-US" smtClean="0"/>
-              <a:t>6/14/2017</a:t>
+              <a:t>7/12/2017</a:t>
             </a:fld>
             <a:endParaRPr lang="en-US"/>
           </a:p>
@@ -558,7 +570,7 @@
           <a:p>
             <a:fld id="{165DBCB1-0306-AD41-9452-11E7C08D5C04}" type="datetime1">
               <a:rPr lang="en-US" smtClean="0"/>
-              <a:t>6/14/2017</a:t>
+              <a:t>7/12/2017</a:t>
             </a:fld>
             <a:endParaRPr lang="en-US"/>
           </a:p>
@@ -924,6 +936,174 @@
     <p:extLst>
       <p:ext uri="{BB962C8B-B14F-4D97-AF65-F5344CB8AC3E}">
         <p14:creationId xmlns:p14="http://schemas.microsoft.com/office/powerpoint/2010/main" val="1099663911"/>
+      </p:ext>
+    </p:extLst>
+  </p:cSld>
+  <p:clrMapOvr>
+    <a:masterClrMapping/>
+  </p:clrMapOvr>
+</p:notes>
+</file>
+
+<file path=ppt/notesSlides/notesSlide2.xml><?xml version="1.0" encoding="utf-8"?>
+<p:notes xmlns:a="http://schemas.openxmlformats.org/drawingml/2006/main" xmlns:r="http://schemas.openxmlformats.org/officeDocument/2006/relationships" xmlns:p="http://schemas.openxmlformats.org/presentationml/2006/main">
+  <p:cSld>
+    <p:spTree>
+      <p:nvGrpSpPr>
+        <p:cNvPr id="1" name=""/>
+        <p:cNvGrpSpPr/>
+        <p:nvPr/>
+      </p:nvGrpSpPr>
+      <p:grpSpPr>
+        <a:xfrm>
+          <a:off x="0" y="0"/>
+          <a:ext cx="0" cy="0"/>
+          <a:chOff x="0" y="0"/>
+          <a:chExt cx="0" cy="0"/>
+        </a:xfrm>
+      </p:grpSpPr>
+      <p:sp>
+        <p:nvSpPr>
+          <p:cNvPr id="2" name="Slide Image Placeholder 1"/>
+          <p:cNvSpPr>
+            <a:spLocks noGrp="1" noRot="1" noChangeAspect="1"/>
+          </p:cNvSpPr>
+          <p:nvPr>
+            <p:ph type="sldImg"/>
+          </p:nvPr>
+        </p:nvSpPr>
+        <p:spPr/>
+      </p:sp>
+      <p:sp>
+        <p:nvSpPr>
+          <p:cNvPr id="3" name="Notes Placeholder 2"/>
+          <p:cNvSpPr>
+            <a:spLocks noGrp="1"/>
+          </p:cNvSpPr>
+          <p:nvPr>
+            <p:ph type="body" idx="1"/>
+          </p:nvPr>
+        </p:nvSpPr>
+        <p:spPr/>
+        <p:txBody>
+          <a:bodyPr/>
+          <a:lstStyle/>
+          <a:p>
+            <a:endParaRPr lang="en-US" dirty="0"/>
+          </a:p>
+        </p:txBody>
+      </p:sp>
+      <p:sp>
+        <p:nvSpPr>
+          <p:cNvPr id="4" name="Slide Number Placeholder 3"/>
+          <p:cNvSpPr>
+            <a:spLocks noGrp="1"/>
+          </p:cNvSpPr>
+          <p:nvPr>
+            <p:ph type="sldNum" sz="quarter" idx="10"/>
+          </p:nvPr>
+        </p:nvSpPr>
+        <p:spPr/>
+        <p:txBody>
+          <a:bodyPr/>
+          <a:lstStyle/>
+          <a:p>
+            <a:fld id="{7AE90029-A909-AD4E-9775-A0D64990AD22}" type="slidenum">
+              <a:rPr lang="en-US" smtClean="0"/>
+              <a:t>3</a:t>
+            </a:fld>
+            <a:endParaRPr lang="en-US"/>
+          </a:p>
+        </p:txBody>
+      </p:sp>
+    </p:spTree>
+    <p:extLst>
+      <p:ext uri="{BB962C8B-B14F-4D97-AF65-F5344CB8AC3E}">
+        <p14:creationId xmlns:p14="http://schemas.microsoft.com/office/powerpoint/2010/main" val="3693326796"/>
+      </p:ext>
+    </p:extLst>
+  </p:cSld>
+  <p:clrMapOvr>
+    <a:masterClrMapping/>
+  </p:clrMapOvr>
+</p:notes>
+</file>
+
+<file path=ppt/notesSlides/notesSlide3.xml><?xml version="1.0" encoding="utf-8"?>
+<p:notes xmlns:a="http://schemas.openxmlformats.org/drawingml/2006/main" xmlns:r="http://schemas.openxmlformats.org/officeDocument/2006/relationships" xmlns:p="http://schemas.openxmlformats.org/presentationml/2006/main">
+  <p:cSld>
+    <p:spTree>
+      <p:nvGrpSpPr>
+        <p:cNvPr id="1" name=""/>
+        <p:cNvGrpSpPr/>
+        <p:nvPr/>
+      </p:nvGrpSpPr>
+      <p:grpSpPr>
+        <a:xfrm>
+          <a:off x="0" y="0"/>
+          <a:ext cx="0" cy="0"/>
+          <a:chOff x="0" y="0"/>
+          <a:chExt cx="0" cy="0"/>
+        </a:xfrm>
+      </p:grpSpPr>
+      <p:sp>
+        <p:nvSpPr>
+          <p:cNvPr id="2" name="Slide Image Placeholder 1"/>
+          <p:cNvSpPr>
+            <a:spLocks noGrp="1" noRot="1" noChangeAspect="1"/>
+          </p:cNvSpPr>
+          <p:nvPr>
+            <p:ph type="sldImg"/>
+          </p:nvPr>
+        </p:nvSpPr>
+        <p:spPr/>
+      </p:sp>
+      <p:sp>
+        <p:nvSpPr>
+          <p:cNvPr id="3" name="Notes Placeholder 2"/>
+          <p:cNvSpPr>
+            <a:spLocks noGrp="1"/>
+          </p:cNvSpPr>
+          <p:nvPr>
+            <p:ph type="body" idx="1"/>
+          </p:nvPr>
+        </p:nvSpPr>
+        <p:spPr/>
+        <p:txBody>
+          <a:bodyPr/>
+          <a:lstStyle/>
+          <a:p>
+            <a:endParaRPr lang="en-US" dirty="0"/>
+          </a:p>
+        </p:txBody>
+      </p:sp>
+      <p:sp>
+        <p:nvSpPr>
+          <p:cNvPr id="4" name="Slide Number Placeholder 3"/>
+          <p:cNvSpPr>
+            <a:spLocks noGrp="1"/>
+          </p:cNvSpPr>
+          <p:nvPr>
+            <p:ph type="sldNum" sz="quarter" idx="10"/>
+          </p:nvPr>
+        </p:nvSpPr>
+        <p:spPr/>
+        <p:txBody>
+          <a:bodyPr/>
+          <a:lstStyle/>
+          <a:p>
+            <a:fld id="{7AE90029-A909-AD4E-9775-A0D64990AD22}" type="slidenum">
+              <a:rPr lang="en-US" smtClean="0"/>
+              <a:t>11</a:t>
+            </a:fld>
+            <a:endParaRPr lang="en-US"/>
+          </a:p>
+        </p:txBody>
+      </p:sp>
+    </p:spTree>
+    <p:extLst>
+      <p:ext uri="{BB962C8B-B14F-4D97-AF65-F5344CB8AC3E}">
+        <p14:creationId xmlns:p14="http://schemas.microsoft.com/office/powerpoint/2010/main" val="2061692018"/>
       </p:ext>
     </p:extLst>
   </p:cSld>
@@ -3218,11 +3398,7 @@
             <a:pPr algn="ctr"/>
             <a:r>
               <a:rPr lang="en-US" dirty="0" smtClean="0"/>
-              <a:t>Java </a:t>
-            </a:r>
-            <a:r>
-              <a:rPr lang="en-US" dirty="0" smtClean="0"/>
-              <a:t>Exception Handling</a:t>
+              <a:t>Java Exception Handling</a:t>
             </a:r>
             <a:endParaRPr lang="en-US" dirty="0"/>
           </a:p>
@@ -3273,14 +3449,7 @@
                 <a:latin typeface="Trebuchet MS"/>
                 <a:cs typeface="Trebuchet MS"/>
               </a:rPr>
-              <a:t>June 15, </a:t>
-            </a:r>
-            <a:r>
-              <a:rPr lang="en-US" dirty="0" smtClean="0">
-                <a:latin typeface="Trebuchet MS"/>
-                <a:cs typeface="Trebuchet MS"/>
-              </a:rPr>
-              <a:t>2017</a:t>
+              <a:t>July 10, 2017</a:t>
             </a:r>
             <a:endParaRPr lang="en-US" dirty="0">
               <a:latin typeface="Trebuchet MS"/>
@@ -3363,8 +3532,8 @@
         </p:nvSpPr>
         <p:spPr>
           <a:xfrm>
-            <a:off x="152260" y="1099222"/>
-            <a:ext cx="4249472" cy="3346653"/>
+            <a:off x="152260" y="1099223"/>
+            <a:ext cx="4249472" cy="2110636"/>
           </a:xfrm>
         </p:spPr>
         <p:txBody>
@@ -3375,23 +3544,7 @@
           <a:p>
             <a:r>
               <a:rPr lang="en-US" dirty="0"/>
-              <a:t>A method catches an exception using a combination of the </a:t>
-            </a:r>
-            <a:r>
-              <a:rPr lang="en-US" b="1" dirty="0"/>
-              <a:t>try</a:t>
-            </a:r>
-            <a:r>
-              <a:rPr lang="en-US" dirty="0"/>
-              <a:t> and </a:t>
-            </a:r>
-            <a:r>
-              <a:rPr lang="en-US" b="1" dirty="0"/>
-              <a:t>catch</a:t>
-            </a:r>
-            <a:r>
-              <a:rPr lang="en-US" dirty="0"/>
-              <a:t> keywords</a:t>
+              <a:t>There are 5 keywords used in java exception handling</a:t>
             </a:r>
             <a:r>
               <a:rPr lang="en-US" dirty="0" smtClean="0"/>
@@ -3399,40 +3552,44 @@
             </a:r>
           </a:p>
           <a:p>
+            <a:pPr lvl="1"/>
             <a:r>
               <a:rPr lang="en-US" dirty="0"/>
-              <a:t> A try/catch block is placed around the code that might generate an exception</a:t>
-            </a:r>
-            <a:r>
-              <a:rPr lang="en-US" dirty="0" smtClean="0"/>
-              <a:t>.</a:t>
-            </a:r>
-          </a:p>
-          <a:p>
+              <a:t>try</a:t>
+            </a:r>
+          </a:p>
+          <a:p>
+            <a:pPr lvl="1"/>
             <a:r>
               <a:rPr lang="en-US" dirty="0"/>
-              <a:t>Code within a try/catch block is referred to as protected </a:t>
-            </a:r>
-            <a:r>
-              <a:rPr lang="en-US" dirty="0" smtClean="0"/>
-              <a:t>code.</a:t>
-            </a:r>
-          </a:p>
-          <a:p>
+              <a:t>catch</a:t>
+            </a:r>
+          </a:p>
+          <a:p>
+            <a:pPr lvl="1"/>
             <a:r>
               <a:rPr lang="en-US" dirty="0"/>
-              <a:t>The code which is prone to exceptions is placed in the try block</a:t>
-            </a:r>
-            <a:r>
-              <a:rPr lang="en-US" dirty="0" smtClean="0"/>
-              <a:t>.</a:t>
-            </a:r>
-          </a:p>
-          <a:p>
+              <a:t>finally</a:t>
+            </a:r>
+          </a:p>
+          <a:p>
+            <a:pPr lvl="1"/>
             <a:r>
               <a:rPr lang="en-US" dirty="0"/>
-              <a:t>Every try block should be immediately followed either by a catch block or finally block.</a:t>
-            </a:r>
+              <a:t>throw</a:t>
+            </a:r>
+          </a:p>
+          <a:p>
+            <a:pPr lvl="1"/>
+            <a:r>
+              <a:rPr lang="en-US" dirty="0"/>
+              <a:t>throws</a:t>
+            </a:r>
+          </a:p>
+          <a:p>
+            <a:pPr marL="342900" lvl="1" indent="0">
+              <a:buNone/>
+            </a:pPr>
             <a:endParaRPr lang="en-US" dirty="0" smtClean="0"/>
           </a:p>
         </p:txBody>
@@ -3459,40 +3616,16 @@
           <a:p>
             <a:r>
               <a:rPr lang="en-US" dirty="0" smtClean="0"/>
-              <a:t>Try-catch block</a:t>
+              <a:t>Catching Exceptions</a:t>
             </a:r>
             <a:endParaRPr lang="en-US" dirty="0"/>
           </a:p>
         </p:txBody>
       </p:sp>
-      <p:pic>
-        <p:nvPicPr>
-          <p:cNvPr id="5" name="Picture 4"/>
-          <p:cNvPicPr>
-            <a:picLocks noChangeAspect="1"/>
-          </p:cNvPicPr>
-          <p:nvPr/>
-        </p:nvPicPr>
-        <p:blipFill>
-          <a:blip r:embed="rId2"/>
-          <a:stretch>
-            <a:fillRect/>
-          </a:stretch>
-        </p:blipFill>
-        <p:spPr>
-          <a:xfrm>
-            <a:off x="4745355" y="1221203"/>
-            <a:ext cx="3676650" cy="1666875"/>
-          </a:xfrm>
-          <a:prstGeom prst="rect">
-            <a:avLst/>
-          </a:prstGeom>
-        </p:spPr>
-      </p:pic>
     </p:spTree>
     <p:extLst>
       <p:ext uri="{BB962C8B-B14F-4D97-AF65-F5344CB8AC3E}">
-        <p14:creationId xmlns:p14="http://schemas.microsoft.com/office/powerpoint/2010/main" val="2549375131"/>
+        <p14:creationId xmlns:p14="http://schemas.microsoft.com/office/powerpoint/2010/main" val="1504701922"/>
       </p:ext>
     </p:extLst>
   </p:cSld>
@@ -3550,7 +3683,23 @@
           <a:p>
             <a:r>
               <a:rPr lang="en-US" dirty="0"/>
-              <a:t>A try block can be followed by multiple catch blocks</a:t>
+              <a:t>A method catches an exception using a combination of the </a:t>
+            </a:r>
+            <a:r>
+              <a:rPr lang="en-US" b="1" dirty="0"/>
+              <a:t>try</a:t>
+            </a:r>
+            <a:r>
+              <a:rPr lang="en-US" dirty="0"/>
+              <a:t> and </a:t>
+            </a:r>
+            <a:r>
+              <a:rPr lang="en-US" b="1" dirty="0"/>
+              <a:t>catch</a:t>
+            </a:r>
+            <a:r>
+              <a:rPr lang="en-US" dirty="0"/>
+              <a:t> keywords</a:t>
             </a:r>
             <a:r>
               <a:rPr lang="en-US" dirty="0" smtClean="0"/>
@@ -3559,20 +3708,8 @@
           </a:p>
           <a:p>
             <a:r>
-              <a:rPr lang="en-US" dirty="0" smtClean="0"/>
-              <a:t>We </a:t>
-            </a:r>
-            <a:r>
               <a:rPr lang="en-US" dirty="0"/>
-              <a:t>can have any number of </a:t>
-            </a:r>
-            <a:r>
-              <a:rPr lang="en-US" dirty="0" smtClean="0"/>
-              <a:t>catch blocks </a:t>
-            </a:r>
-            <a:r>
-              <a:rPr lang="en-US" dirty="0"/>
-              <a:t>after a single try</a:t>
+              <a:t> A try/catch block is placed around the code that might generate an exception</a:t>
             </a:r>
             <a:r>
               <a:rPr lang="en-US" dirty="0" smtClean="0"/>
@@ -3582,22 +3719,28 @@
           <a:p>
             <a:r>
               <a:rPr lang="en-US" dirty="0"/>
-              <a:t>If the data type of the exception thrown matches ExceptionType1, it gets caught there. If not, the exception passes down to the second catch statement. </a:t>
-            </a:r>
-            <a:endParaRPr lang="en-US" dirty="0" smtClean="0"/>
-          </a:p>
-          <a:p>
+              <a:t>Code within a try/catch block is referred to as protected </a:t>
+            </a:r>
             <a:r>
               <a:rPr lang="en-US" dirty="0" smtClean="0"/>
-              <a:t>This Continues </a:t>
-            </a:r>
+              <a:t>code.</a:t>
+            </a:r>
+          </a:p>
+          <a:p>
             <a:r>
               <a:rPr lang="en-US" dirty="0"/>
-              <a:t>until the exception either is caught or falls through all catches, in which case the current method stops execution and the exception is thrown down to the previous method on the call stack.</a:t>
-            </a:r>
-            <a:endParaRPr lang="en-US" dirty="0" smtClean="0"/>
-          </a:p>
-          <a:p>
+              <a:t>The code which is prone to exceptions is placed in the try block</a:t>
+            </a:r>
+            <a:r>
+              <a:rPr lang="en-US" dirty="0" smtClean="0"/>
+              <a:t>.</a:t>
+            </a:r>
+          </a:p>
+          <a:p>
+            <a:r>
+              <a:rPr lang="en-US" dirty="0"/>
+              <a:t>Every try block should be immediately followed either by a catch block or finally block.</a:t>
+            </a:r>
             <a:endParaRPr lang="en-US" dirty="0" smtClean="0"/>
           </a:p>
         </p:txBody>
@@ -3624,7 +3767,7 @@
           <a:p>
             <a:r>
               <a:rPr lang="en-US" dirty="0" smtClean="0"/>
-              <a:t>Multiple Catch Blocks</a:t>
+              <a:t>Try-catch block</a:t>
             </a:r>
             <a:endParaRPr lang="en-US" dirty="0"/>
           </a:p>
@@ -3632,22 +3775,22 @@
       </p:sp>
       <p:pic>
         <p:nvPicPr>
-          <p:cNvPr id="3" name="Picture 2"/>
+          <p:cNvPr id="5" name="Picture 4"/>
           <p:cNvPicPr>
             <a:picLocks noChangeAspect="1"/>
           </p:cNvPicPr>
           <p:nvPr/>
         </p:nvPicPr>
         <p:blipFill>
-          <a:blip r:embed="rId2"/>
+          <a:blip r:embed="rId3"/>
           <a:stretch>
             <a:fillRect/>
           </a:stretch>
         </p:blipFill>
         <p:spPr>
           <a:xfrm>
-            <a:off x="4643011" y="1187964"/>
-            <a:ext cx="4095750" cy="2162175"/>
+            <a:off x="4745355" y="1221203"/>
+            <a:ext cx="3676650" cy="1666875"/>
           </a:xfrm>
           <a:prstGeom prst="rect">
             <a:avLst/>
@@ -3657,7 +3800,7 @@
     </p:spTree>
     <p:extLst>
       <p:ext uri="{BB962C8B-B14F-4D97-AF65-F5344CB8AC3E}">
-        <p14:creationId xmlns:p14="http://schemas.microsoft.com/office/powerpoint/2010/main" val="2803217742"/>
+        <p14:creationId xmlns:p14="http://schemas.microsoft.com/office/powerpoint/2010/main" val="2549375131"/>
       </p:ext>
     </p:extLst>
   </p:cSld>
@@ -3667,9 +3810,393 @@
   <p:timing>
     <p:tnLst>
       <p:par>
-        <p:cTn id="1" dur="indefinite" restart="never" nodeType="tmRoot"/>
+        <p:cTn id="1" dur="indefinite" restart="never" nodeType="tmRoot">
+          <p:childTnLst>
+            <p:seq concurrent="1" nextAc="seek">
+              <p:cTn id="2" dur="indefinite" nodeType="mainSeq">
+                <p:childTnLst>
+                  <p:par>
+                    <p:cTn id="3" fill="hold">
+                      <p:stCondLst>
+                        <p:cond delay="indefinite"/>
+                      </p:stCondLst>
+                      <p:childTnLst>
+                        <p:par>
+                          <p:cTn id="4" fill="hold">
+                            <p:stCondLst>
+                              <p:cond delay="0"/>
+                            </p:stCondLst>
+                            <p:childTnLst>
+                              <p:par>
+                                <p:cTn id="5" presetID="10" presetClass="entr" presetSubtype="0" fill="hold" grpId="0" nodeType="clickEffect">
+                                  <p:stCondLst>
+                                    <p:cond delay="0"/>
+                                  </p:stCondLst>
+                                  <p:childTnLst>
+                                    <p:set>
+                                      <p:cBhvr>
+                                        <p:cTn id="6" dur="1" fill="hold">
+                                          <p:stCondLst>
+                                            <p:cond delay="0"/>
+                                          </p:stCondLst>
+                                        </p:cTn>
+                                        <p:tgtEl>
+                                          <p:spTgt spid="15">
+                                            <p:txEl>
+                                              <p:pRg st="0" end="0"/>
+                                            </p:txEl>
+                                          </p:spTgt>
+                                        </p:tgtEl>
+                                        <p:attrNameLst>
+                                          <p:attrName>style.visibility</p:attrName>
+                                        </p:attrNameLst>
+                                      </p:cBhvr>
+                                      <p:to>
+                                        <p:strVal val="visible"/>
+                                      </p:to>
+                                    </p:set>
+                                    <p:animEffect transition="in" filter="fade">
+                                      <p:cBhvr>
+                                        <p:cTn id="7" dur="500"/>
+                                        <p:tgtEl>
+                                          <p:spTgt spid="15">
+                                            <p:txEl>
+                                              <p:pRg st="0" end="0"/>
+                                            </p:txEl>
+                                          </p:spTgt>
+                                        </p:tgtEl>
+                                      </p:cBhvr>
+                                    </p:animEffect>
+                                  </p:childTnLst>
+                                </p:cTn>
+                              </p:par>
+                            </p:childTnLst>
+                          </p:cTn>
+                        </p:par>
+                      </p:childTnLst>
+                    </p:cTn>
+                  </p:par>
+                  <p:par>
+                    <p:cTn id="8" fill="hold">
+                      <p:stCondLst>
+                        <p:cond delay="indefinite"/>
+                      </p:stCondLst>
+                      <p:childTnLst>
+                        <p:par>
+                          <p:cTn id="9" fill="hold">
+                            <p:stCondLst>
+                              <p:cond delay="0"/>
+                            </p:stCondLst>
+                            <p:childTnLst>
+                              <p:par>
+                                <p:cTn id="10" presetID="10" presetClass="entr" presetSubtype="0" fill="hold" grpId="0" nodeType="clickEffect">
+                                  <p:stCondLst>
+                                    <p:cond delay="0"/>
+                                  </p:stCondLst>
+                                  <p:childTnLst>
+                                    <p:set>
+                                      <p:cBhvr>
+                                        <p:cTn id="11" dur="1" fill="hold">
+                                          <p:stCondLst>
+                                            <p:cond delay="0"/>
+                                          </p:stCondLst>
+                                        </p:cTn>
+                                        <p:tgtEl>
+                                          <p:spTgt spid="15">
+                                            <p:txEl>
+                                              <p:pRg st="1" end="1"/>
+                                            </p:txEl>
+                                          </p:spTgt>
+                                        </p:tgtEl>
+                                        <p:attrNameLst>
+                                          <p:attrName>style.visibility</p:attrName>
+                                        </p:attrNameLst>
+                                      </p:cBhvr>
+                                      <p:to>
+                                        <p:strVal val="visible"/>
+                                      </p:to>
+                                    </p:set>
+                                    <p:animEffect transition="in" filter="fade">
+                                      <p:cBhvr>
+                                        <p:cTn id="12" dur="500"/>
+                                        <p:tgtEl>
+                                          <p:spTgt spid="15">
+                                            <p:txEl>
+                                              <p:pRg st="1" end="1"/>
+                                            </p:txEl>
+                                          </p:spTgt>
+                                        </p:tgtEl>
+                                      </p:cBhvr>
+                                    </p:animEffect>
+                                  </p:childTnLst>
+                                </p:cTn>
+                              </p:par>
+                            </p:childTnLst>
+                          </p:cTn>
+                        </p:par>
+                      </p:childTnLst>
+                    </p:cTn>
+                  </p:par>
+                  <p:par>
+                    <p:cTn id="13" fill="hold">
+                      <p:stCondLst>
+                        <p:cond delay="indefinite"/>
+                      </p:stCondLst>
+                      <p:childTnLst>
+                        <p:par>
+                          <p:cTn id="14" fill="hold">
+                            <p:stCondLst>
+                              <p:cond delay="0"/>
+                            </p:stCondLst>
+                            <p:childTnLst>
+                              <p:par>
+                                <p:cTn id="15" presetID="10" presetClass="entr" presetSubtype="0" fill="hold" grpId="0" nodeType="clickEffect">
+                                  <p:stCondLst>
+                                    <p:cond delay="0"/>
+                                  </p:stCondLst>
+                                  <p:childTnLst>
+                                    <p:set>
+                                      <p:cBhvr>
+                                        <p:cTn id="16" dur="1" fill="hold">
+                                          <p:stCondLst>
+                                            <p:cond delay="0"/>
+                                          </p:stCondLst>
+                                        </p:cTn>
+                                        <p:tgtEl>
+                                          <p:spTgt spid="15">
+                                            <p:txEl>
+                                              <p:pRg st="2" end="2"/>
+                                            </p:txEl>
+                                          </p:spTgt>
+                                        </p:tgtEl>
+                                        <p:attrNameLst>
+                                          <p:attrName>style.visibility</p:attrName>
+                                        </p:attrNameLst>
+                                      </p:cBhvr>
+                                      <p:to>
+                                        <p:strVal val="visible"/>
+                                      </p:to>
+                                    </p:set>
+                                    <p:animEffect transition="in" filter="fade">
+                                      <p:cBhvr>
+                                        <p:cTn id="17" dur="500"/>
+                                        <p:tgtEl>
+                                          <p:spTgt spid="15">
+                                            <p:txEl>
+                                              <p:pRg st="2" end="2"/>
+                                            </p:txEl>
+                                          </p:spTgt>
+                                        </p:tgtEl>
+                                      </p:cBhvr>
+                                    </p:animEffect>
+                                  </p:childTnLst>
+                                </p:cTn>
+                              </p:par>
+                            </p:childTnLst>
+                          </p:cTn>
+                        </p:par>
+                      </p:childTnLst>
+                    </p:cTn>
+                  </p:par>
+                  <p:par>
+                    <p:cTn id="18" fill="hold">
+                      <p:stCondLst>
+                        <p:cond delay="indefinite"/>
+                      </p:stCondLst>
+                      <p:childTnLst>
+                        <p:par>
+                          <p:cTn id="19" fill="hold">
+                            <p:stCondLst>
+                              <p:cond delay="0"/>
+                            </p:stCondLst>
+                            <p:childTnLst>
+                              <p:par>
+                                <p:cTn id="20" presetID="10" presetClass="entr" presetSubtype="0" fill="hold" grpId="0" nodeType="clickEffect">
+                                  <p:stCondLst>
+                                    <p:cond delay="0"/>
+                                  </p:stCondLst>
+                                  <p:childTnLst>
+                                    <p:set>
+                                      <p:cBhvr>
+                                        <p:cTn id="21" dur="1" fill="hold">
+                                          <p:stCondLst>
+                                            <p:cond delay="0"/>
+                                          </p:stCondLst>
+                                        </p:cTn>
+                                        <p:tgtEl>
+                                          <p:spTgt spid="15">
+                                            <p:txEl>
+                                              <p:pRg st="3" end="3"/>
+                                            </p:txEl>
+                                          </p:spTgt>
+                                        </p:tgtEl>
+                                        <p:attrNameLst>
+                                          <p:attrName>style.visibility</p:attrName>
+                                        </p:attrNameLst>
+                                      </p:cBhvr>
+                                      <p:to>
+                                        <p:strVal val="visible"/>
+                                      </p:to>
+                                    </p:set>
+                                    <p:animEffect transition="in" filter="fade">
+                                      <p:cBhvr>
+                                        <p:cTn id="22" dur="500"/>
+                                        <p:tgtEl>
+                                          <p:spTgt spid="15">
+                                            <p:txEl>
+                                              <p:pRg st="3" end="3"/>
+                                            </p:txEl>
+                                          </p:spTgt>
+                                        </p:tgtEl>
+                                      </p:cBhvr>
+                                    </p:animEffect>
+                                  </p:childTnLst>
+                                </p:cTn>
+                              </p:par>
+                            </p:childTnLst>
+                          </p:cTn>
+                        </p:par>
+                      </p:childTnLst>
+                    </p:cTn>
+                  </p:par>
+                  <p:par>
+                    <p:cTn id="23" fill="hold">
+                      <p:stCondLst>
+                        <p:cond delay="indefinite"/>
+                      </p:stCondLst>
+                      <p:childTnLst>
+                        <p:par>
+                          <p:cTn id="24" fill="hold">
+                            <p:stCondLst>
+                              <p:cond delay="0"/>
+                            </p:stCondLst>
+                            <p:childTnLst>
+                              <p:par>
+                                <p:cTn id="25" presetID="10" presetClass="entr" presetSubtype="0" fill="hold" grpId="0" nodeType="clickEffect">
+                                  <p:stCondLst>
+                                    <p:cond delay="0"/>
+                                  </p:stCondLst>
+                                  <p:childTnLst>
+                                    <p:set>
+                                      <p:cBhvr>
+                                        <p:cTn id="26" dur="1" fill="hold">
+                                          <p:stCondLst>
+                                            <p:cond delay="0"/>
+                                          </p:stCondLst>
+                                        </p:cTn>
+                                        <p:tgtEl>
+                                          <p:spTgt spid="15">
+                                            <p:txEl>
+                                              <p:pRg st="4" end="4"/>
+                                            </p:txEl>
+                                          </p:spTgt>
+                                        </p:tgtEl>
+                                        <p:attrNameLst>
+                                          <p:attrName>style.visibility</p:attrName>
+                                        </p:attrNameLst>
+                                      </p:cBhvr>
+                                      <p:to>
+                                        <p:strVal val="visible"/>
+                                      </p:to>
+                                    </p:set>
+                                    <p:animEffect transition="in" filter="fade">
+                                      <p:cBhvr>
+                                        <p:cTn id="27" dur="500"/>
+                                        <p:tgtEl>
+                                          <p:spTgt spid="15">
+                                            <p:txEl>
+                                              <p:pRg st="4" end="4"/>
+                                            </p:txEl>
+                                          </p:spTgt>
+                                        </p:tgtEl>
+                                      </p:cBhvr>
+                                    </p:animEffect>
+                                  </p:childTnLst>
+                                </p:cTn>
+                              </p:par>
+                            </p:childTnLst>
+                          </p:cTn>
+                        </p:par>
+                      </p:childTnLst>
+                    </p:cTn>
+                  </p:par>
+                  <p:par>
+                    <p:cTn id="28" fill="hold">
+                      <p:stCondLst>
+                        <p:cond delay="indefinite"/>
+                      </p:stCondLst>
+                      <p:childTnLst>
+                        <p:par>
+                          <p:cTn id="29" fill="hold">
+                            <p:stCondLst>
+                              <p:cond delay="0"/>
+                            </p:stCondLst>
+                            <p:childTnLst>
+                              <p:par>
+                                <p:cTn id="30" presetID="10" presetClass="entr" presetSubtype="0" fill="hold" nodeType="clickEffect">
+                                  <p:stCondLst>
+                                    <p:cond delay="0"/>
+                                  </p:stCondLst>
+                                  <p:childTnLst>
+                                    <p:set>
+                                      <p:cBhvr>
+                                        <p:cTn id="31" dur="1" fill="hold">
+                                          <p:stCondLst>
+                                            <p:cond delay="0"/>
+                                          </p:stCondLst>
+                                        </p:cTn>
+                                        <p:tgtEl>
+                                          <p:spTgt spid="5"/>
+                                        </p:tgtEl>
+                                        <p:attrNameLst>
+                                          <p:attrName>style.visibility</p:attrName>
+                                        </p:attrNameLst>
+                                      </p:cBhvr>
+                                      <p:to>
+                                        <p:strVal val="visible"/>
+                                      </p:to>
+                                    </p:set>
+                                    <p:animEffect transition="in" filter="fade">
+                                      <p:cBhvr>
+                                        <p:cTn id="32" dur="500"/>
+                                        <p:tgtEl>
+                                          <p:spTgt spid="5"/>
+                                        </p:tgtEl>
+                                      </p:cBhvr>
+                                    </p:animEffect>
+                                  </p:childTnLst>
+                                </p:cTn>
+                              </p:par>
+                            </p:childTnLst>
+                          </p:cTn>
+                        </p:par>
+                      </p:childTnLst>
+                    </p:cTn>
+                  </p:par>
+                </p:childTnLst>
+              </p:cTn>
+              <p:prevCondLst>
+                <p:cond evt="onPrev" delay="0">
+                  <p:tgtEl>
+                    <p:sldTgt/>
+                  </p:tgtEl>
+                </p:cond>
+              </p:prevCondLst>
+              <p:nextCondLst>
+                <p:cond evt="onNext" delay="0">
+                  <p:tgtEl>
+                    <p:sldTgt/>
+                  </p:tgtEl>
+                </p:cond>
+              </p:nextCondLst>
+            </p:seq>
+          </p:childTnLst>
+        </p:cTn>
       </p:par>
     </p:tnLst>
+    <p:bldLst>
+      <p:bldP spid="15" grpId="0" build="p"/>
+    </p:bldLst>
   </p:timing>
 </p:sld>
 </file>
@@ -3703,8 +4230,8 @@
         </p:nvSpPr>
         <p:spPr>
           <a:xfrm>
-            <a:off x="152260" y="1099222"/>
-            <a:ext cx="4249472" cy="3346653"/>
+            <a:off x="152260" y="872199"/>
+            <a:ext cx="4667325" cy="3731332"/>
           </a:xfrm>
         </p:spPr>
         <p:txBody>
@@ -3715,7 +4242,7 @@
           <a:p>
             <a:r>
               <a:rPr lang="en-US" dirty="0"/>
-              <a:t>The finally block follows a try block or a catch block. A finally block of code always executes, irrespective of occurrence of an Exception</a:t>
+              <a:t>A try block can be followed by multiple catch blocks</a:t>
             </a:r>
             <a:r>
               <a:rPr lang="en-US" dirty="0" smtClean="0"/>
@@ -3724,8 +4251,20 @@
           </a:p>
           <a:p>
             <a:r>
+              <a:rPr lang="en-US" dirty="0" smtClean="0"/>
+              <a:t>We </a:t>
+            </a:r>
+            <a:r>
               <a:rPr lang="en-US" dirty="0"/>
-              <a:t>Using a finally block allows you to run any cleanup-type statements that you want to execute, no matter what happens in the protected code</a:t>
+              <a:t>can have any number of </a:t>
+            </a:r>
+            <a:r>
+              <a:rPr lang="en-US" dirty="0" smtClean="0"/>
+              <a:t>catch blocks </a:t>
+            </a:r>
+            <a:r>
+              <a:rPr lang="en-US" dirty="0"/>
+              <a:t>after a single try</a:t>
             </a:r>
             <a:r>
               <a:rPr lang="en-US" dirty="0" smtClean="0"/>
@@ -3733,6 +4272,57 @@
             </a:r>
           </a:p>
           <a:p>
+            <a:r>
+              <a:rPr lang="en-US" dirty="0"/>
+              <a:t>If the data type of the exception thrown matches ExceptionType1, it gets caught there. If not, the exception passes down to the second catch statement. </a:t>
+            </a:r>
+            <a:endParaRPr lang="en-US" dirty="0" smtClean="0"/>
+          </a:p>
+          <a:p>
+            <a:r>
+              <a:rPr lang="en-US" dirty="0" smtClean="0"/>
+              <a:t>This Continues </a:t>
+            </a:r>
+            <a:r>
+              <a:rPr lang="en-US" dirty="0"/>
+              <a:t>until the exception either is caught or falls through all catches, in which case the current method stops execution and the exception is thrown down to the previous method on the call stack</a:t>
+            </a:r>
+            <a:r>
+              <a:rPr lang="en-US" dirty="0" smtClean="0"/>
+              <a:t>.</a:t>
+            </a:r>
+          </a:p>
+          <a:p>
+            <a:r>
+              <a:rPr lang="en-US" dirty="0"/>
+              <a:t> At a time only one Exception is </a:t>
+            </a:r>
+            <a:r>
+              <a:rPr lang="en-US" dirty="0" err="1"/>
+              <a:t>occured</a:t>
+            </a:r>
+            <a:r>
+              <a:rPr lang="en-US" dirty="0"/>
+              <a:t> and at a time only one catch block is executed</a:t>
+            </a:r>
+            <a:r>
+              <a:rPr lang="en-US" dirty="0" smtClean="0"/>
+              <a:t>.</a:t>
+            </a:r>
+          </a:p>
+          <a:p>
+            <a:r>
+              <a:rPr lang="en-US" dirty="0"/>
+              <a:t>All catch blocks must be ordered from most specific to most general i.e. catch for </a:t>
+            </a:r>
+            <a:r>
+              <a:rPr lang="en-US" dirty="0" err="1"/>
+              <a:t>ArithmeticException</a:t>
+            </a:r>
+            <a:r>
+              <a:rPr lang="en-US" dirty="0"/>
+              <a:t> must come before catch for Exception.</a:t>
+            </a:r>
             <a:endParaRPr lang="en-US" dirty="0" smtClean="0"/>
           </a:p>
           <a:p>
@@ -3762,15 +4352,40 @@
           <a:p>
             <a:r>
               <a:rPr lang="en-US" dirty="0" smtClean="0"/>
-              <a:t>Finally block</a:t>
-            </a:r>
+              <a:t>Multiple Catch Blocks</a:t>
+            </a:r>
+            <a:endParaRPr lang="en-US" dirty="0"/>
           </a:p>
         </p:txBody>
       </p:sp>
+      <p:pic>
+        <p:nvPicPr>
+          <p:cNvPr id="2" name="Picture 1"/>
+          <p:cNvPicPr>
+            <a:picLocks noChangeAspect="1"/>
+          </p:cNvPicPr>
+          <p:nvPr/>
+        </p:nvPicPr>
+        <p:blipFill>
+          <a:blip r:embed="rId2"/>
+          <a:stretch>
+            <a:fillRect/>
+          </a:stretch>
+        </p:blipFill>
+        <p:spPr>
+          <a:xfrm>
+            <a:off x="4487720" y="1023870"/>
+            <a:ext cx="4429256" cy="2236438"/>
+          </a:xfrm>
+          <a:prstGeom prst="rect">
+            <a:avLst/>
+          </a:prstGeom>
+        </p:spPr>
+      </p:pic>
     </p:spTree>
     <p:extLst>
       <p:ext uri="{BB962C8B-B14F-4D97-AF65-F5344CB8AC3E}">
-        <p14:creationId xmlns:p14="http://schemas.microsoft.com/office/powerpoint/2010/main" val="3628243259"/>
+        <p14:creationId xmlns:p14="http://schemas.microsoft.com/office/powerpoint/2010/main" val="2803217742"/>
       </p:ext>
     </p:extLst>
   </p:cSld>
@@ -3780,9 +4395,454 @@
   <p:timing>
     <p:tnLst>
       <p:par>
-        <p:cTn id="1" dur="indefinite" restart="never" nodeType="tmRoot"/>
+        <p:cTn id="1" dur="indefinite" restart="never" nodeType="tmRoot">
+          <p:childTnLst>
+            <p:seq concurrent="1" nextAc="seek">
+              <p:cTn id="2" dur="indefinite" nodeType="mainSeq">
+                <p:childTnLst>
+                  <p:par>
+                    <p:cTn id="3" fill="hold">
+                      <p:stCondLst>
+                        <p:cond delay="indefinite"/>
+                      </p:stCondLst>
+                      <p:childTnLst>
+                        <p:par>
+                          <p:cTn id="4" fill="hold">
+                            <p:stCondLst>
+                              <p:cond delay="0"/>
+                            </p:stCondLst>
+                            <p:childTnLst>
+                              <p:par>
+                                <p:cTn id="5" presetID="10" presetClass="entr" presetSubtype="0" fill="hold" grpId="0" nodeType="clickEffect">
+                                  <p:stCondLst>
+                                    <p:cond delay="0"/>
+                                  </p:stCondLst>
+                                  <p:childTnLst>
+                                    <p:set>
+                                      <p:cBhvr>
+                                        <p:cTn id="6" dur="1" fill="hold">
+                                          <p:stCondLst>
+                                            <p:cond delay="0"/>
+                                          </p:stCondLst>
+                                        </p:cTn>
+                                        <p:tgtEl>
+                                          <p:spTgt spid="15">
+                                            <p:txEl>
+                                              <p:pRg st="0" end="0"/>
+                                            </p:txEl>
+                                          </p:spTgt>
+                                        </p:tgtEl>
+                                        <p:attrNameLst>
+                                          <p:attrName>style.visibility</p:attrName>
+                                        </p:attrNameLst>
+                                      </p:cBhvr>
+                                      <p:to>
+                                        <p:strVal val="visible"/>
+                                      </p:to>
+                                    </p:set>
+                                    <p:animEffect transition="in" filter="fade">
+                                      <p:cBhvr>
+                                        <p:cTn id="7" dur="500"/>
+                                        <p:tgtEl>
+                                          <p:spTgt spid="15">
+                                            <p:txEl>
+                                              <p:pRg st="0" end="0"/>
+                                            </p:txEl>
+                                          </p:spTgt>
+                                        </p:tgtEl>
+                                      </p:cBhvr>
+                                    </p:animEffect>
+                                  </p:childTnLst>
+                                </p:cTn>
+                              </p:par>
+                            </p:childTnLst>
+                          </p:cTn>
+                        </p:par>
+                      </p:childTnLst>
+                    </p:cTn>
+                  </p:par>
+                  <p:par>
+                    <p:cTn id="8" fill="hold">
+                      <p:stCondLst>
+                        <p:cond delay="indefinite"/>
+                      </p:stCondLst>
+                      <p:childTnLst>
+                        <p:par>
+                          <p:cTn id="9" fill="hold">
+                            <p:stCondLst>
+                              <p:cond delay="0"/>
+                            </p:stCondLst>
+                            <p:childTnLst>
+                              <p:par>
+                                <p:cTn id="10" presetID="10" presetClass="entr" presetSubtype="0" fill="hold" grpId="0" nodeType="clickEffect">
+                                  <p:stCondLst>
+                                    <p:cond delay="0"/>
+                                  </p:stCondLst>
+                                  <p:childTnLst>
+                                    <p:set>
+                                      <p:cBhvr>
+                                        <p:cTn id="11" dur="1" fill="hold">
+                                          <p:stCondLst>
+                                            <p:cond delay="0"/>
+                                          </p:stCondLst>
+                                        </p:cTn>
+                                        <p:tgtEl>
+                                          <p:spTgt spid="15">
+                                            <p:txEl>
+                                              <p:pRg st="1" end="1"/>
+                                            </p:txEl>
+                                          </p:spTgt>
+                                        </p:tgtEl>
+                                        <p:attrNameLst>
+                                          <p:attrName>style.visibility</p:attrName>
+                                        </p:attrNameLst>
+                                      </p:cBhvr>
+                                      <p:to>
+                                        <p:strVal val="visible"/>
+                                      </p:to>
+                                    </p:set>
+                                    <p:animEffect transition="in" filter="fade">
+                                      <p:cBhvr>
+                                        <p:cTn id="12" dur="500"/>
+                                        <p:tgtEl>
+                                          <p:spTgt spid="15">
+                                            <p:txEl>
+                                              <p:pRg st="1" end="1"/>
+                                            </p:txEl>
+                                          </p:spTgt>
+                                        </p:tgtEl>
+                                      </p:cBhvr>
+                                    </p:animEffect>
+                                  </p:childTnLst>
+                                </p:cTn>
+                              </p:par>
+                            </p:childTnLst>
+                          </p:cTn>
+                        </p:par>
+                      </p:childTnLst>
+                    </p:cTn>
+                  </p:par>
+                  <p:par>
+                    <p:cTn id="13" fill="hold">
+                      <p:stCondLst>
+                        <p:cond delay="indefinite"/>
+                      </p:stCondLst>
+                      <p:childTnLst>
+                        <p:par>
+                          <p:cTn id="14" fill="hold">
+                            <p:stCondLst>
+                              <p:cond delay="0"/>
+                            </p:stCondLst>
+                            <p:childTnLst>
+                              <p:par>
+                                <p:cTn id="15" presetID="10" presetClass="entr" presetSubtype="0" fill="hold" grpId="0" nodeType="clickEffect">
+                                  <p:stCondLst>
+                                    <p:cond delay="0"/>
+                                  </p:stCondLst>
+                                  <p:childTnLst>
+                                    <p:set>
+                                      <p:cBhvr>
+                                        <p:cTn id="16" dur="1" fill="hold">
+                                          <p:stCondLst>
+                                            <p:cond delay="0"/>
+                                          </p:stCondLst>
+                                        </p:cTn>
+                                        <p:tgtEl>
+                                          <p:spTgt spid="15">
+                                            <p:txEl>
+                                              <p:pRg st="2" end="2"/>
+                                            </p:txEl>
+                                          </p:spTgt>
+                                        </p:tgtEl>
+                                        <p:attrNameLst>
+                                          <p:attrName>style.visibility</p:attrName>
+                                        </p:attrNameLst>
+                                      </p:cBhvr>
+                                      <p:to>
+                                        <p:strVal val="visible"/>
+                                      </p:to>
+                                    </p:set>
+                                    <p:animEffect transition="in" filter="fade">
+                                      <p:cBhvr>
+                                        <p:cTn id="17" dur="500"/>
+                                        <p:tgtEl>
+                                          <p:spTgt spid="15">
+                                            <p:txEl>
+                                              <p:pRg st="2" end="2"/>
+                                            </p:txEl>
+                                          </p:spTgt>
+                                        </p:tgtEl>
+                                      </p:cBhvr>
+                                    </p:animEffect>
+                                  </p:childTnLst>
+                                </p:cTn>
+                              </p:par>
+                            </p:childTnLst>
+                          </p:cTn>
+                        </p:par>
+                      </p:childTnLst>
+                    </p:cTn>
+                  </p:par>
+                  <p:par>
+                    <p:cTn id="18" fill="hold">
+                      <p:stCondLst>
+                        <p:cond delay="indefinite"/>
+                      </p:stCondLst>
+                      <p:childTnLst>
+                        <p:par>
+                          <p:cTn id="19" fill="hold">
+                            <p:stCondLst>
+                              <p:cond delay="0"/>
+                            </p:stCondLst>
+                            <p:childTnLst>
+                              <p:par>
+                                <p:cTn id="20" presetID="10" presetClass="entr" presetSubtype="0" fill="hold" grpId="0" nodeType="clickEffect">
+                                  <p:stCondLst>
+                                    <p:cond delay="0"/>
+                                  </p:stCondLst>
+                                  <p:childTnLst>
+                                    <p:set>
+                                      <p:cBhvr>
+                                        <p:cTn id="21" dur="1" fill="hold">
+                                          <p:stCondLst>
+                                            <p:cond delay="0"/>
+                                          </p:stCondLst>
+                                        </p:cTn>
+                                        <p:tgtEl>
+                                          <p:spTgt spid="15">
+                                            <p:txEl>
+                                              <p:pRg st="3" end="3"/>
+                                            </p:txEl>
+                                          </p:spTgt>
+                                        </p:tgtEl>
+                                        <p:attrNameLst>
+                                          <p:attrName>style.visibility</p:attrName>
+                                        </p:attrNameLst>
+                                      </p:cBhvr>
+                                      <p:to>
+                                        <p:strVal val="visible"/>
+                                      </p:to>
+                                    </p:set>
+                                    <p:animEffect transition="in" filter="fade">
+                                      <p:cBhvr>
+                                        <p:cTn id="22" dur="500"/>
+                                        <p:tgtEl>
+                                          <p:spTgt spid="15">
+                                            <p:txEl>
+                                              <p:pRg st="3" end="3"/>
+                                            </p:txEl>
+                                          </p:spTgt>
+                                        </p:tgtEl>
+                                      </p:cBhvr>
+                                    </p:animEffect>
+                                  </p:childTnLst>
+                                </p:cTn>
+                              </p:par>
+                            </p:childTnLst>
+                          </p:cTn>
+                        </p:par>
+                      </p:childTnLst>
+                    </p:cTn>
+                  </p:par>
+                  <p:par>
+                    <p:cTn id="23" fill="hold">
+                      <p:stCondLst>
+                        <p:cond delay="indefinite"/>
+                      </p:stCondLst>
+                      <p:childTnLst>
+                        <p:par>
+                          <p:cTn id="24" fill="hold">
+                            <p:stCondLst>
+                              <p:cond delay="0"/>
+                            </p:stCondLst>
+                            <p:childTnLst>
+                              <p:par>
+                                <p:cTn id="25" presetID="10" presetClass="entr" presetSubtype="0" fill="hold" grpId="0" nodeType="clickEffect">
+                                  <p:stCondLst>
+                                    <p:cond delay="0"/>
+                                  </p:stCondLst>
+                                  <p:childTnLst>
+                                    <p:set>
+                                      <p:cBhvr>
+                                        <p:cTn id="26" dur="1" fill="hold">
+                                          <p:stCondLst>
+                                            <p:cond delay="0"/>
+                                          </p:stCondLst>
+                                        </p:cTn>
+                                        <p:tgtEl>
+                                          <p:spTgt spid="15">
+                                            <p:txEl>
+                                              <p:pRg st="4" end="4"/>
+                                            </p:txEl>
+                                          </p:spTgt>
+                                        </p:tgtEl>
+                                        <p:attrNameLst>
+                                          <p:attrName>style.visibility</p:attrName>
+                                        </p:attrNameLst>
+                                      </p:cBhvr>
+                                      <p:to>
+                                        <p:strVal val="visible"/>
+                                      </p:to>
+                                    </p:set>
+                                    <p:animEffect transition="in" filter="fade">
+                                      <p:cBhvr>
+                                        <p:cTn id="27" dur="500"/>
+                                        <p:tgtEl>
+                                          <p:spTgt spid="15">
+                                            <p:txEl>
+                                              <p:pRg st="4" end="4"/>
+                                            </p:txEl>
+                                          </p:spTgt>
+                                        </p:tgtEl>
+                                      </p:cBhvr>
+                                    </p:animEffect>
+                                  </p:childTnLst>
+                                </p:cTn>
+                              </p:par>
+                            </p:childTnLst>
+                          </p:cTn>
+                        </p:par>
+                      </p:childTnLst>
+                    </p:cTn>
+                  </p:par>
+                  <p:par>
+                    <p:cTn id="28" fill="hold">
+                      <p:stCondLst>
+                        <p:cond delay="indefinite"/>
+                      </p:stCondLst>
+                      <p:childTnLst>
+                        <p:par>
+                          <p:cTn id="29" fill="hold">
+                            <p:stCondLst>
+                              <p:cond delay="0"/>
+                            </p:stCondLst>
+                            <p:childTnLst>
+                              <p:par>
+                                <p:cTn id="30" presetID="10" presetClass="entr" presetSubtype="0" fill="hold" grpId="0" nodeType="clickEffect">
+                                  <p:stCondLst>
+                                    <p:cond delay="0"/>
+                                  </p:stCondLst>
+                                  <p:childTnLst>
+                                    <p:set>
+                                      <p:cBhvr>
+                                        <p:cTn id="31" dur="1" fill="hold">
+                                          <p:stCondLst>
+                                            <p:cond delay="0"/>
+                                          </p:stCondLst>
+                                        </p:cTn>
+                                        <p:tgtEl>
+                                          <p:spTgt spid="15">
+                                            <p:txEl>
+                                              <p:pRg st="5" end="5"/>
+                                            </p:txEl>
+                                          </p:spTgt>
+                                        </p:tgtEl>
+                                        <p:attrNameLst>
+                                          <p:attrName>style.visibility</p:attrName>
+                                        </p:attrNameLst>
+                                      </p:cBhvr>
+                                      <p:to>
+                                        <p:strVal val="visible"/>
+                                      </p:to>
+                                    </p:set>
+                                    <p:animEffect transition="in" filter="fade">
+                                      <p:cBhvr>
+                                        <p:cTn id="32" dur="500"/>
+                                        <p:tgtEl>
+                                          <p:spTgt spid="15">
+                                            <p:txEl>
+                                              <p:pRg st="5" end="5"/>
+                                            </p:txEl>
+                                          </p:spTgt>
+                                        </p:tgtEl>
+                                      </p:cBhvr>
+                                    </p:animEffect>
+                                  </p:childTnLst>
+                                </p:cTn>
+                              </p:par>
+                            </p:childTnLst>
+                          </p:cTn>
+                        </p:par>
+                      </p:childTnLst>
+                    </p:cTn>
+                  </p:par>
+                  <p:par>
+                    <p:cTn id="33" fill="hold">
+                      <p:stCondLst>
+                        <p:cond delay="indefinite"/>
+                      </p:stCondLst>
+                      <p:childTnLst>
+                        <p:par>
+                          <p:cTn id="34" fill="hold">
+                            <p:stCondLst>
+                              <p:cond delay="0"/>
+                            </p:stCondLst>
+                            <p:childTnLst>
+                              <p:par>
+                                <p:cTn id="35" presetID="10" presetClass="entr" presetSubtype="0" fill="hold" nodeType="clickEffect">
+                                  <p:stCondLst>
+                                    <p:cond delay="0"/>
+                                  </p:stCondLst>
+                                  <p:childTnLst>
+                                    <p:set>
+                                      <p:cBhvr>
+                                        <p:cTn id="36" dur="1" fill="hold">
+                                          <p:stCondLst>
+                                            <p:cond delay="0"/>
+                                          </p:stCondLst>
+                                        </p:cTn>
+                                        <p:tgtEl>
+                                          <p:spTgt spid="2"/>
+                                        </p:tgtEl>
+                                        <p:attrNameLst>
+                                          <p:attrName>style.visibility</p:attrName>
+                                        </p:attrNameLst>
+                                      </p:cBhvr>
+                                      <p:to>
+                                        <p:strVal val="visible"/>
+                                      </p:to>
+                                    </p:set>
+                                    <p:animEffect transition="in" filter="fade">
+                                      <p:cBhvr>
+                                        <p:cTn id="37" dur="500"/>
+                                        <p:tgtEl>
+                                          <p:spTgt spid="2"/>
+                                        </p:tgtEl>
+                                      </p:cBhvr>
+                                    </p:animEffect>
+                                  </p:childTnLst>
+                                </p:cTn>
+                              </p:par>
+                            </p:childTnLst>
+                          </p:cTn>
+                        </p:par>
+                      </p:childTnLst>
+                    </p:cTn>
+                  </p:par>
+                </p:childTnLst>
+              </p:cTn>
+              <p:prevCondLst>
+                <p:cond evt="onPrev" delay="0">
+                  <p:tgtEl>
+                    <p:sldTgt/>
+                  </p:tgtEl>
+                </p:cond>
+              </p:prevCondLst>
+              <p:nextCondLst>
+                <p:cond evt="onNext" delay="0">
+                  <p:tgtEl>
+                    <p:sldTgt/>
+                  </p:tgtEl>
+                </p:cond>
+              </p:nextCondLst>
+            </p:seq>
+          </p:childTnLst>
+        </p:cTn>
       </p:par>
     </p:tnLst>
+    <p:bldLst>
+      <p:bldP spid="15" grpId="0" build="p"/>
+    </p:bldLst>
   </p:timing>
 </p:sld>
 </file>
@@ -3816,8 +4876,8 @@
         </p:nvSpPr>
         <p:spPr>
           <a:xfrm>
-            <a:off x="152260" y="1099222"/>
-            <a:ext cx="4249472" cy="3346653"/>
+            <a:off x="152260" y="872199"/>
+            <a:ext cx="4667325" cy="515167"/>
           </a:xfrm>
         </p:spPr>
         <p:txBody>
@@ -3828,48 +4888,12 @@
           <a:p>
             <a:r>
               <a:rPr lang="en-US" dirty="0"/>
-              <a:t>If a method does not handle a checked exception, the method must declare it using the </a:t>
-            </a:r>
-            <a:r>
-              <a:rPr lang="en-US" b="1" dirty="0"/>
-              <a:t>throws</a:t>
-            </a:r>
-            <a:r>
-              <a:rPr lang="en-US" dirty="0"/>
-              <a:t> keyword. The throws keyword appears at the end of a method's signature</a:t>
+              <a:t>The try block within a try block is known as nested try block in java</a:t>
             </a:r>
             <a:r>
               <a:rPr lang="en-US" dirty="0" smtClean="0"/>
               <a:t>.</a:t>
             </a:r>
-          </a:p>
-          <a:p>
-            <a:r>
-              <a:rPr lang="en-US" dirty="0"/>
-              <a:t>You can throw an exception, either a newly instantiated one or an exception that you just caught, by using the </a:t>
-            </a:r>
-            <a:r>
-              <a:rPr lang="en-US" b="1" dirty="0"/>
-              <a:t>throw</a:t>
-            </a:r>
-            <a:r>
-              <a:rPr lang="en-US" dirty="0"/>
-              <a:t> keyword</a:t>
-            </a:r>
-            <a:r>
-              <a:rPr lang="en-US" dirty="0" smtClean="0"/>
-              <a:t>.</a:t>
-            </a:r>
-          </a:p>
-          <a:p>
-            <a:r>
-              <a:rPr lang="en-US" dirty="0"/>
-              <a:t>A method can declare that it throws more than one exception, in which case the exceptions are declared in a list separated by commas.</a:t>
-            </a:r>
-            <a:endParaRPr lang="en-US" dirty="0" smtClean="0"/>
-          </a:p>
-          <a:p>
-            <a:endParaRPr lang="en-US" dirty="0" smtClean="0"/>
           </a:p>
         </p:txBody>
       </p:sp>
@@ -3895,8 +4919,9 @@
           <a:p>
             <a:r>
               <a:rPr lang="en-US" dirty="0" smtClean="0"/>
-              <a:t>Throws/throw</a:t>
-            </a:r>
+              <a:t>Nested Try Catch</a:t>
+            </a:r>
+            <a:endParaRPr lang="en-US" dirty="0"/>
           </a:p>
         </p:txBody>
       </p:sp>
@@ -3916,8 +4941,8 @@
         </p:blipFill>
         <p:spPr>
           <a:xfrm>
-            <a:off x="4221414" y="1413805"/>
-            <a:ext cx="4827993" cy="676275"/>
+            <a:off x="295538" y="1387366"/>
+            <a:ext cx="3897625" cy="3178328"/>
           </a:xfrm>
           <a:prstGeom prst="rect">
             <a:avLst/>
@@ -3927,7 +4952,7 @@
     </p:spTree>
     <p:extLst>
       <p:ext uri="{BB962C8B-B14F-4D97-AF65-F5344CB8AC3E}">
-        <p14:creationId xmlns:p14="http://schemas.microsoft.com/office/powerpoint/2010/main" val="2661571057"/>
+        <p14:creationId xmlns:p14="http://schemas.microsoft.com/office/powerpoint/2010/main" val="1764501018"/>
       </p:ext>
     </p:extLst>
   </p:cSld>
@@ -3937,9 +4962,149 @@
   <p:timing>
     <p:tnLst>
       <p:par>
-        <p:cTn id="1" dur="indefinite" restart="never" nodeType="tmRoot"/>
+        <p:cTn id="1" dur="indefinite" restart="never" nodeType="tmRoot">
+          <p:childTnLst>
+            <p:seq concurrent="1" nextAc="seek">
+              <p:cTn id="2" dur="indefinite" nodeType="mainSeq">
+                <p:childTnLst>
+                  <p:par>
+                    <p:cTn id="3" fill="hold">
+                      <p:stCondLst>
+                        <p:cond delay="indefinite"/>
+                      </p:stCondLst>
+                      <p:childTnLst>
+                        <p:par>
+                          <p:cTn id="4" fill="hold">
+                            <p:stCondLst>
+                              <p:cond delay="0"/>
+                            </p:stCondLst>
+                            <p:childTnLst>
+                              <p:par>
+                                <p:cTn id="5" presetID="10" presetClass="entr" presetSubtype="0" fill="hold" grpId="0" nodeType="clickEffect">
+                                  <p:stCondLst>
+                                    <p:cond delay="0"/>
+                                  </p:stCondLst>
+                                  <p:childTnLst>
+                                    <p:set>
+                                      <p:cBhvr>
+                                        <p:cTn id="6" dur="1" fill="hold">
+                                          <p:stCondLst>
+                                            <p:cond delay="0"/>
+                                          </p:stCondLst>
+                                        </p:cTn>
+                                        <p:tgtEl>
+                                          <p:spTgt spid="15">
+                                            <p:txEl>
+                                              <p:pRg st="0" end="0"/>
+                                            </p:txEl>
+                                          </p:spTgt>
+                                        </p:tgtEl>
+                                        <p:attrNameLst>
+                                          <p:attrName>style.visibility</p:attrName>
+                                        </p:attrNameLst>
+                                      </p:cBhvr>
+                                      <p:to>
+                                        <p:strVal val="visible"/>
+                                      </p:to>
+                                    </p:set>
+                                    <p:animEffect transition="in" filter="fade">
+                                      <p:cBhvr>
+                                        <p:cTn id="7" dur="500"/>
+                                        <p:tgtEl>
+                                          <p:spTgt spid="15">
+                                            <p:txEl>
+                                              <p:pRg st="0" end="0"/>
+                                            </p:txEl>
+                                          </p:spTgt>
+                                        </p:tgtEl>
+                                      </p:cBhvr>
+                                    </p:animEffect>
+                                  </p:childTnLst>
+                                </p:cTn>
+                              </p:par>
+                            </p:childTnLst>
+                          </p:cTn>
+                        </p:par>
+                      </p:childTnLst>
+                    </p:cTn>
+                  </p:par>
+                  <p:par>
+                    <p:cTn id="8" fill="hold">
+                      <p:stCondLst>
+                        <p:cond delay="indefinite"/>
+                      </p:stCondLst>
+                      <p:childTnLst>
+                        <p:par>
+                          <p:cTn id="9" fill="hold">
+                            <p:stCondLst>
+                              <p:cond delay="0"/>
+                            </p:stCondLst>
+                            <p:childTnLst>
+                              <p:par>
+                                <p:cTn id="10" presetID="10" presetClass="entr" presetSubtype="0" fill="hold" nodeType="clickEffect">
+                                  <p:stCondLst>
+                                    <p:cond delay="0"/>
+                                  </p:stCondLst>
+                                  <p:childTnLst>
+                                    <p:set>
+                                      <p:cBhvr>
+                                        <p:cTn id="11" dur="1" fill="hold">
+                                          <p:stCondLst>
+                                            <p:cond delay="0"/>
+                                          </p:stCondLst>
+                                        </p:cTn>
+                                        <p:tgtEl>
+                                          <p:spTgt spid="4"/>
+                                        </p:tgtEl>
+                                        <p:attrNameLst>
+                                          <p:attrName>style.visibility</p:attrName>
+                                        </p:attrNameLst>
+                                      </p:cBhvr>
+                                      <p:to>
+                                        <p:strVal val="visible"/>
+                                      </p:to>
+                                    </p:set>
+                                    <p:animEffect transition="in" filter="fade">
+                                      <p:cBhvr>
+                                        <p:cTn id="12" dur="500"/>
+                                        <p:tgtEl>
+                                          <p:spTgt spid="4"/>
+                                        </p:tgtEl>
+                                      </p:cBhvr>
+                                    </p:animEffect>
+                                  </p:childTnLst>
+                                </p:cTn>
+                              </p:par>
+                            </p:childTnLst>
+                          </p:cTn>
+                        </p:par>
+                      </p:childTnLst>
+                    </p:cTn>
+                  </p:par>
+                </p:childTnLst>
+              </p:cTn>
+              <p:prevCondLst>
+                <p:cond evt="onPrev" delay="0">
+                  <p:tgtEl>
+                    <p:sldTgt/>
+                  </p:tgtEl>
+                </p:cond>
+              </p:prevCondLst>
+              <p:nextCondLst>
+                <p:cond evt="onNext" delay="0">
+                  <p:tgtEl>
+                    <p:sldTgt/>
+                  </p:tgtEl>
+                </p:cond>
+              </p:nextCondLst>
+            </p:seq>
+          </p:childTnLst>
+        </p:cTn>
       </p:par>
     </p:tnLst>
+    <p:bldLst>
+      <p:bldP spid="15" grpId="0" build="p"/>
+    </p:bldLst>
   </p:timing>
 </p:sld>
 </file>
@@ -3985,11 +5150,7 @@
           <a:p>
             <a:r>
               <a:rPr lang="en-US" dirty="0"/>
-              <a:t>All exceptions must be a child of </a:t>
-            </a:r>
-            <a:r>
-              <a:rPr lang="en-US" dirty="0" err="1"/>
-              <a:t>Throwable</a:t>
+              <a:t>The finally block follows a try block or a catch block. A finally block of code always executes, irrespective of occurrence of an Exception</a:t>
             </a:r>
             <a:r>
               <a:rPr lang="en-US" dirty="0" smtClean="0"/>
@@ -3999,7 +5160,7 @@
           <a:p>
             <a:r>
               <a:rPr lang="en-US" dirty="0"/>
-              <a:t>If you want to write a checked exception that is automatically enforced by the Handle or Declare Rule, you need to extend the Exception class</a:t>
+              <a:t>Using a finally block allows you to run any cleanup-type statements that you want to execute, no matter what happens in the protected code</a:t>
             </a:r>
             <a:r>
               <a:rPr lang="en-US" dirty="0" smtClean="0"/>
@@ -4007,18 +5168,6 @@
             </a:r>
           </a:p>
           <a:p>
-            <a:r>
-              <a:rPr lang="en-US" dirty="0"/>
-              <a:t>If you want to write a runtime exception, you need to extend the </a:t>
-            </a:r>
-            <a:r>
-              <a:rPr lang="en-US" dirty="0" err="1"/>
-              <a:t>RuntimeException</a:t>
-            </a:r>
-            <a:r>
-              <a:rPr lang="en-US" dirty="0"/>
-              <a:t> class.</a:t>
-            </a:r>
             <a:endParaRPr lang="en-US" dirty="0" smtClean="0"/>
           </a:p>
           <a:p>
@@ -4048,39 +5197,15 @@
           <a:p>
             <a:r>
               <a:rPr lang="en-US" dirty="0" smtClean="0"/>
-              <a:t>Custom Exceptions</a:t>
+              <a:t>Finally block</a:t>
             </a:r>
           </a:p>
         </p:txBody>
       </p:sp>
-      <p:pic>
-        <p:nvPicPr>
-          <p:cNvPr id="2" name="Picture 1"/>
-          <p:cNvPicPr>
-            <a:picLocks noChangeAspect="1"/>
-          </p:cNvPicPr>
-          <p:nvPr/>
-        </p:nvPicPr>
-        <p:blipFill>
-          <a:blip r:embed="rId2"/>
-          <a:stretch>
-            <a:fillRect/>
-          </a:stretch>
-        </p:blipFill>
-        <p:spPr>
-          <a:xfrm>
-            <a:off x="5221933" y="1168356"/>
-            <a:ext cx="3543300" cy="990600"/>
-          </a:xfrm>
-          <a:prstGeom prst="rect">
-            <a:avLst/>
-          </a:prstGeom>
-        </p:spPr>
-      </p:pic>
     </p:spTree>
     <p:extLst>
       <p:ext uri="{BB962C8B-B14F-4D97-AF65-F5344CB8AC3E}">
-        <p14:creationId xmlns:p14="http://schemas.microsoft.com/office/powerpoint/2010/main" val="3453304037"/>
+        <p14:creationId xmlns:p14="http://schemas.microsoft.com/office/powerpoint/2010/main" val="3628243259"/>
       </p:ext>
     </p:extLst>
   </p:cSld>
@@ -4090,9 +5215,157 @@
   <p:timing>
     <p:tnLst>
       <p:par>
-        <p:cTn id="1" dur="indefinite" restart="never" nodeType="tmRoot"/>
+        <p:cTn id="1" dur="indefinite" restart="never" nodeType="tmRoot">
+          <p:childTnLst>
+            <p:seq concurrent="1" nextAc="seek">
+              <p:cTn id="2" dur="indefinite" nodeType="mainSeq">
+                <p:childTnLst>
+                  <p:par>
+                    <p:cTn id="3" fill="hold">
+                      <p:stCondLst>
+                        <p:cond delay="indefinite"/>
+                      </p:stCondLst>
+                      <p:childTnLst>
+                        <p:par>
+                          <p:cTn id="4" fill="hold">
+                            <p:stCondLst>
+                              <p:cond delay="0"/>
+                            </p:stCondLst>
+                            <p:childTnLst>
+                              <p:par>
+                                <p:cTn id="5" presetID="10" presetClass="entr" presetSubtype="0" fill="hold" grpId="0" nodeType="clickEffect">
+                                  <p:stCondLst>
+                                    <p:cond delay="0"/>
+                                  </p:stCondLst>
+                                  <p:childTnLst>
+                                    <p:set>
+                                      <p:cBhvr>
+                                        <p:cTn id="6" dur="1" fill="hold">
+                                          <p:stCondLst>
+                                            <p:cond delay="0"/>
+                                          </p:stCondLst>
+                                        </p:cTn>
+                                        <p:tgtEl>
+                                          <p:spTgt spid="15">
+                                            <p:txEl>
+                                              <p:pRg st="0" end="0"/>
+                                            </p:txEl>
+                                          </p:spTgt>
+                                        </p:tgtEl>
+                                        <p:attrNameLst>
+                                          <p:attrName>style.visibility</p:attrName>
+                                        </p:attrNameLst>
+                                      </p:cBhvr>
+                                      <p:to>
+                                        <p:strVal val="visible"/>
+                                      </p:to>
+                                    </p:set>
+                                    <p:animEffect transition="in" filter="fade">
+                                      <p:cBhvr>
+                                        <p:cTn id="7" dur="500"/>
+                                        <p:tgtEl>
+                                          <p:spTgt spid="15">
+                                            <p:txEl>
+                                              <p:pRg st="0" end="0"/>
+                                            </p:txEl>
+                                          </p:spTgt>
+                                        </p:tgtEl>
+                                      </p:cBhvr>
+                                    </p:animEffect>
+                                  </p:childTnLst>
+                                </p:cTn>
+                              </p:par>
+                            </p:childTnLst>
+                          </p:cTn>
+                        </p:par>
+                      </p:childTnLst>
+                    </p:cTn>
+                  </p:par>
+                  <p:par>
+                    <p:cTn id="8" fill="hold">
+                      <p:stCondLst>
+                        <p:cond delay="indefinite"/>
+                      </p:stCondLst>
+                      <p:childTnLst>
+                        <p:par>
+                          <p:cTn id="9" fill="hold">
+                            <p:stCondLst>
+                              <p:cond delay="0"/>
+                            </p:stCondLst>
+                            <p:childTnLst>
+                              <p:par>
+                                <p:cTn id="10" presetID="10" presetClass="entr" presetSubtype="0" fill="hold" grpId="0" nodeType="clickEffect">
+                                  <p:stCondLst>
+                                    <p:cond delay="0"/>
+                                  </p:stCondLst>
+                                  <p:childTnLst>
+                                    <p:set>
+                                      <p:cBhvr>
+                                        <p:cTn id="11" dur="1" fill="hold">
+                                          <p:stCondLst>
+                                            <p:cond delay="0"/>
+                                          </p:stCondLst>
+                                        </p:cTn>
+                                        <p:tgtEl>
+                                          <p:spTgt spid="15">
+                                            <p:txEl>
+                                              <p:pRg st="1" end="1"/>
+                                            </p:txEl>
+                                          </p:spTgt>
+                                        </p:tgtEl>
+                                        <p:attrNameLst>
+                                          <p:attrName>style.visibility</p:attrName>
+                                        </p:attrNameLst>
+                                      </p:cBhvr>
+                                      <p:to>
+                                        <p:strVal val="visible"/>
+                                      </p:to>
+                                    </p:set>
+                                    <p:animEffect transition="in" filter="fade">
+                                      <p:cBhvr>
+                                        <p:cTn id="12" dur="500"/>
+                                        <p:tgtEl>
+                                          <p:spTgt spid="15">
+                                            <p:txEl>
+                                              <p:pRg st="1" end="1"/>
+                                            </p:txEl>
+                                          </p:spTgt>
+                                        </p:tgtEl>
+                                      </p:cBhvr>
+                                    </p:animEffect>
+                                  </p:childTnLst>
+                                </p:cTn>
+                              </p:par>
+                            </p:childTnLst>
+                          </p:cTn>
+                        </p:par>
+                      </p:childTnLst>
+                    </p:cTn>
+                  </p:par>
+                </p:childTnLst>
+              </p:cTn>
+              <p:prevCondLst>
+                <p:cond evt="onPrev" delay="0">
+                  <p:tgtEl>
+                    <p:sldTgt/>
+                  </p:tgtEl>
+                </p:cond>
+              </p:prevCondLst>
+              <p:nextCondLst>
+                <p:cond evt="onNext" delay="0">
+                  <p:tgtEl>
+                    <p:sldTgt/>
+                  </p:tgtEl>
+                </p:cond>
+              </p:nextCondLst>
+            </p:seq>
+          </p:childTnLst>
+        </p:cTn>
       </p:par>
     </p:tnLst>
+    <p:bldLst>
+      <p:bldP spid="15" grpId="0" build="p"/>
+    </p:bldLst>
   </p:timing>
 </p:sld>
 </file>
@@ -4116,7 +5389,76 @@
       </p:grpSpPr>
       <p:sp>
         <p:nvSpPr>
-          <p:cNvPr id="2" name="Text Placeholder 1"/>
+          <p:cNvPr id="15" name="Content Placeholder 7"/>
+          <p:cNvSpPr>
+            <a:spLocks noGrp="1"/>
+          </p:cNvSpPr>
+          <p:nvPr>
+            <p:ph idx="1"/>
+          </p:nvPr>
+        </p:nvSpPr>
+        <p:spPr>
+          <a:xfrm>
+            <a:off x="152260" y="1099222"/>
+            <a:ext cx="4249472" cy="3346653"/>
+          </a:xfrm>
+        </p:spPr>
+        <p:txBody>
+          <a:bodyPr>
+            <a:noAutofit/>
+          </a:bodyPr>
+          <a:lstStyle/>
+          <a:p>
+            <a:r>
+              <a:rPr lang="en-US" dirty="0"/>
+              <a:t>If a method does not handle a checked exception, the method must declare it using the </a:t>
+            </a:r>
+            <a:r>
+              <a:rPr lang="en-US" b="1" dirty="0"/>
+              <a:t>throws</a:t>
+            </a:r>
+            <a:r>
+              <a:rPr lang="en-US" dirty="0"/>
+              <a:t> keyword. The throws keyword appears at the end of a method's signature</a:t>
+            </a:r>
+            <a:r>
+              <a:rPr lang="en-US" dirty="0" smtClean="0"/>
+              <a:t>.</a:t>
+            </a:r>
+          </a:p>
+          <a:p>
+            <a:r>
+              <a:rPr lang="en-US" dirty="0"/>
+              <a:t>You can throw an exception, either a newly instantiated one or an exception that you just caught, by using the </a:t>
+            </a:r>
+            <a:r>
+              <a:rPr lang="en-US" b="1" dirty="0"/>
+              <a:t>throw</a:t>
+            </a:r>
+            <a:r>
+              <a:rPr lang="en-US" dirty="0"/>
+              <a:t> keyword</a:t>
+            </a:r>
+            <a:r>
+              <a:rPr lang="en-US" dirty="0" smtClean="0"/>
+              <a:t>.</a:t>
+            </a:r>
+          </a:p>
+          <a:p>
+            <a:r>
+              <a:rPr lang="en-US" dirty="0"/>
+              <a:t>A method can declare that it throws more than one exception, in which case the exceptions are declared in a list separated by commas.</a:t>
+            </a:r>
+            <a:endParaRPr lang="en-US" dirty="0" smtClean="0"/>
+          </a:p>
+          <a:p>
+            <a:endParaRPr lang="en-US" dirty="0" smtClean="0"/>
+          </a:p>
+        </p:txBody>
+      </p:sp>
+      <p:sp>
+        <p:nvSpPr>
+          <p:cNvPr id="9" name="Text Placeholder 8"/>
           <p:cNvSpPr>
             <a:spLocks noGrp="1"/>
           </p:cNvSpPr>
@@ -4126,8 +5468,8 @@
         </p:nvSpPr>
         <p:spPr>
           <a:xfrm>
-            <a:off x="3456879" y="2178205"/>
-            <a:ext cx="2148468" cy="699516"/>
+            <a:off x="0" y="-1"/>
+            <a:ext cx="9144000" cy="712601"/>
           </a:xfrm>
         </p:spPr>
         <p:txBody>
@@ -4136,16 +5478,39 @@
           <a:p>
             <a:r>
               <a:rPr lang="en-US" dirty="0" smtClean="0"/>
-              <a:t>THANK YOU</a:t>
-            </a:r>
-            <a:endParaRPr lang="en-US" dirty="0"/>
+              <a:t>Throws/throw</a:t>
+            </a:r>
           </a:p>
         </p:txBody>
       </p:sp>
+      <p:pic>
+        <p:nvPicPr>
+          <p:cNvPr id="4" name="Picture 3"/>
+          <p:cNvPicPr>
+            <a:picLocks noChangeAspect="1"/>
+          </p:cNvPicPr>
+          <p:nvPr/>
+        </p:nvPicPr>
+        <p:blipFill>
+          <a:blip r:embed="rId2"/>
+          <a:stretch>
+            <a:fillRect/>
+          </a:stretch>
+        </p:blipFill>
+        <p:spPr>
+          <a:xfrm>
+            <a:off x="4221414" y="1413805"/>
+            <a:ext cx="4827993" cy="676275"/>
+          </a:xfrm>
+          <a:prstGeom prst="rect">
+            <a:avLst/>
+          </a:prstGeom>
+        </p:spPr>
+      </p:pic>
     </p:spTree>
     <p:extLst>
       <p:ext uri="{BB962C8B-B14F-4D97-AF65-F5344CB8AC3E}">
-        <p14:creationId xmlns:p14="http://schemas.microsoft.com/office/powerpoint/2010/main" val="1025092172"/>
+        <p14:creationId xmlns:p14="http://schemas.microsoft.com/office/powerpoint/2010/main" val="2661571057"/>
       </p:ext>
     </p:extLst>
   </p:cSld>
@@ -4155,9 +5520,1806 @@
   <p:timing>
     <p:tnLst>
       <p:par>
-        <p:cTn id="1" dur="indefinite" restart="never" nodeType="tmRoot"/>
+        <p:cTn id="1" dur="indefinite" restart="never" nodeType="tmRoot">
+          <p:childTnLst>
+            <p:seq concurrent="1" nextAc="seek">
+              <p:cTn id="2" dur="indefinite" nodeType="mainSeq">
+                <p:childTnLst>
+                  <p:par>
+                    <p:cTn id="3" fill="hold">
+                      <p:stCondLst>
+                        <p:cond delay="indefinite"/>
+                      </p:stCondLst>
+                      <p:childTnLst>
+                        <p:par>
+                          <p:cTn id="4" fill="hold">
+                            <p:stCondLst>
+                              <p:cond delay="0"/>
+                            </p:stCondLst>
+                            <p:childTnLst>
+                              <p:par>
+                                <p:cTn id="5" presetID="10" presetClass="entr" presetSubtype="0" fill="hold" grpId="0" nodeType="clickEffect">
+                                  <p:stCondLst>
+                                    <p:cond delay="0"/>
+                                  </p:stCondLst>
+                                  <p:childTnLst>
+                                    <p:set>
+                                      <p:cBhvr>
+                                        <p:cTn id="6" dur="1" fill="hold">
+                                          <p:stCondLst>
+                                            <p:cond delay="0"/>
+                                          </p:stCondLst>
+                                        </p:cTn>
+                                        <p:tgtEl>
+                                          <p:spTgt spid="15">
+                                            <p:txEl>
+                                              <p:pRg st="0" end="0"/>
+                                            </p:txEl>
+                                          </p:spTgt>
+                                        </p:tgtEl>
+                                        <p:attrNameLst>
+                                          <p:attrName>style.visibility</p:attrName>
+                                        </p:attrNameLst>
+                                      </p:cBhvr>
+                                      <p:to>
+                                        <p:strVal val="visible"/>
+                                      </p:to>
+                                    </p:set>
+                                    <p:animEffect transition="in" filter="fade">
+                                      <p:cBhvr>
+                                        <p:cTn id="7" dur="500"/>
+                                        <p:tgtEl>
+                                          <p:spTgt spid="15">
+                                            <p:txEl>
+                                              <p:pRg st="0" end="0"/>
+                                            </p:txEl>
+                                          </p:spTgt>
+                                        </p:tgtEl>
+                                      </p:cBhvr>
+                                    </p:animEffect>
+                                  </p:childTnLst>
+                                </p:cTn>
+                              </p:par>
+                            </p:childTnLst>
+                          </p:cTn>
+                        </p:par>
+                      </p:childTnLst>
+                    </p:cTn>
+                  </p:par>
+                  <p:par>
+                    <p:cTn id="8" fill="hold">
+                      <p:stCondLst>
+                        <p:cond delay="indefinite"/>
+                      </p:stCondLst>
+                      <p:childTnLst>
+                        <p:par>
+                          <p:cTn id="9" fill="hold">
+                            <p:stCondLst>
+                              <p:cond delay="0"/>
+                            </p:stCondLst>
+                            <p:childTnLst>
+                              <p:par>
+                                <p:cTn id="10" presetID="10" presetClass="entr" presetSubtype="0" fill="hold" grpId="0" nodeType="clickEffect">
+                                  <p:stCondLst>
+                                    <p:cond delay="0"/>
+                                  </p:stCondLst>
+                                  <p:childTnLst>
+                                    <p:set>
+                                      <p:cBhvr>
+                                        <p:cTn id="11" dur="1" fill="hold">
+                                          <p:stCondLst>
+                                            <p:cond delay="0"/>
+                                          </p:stCondLst>
+                                        </p:cTn>
+                                        <p:tgtEl>
+                                          <p:spTgt spid="15">
+                                            <p:txEl>
+                                              <p:pRg st="1" end="1"/>
+                                            </p:txEl>
+                                          </p:spTgt>
+                                        </p:tgtEl>
+                                        <p:attrNameLst>
+                                          <p:attrName>style.visibility</p:attrName>
+                                        </p:attrNameLst>
+                                      </p:cBhvr>
+                                      <p:to>
+                                        <p:strVal val="visible"/>
+                                      </p:to>
+                                    </p:set>
+                                    <p:animEffect transition="in" filter="fade">
+                                      <p:cBhvr>
+                                        <p:cTn id="12" dur="500"/>
+                                        <p:tgtEl>
+                                          <p:spTgt spid="15">
+                                            <p:txEl>
+                                              <p:pRg st="1" end="1"/>
+                                            </p:txEl>
+                                          </p:spTgt>
+                                        </p:tgtEl>
+                                      </p:cBhvr>
+                                    </p:animEffect>
+                                  </p:childTnLst>
+                                </p:cTn>
+                              </p:par>
+                            </p:childTnLst>
+                          </p:cTn>
+                        </p:par>
+                      </p:childTnLst>
+                    </p:cTn>
+                  </p:par>
+                  <p:par>
+                    <p:cTn id="13" fill="hold">
+                      <p:stCondLst>
+                        <p:cond delay="indefinite"/>
+                      </p:stCondLst>
+                      <p:childTnLst>
+                        <p:par>
+                          <p:cTn id="14" fill="hold">
+                            <p:stCondLst>
+                              <p:cond delay="0"/>
+                            </p:stCondLst>
+                            <p:childTnLst>
+                              <p:par>
+                                <p:cTn id="15" presetID="10" presetClass="entr" presetSubtype="0" fill="hold" grpId="0" nodeType="clickEffect">
+                                  <p:stCondLst>
+                                    <p:cond delay="0"/>
+                                  </p:stCondLst>
+                                  <p:childTnLst>
+                                    <p:set>
+                                      <p:cBhvr>
+                                        <p:cTn id="16" dur="1" fill="hold">
+                                          <p:stCondLst>
+                                            <p:cond delay="0"/>
+                                          </p:stCondLst>
+                                        </p:cTn>
+                                        <p:tgtEl>
+                                          <p:spTgt spid="15">
+                                            <p:txEl>
+                                              <p:pRg st="2" end="2"/>
+                                            </p:txEl>
+                                          </p:spTgt>
+                                        </p:tgtEl>
+                                        <p:attrNameLst>
+                                          <p:attrName>style.visibility</p:attrName>
+                                        </p:attrNameLst>
+                                      </p:cBhvr>
+                                      <p:to>
+                                        <p:strVal val="visible"/>
+                                      </p:to>
+                                    </p:set>
+                                    <p:animEffect transition="in" filter="fade">
+                                      <p:cBhvr>
+                                        <p:cTn id="17" dur="500"/>
+                                        <p:tgtEl>
+                                          <p:spTgt spid="15">
+                                            <p:txEl>
+                                              <p:pRg st="2" end="2"/>
+                                            </p:txEl>
+                                          </p:spTgt>
+                                        </p:tgtEl>
+                                      </p:cBhvr>
+                                    </p:animEffect>
+                                  </p:childTnLst>
+                                </p:cTn>
+                              </p:par>
+                            </p:childTnLst>
+                          </p:cTn>
+                        </p:par>
+                      </p:childTnLst>
+                    </p:cTn>
+                  </p:par>
+                  <p:par>
+                    <p:cTn id="18" fill="hold">
+                      <p:stCondLst>
+                        <p:cond delay="indefinite"/>
+                      </p:stCondLst>
+                      <p:childTnLst>
+                        <p:par>
+                          <p:cTn id="19" fill="hold">
+                            <p:stCondLst>
+                              <p:cond delay="0"/>
+                            </p:stCondLst>
+                            <p:childTnLst>
+                              <p:par>
+                                <p:cTn id="20" presetID="10" presetClass="entr" presetSubtype="0" fill="hold" nodeType="clickEffect">
+                                  <p:stCondLst>
+                                    <p:cond delay="0"/>
+                                  </p:stCondLst>
+                                  <p:childTnLst>
+                                    <p:set>
+                                      <p:cBhvr>
+                                        <p:cTn id="21" dur="1" fill="hold">
+                                          <p:stCondLst>
+                                            <p:cond delay="0"/>
+                                          </p:stCondLst>
+                                        </p:cTn>
+                                        <p:tgtEl>
+                                          <p:spTgt spid="4"/>
+                                        </p:tgtEl>
+                                        <p:attrNameLst>
+                                          <p:attrName>style.visibility</p:attrName>
+                                        </p:attrNameLst>
+                                      </p:cBhvr>
+                                      <p:to>
+                                        <p:strVal val="visible"/>
+                                      </p:to>
+                                    </p:set>
+                                    <p:animEffect transition="in" filter="fade">
+                                      <p:cBhvr>
+                                        <p:cTn id="22" dur="500"/>
+                                        <p:tgtEl>
+                                          <p:spTgt spid="4"/>
+                                        </p:tgtEl>
+                                      </p:cBhvr>
+                                    </p:animEffect>
+                                  </p:childTnLst>
+                                </p:cTn>
+                              </p:par>
+                            </p:childTnLst>
+                          </p:cTn>
+                        </p:par>
+                      </p:childTnLst>
+                    </p:cTn>
+                  </p:par>
+                </p:childTnLst>
+              </p:cTn>
+              <p:prevCondLst>
+                <p:cond evt="onPrev" delay="0">
+                  <p:tgtEl>
+                    <p:sldTgt/>
+                  </p:tgtEl>
+                </p:cond>
+              </p:prevCondLst>
+              <p:nextCondLst>
+                <p:cond evt="onNext" delay="0">
+                  <p:tgtEl>
+                    <p:sldTgt/>
+                  </p:tgtEl>
+                </p:cond>
+              </p:nextCondLst>
+            </p:seq>
+          </p:childTnLst>
+        </p:cTn>
       </p:par>
     </p:tnLst>
+    <p:bldLst>
+      <p:bldP spid="15" grpId="0" build="p"/>
+    </p:bldLst>
+  </p:timing>
+</p:sld>
+</file>
+
+<file path=ppt/slides/slide16.xml><?xml version="1.0" encoding="utf-8"?>
+<p:sld xmlns:a="http://schemas.openxmlformats.org/drawingml/2006/main" xmlns:r="http://schemas.openxmlformats.org/officeDocument/2006/relationships" xmlns:p="http://schemas.openxmlformats.org/presentationml/2006/main">
+  <p:cSld>
+    <p:spTree>
+      <p:nvGrpSpPr>
+        <p:cNvPr id="1" name=""/>
+        <p:cNvGrpSpPr/>
+        <p:nvPr/>
+      </p:nvGrpSpPr>
+      <p:grpSpPr>
+        <a:xfrm>
+          <a:off x="0" y="0"/>
+          <a:ext cx="0" cy="0"/>
+          <a:chOff x="0" y="0"/>
+          <a:chExt cx="0" cy="0"/>
+        </a:xfrm>
+      </p:grpSpPr>
+      <p:sp>
+        <p:nvSpPr>
+          <p:cNvPr id="15" name="Content Placeholder 7"/>
+          <p:cNvSpPr>
+            <a:spLocks noGrp="1"/>
+          </p:cNvSpPr>
+          <p:nvPr>
+            <p:ph idx="1"/>
+          </p:nvPr>
+        </p:nvSpPr>
+        <p:spPr>
+          <a:xfrm>
+            <a:off x="152260" y="1099222"/>
+            <a:ext cx="4249472" cy="3346653"/>
+          </a:xfrm>
+        </p:spPr>
+        <p:txBody>
+          <a:bodyPr>
+            <a:noAutofit/>
+          </a:bodyPr>
+          <a:lstStyle/>
+          <a:p>
+            <a:r>
+              <a:rPr lang="en-US" dirty="0"/>
+              <a:t>If the superclass method does not declare an </a:t>
+            </a:r>
+            <a:r>
+              <a:rPr lang="en-US" dirty="0" smtClean="0"/>
+              <a:t>exception</a:t>
+            </a:r>
+          </a:p>
+          <a:p>
+            <a:pPr lvl="1"/>
+            <a:r>
+              <a:rPr lang="en-US" dirty="0" smtClean="0"/>
+              <a:t>If </a:t>
+            </a:r>
+            <a:r>
+              <a:rPr lang="en-US" dirty="0"/>
+              <a:t>the superclass method does not declare an exception, subclass overridden method cannot declare the checked exception but it can declare unchecked </a:t>
+            </a:r>
+            <a:r>
+              <a:rPr lang="en-US" dirty="0" smtClean="0"/>
+              <a:t>exception.</a:t>
+            </a:r>
+          </a:p>
+          <a:p>
+            <a:pPr marL="342900" lvl="1" indent="0">
+              <a:buNone/>
+            </a:pPr>
+            <a:endParaRPr lang="en-US" dirty="0" smtClean="0"/>
+          </a:p>
+          <a:p>
+            <a:r>
+              <a:rPr lang="en-US" dirty="0"/>
+              <a:t>If the superclass method declares an </a:t>
+            </a:r>
+            <a:r>
+              <a:rPr lang="en-US" dirty="0" smtClean="0"/>
+              <a:t>exception</a:t>
+            </a:r>
+          </a:p>
+          <a:p>
+            <a:pPr lvl="1"/>
+            <a:r>
+              <a:rPr lang="en-US" dirty="0"/>
+              <a:t>If the superclass method declares an exception, subclass overridden method can declare same, subclass exception or no exception but cannot declare parent exception.</a:t>
+            </a:r>
+            <a:endParaRPr lang="en-US" dirty="0" smtClean="0"/>
+          </a:p>
+          <a:p>
+            <a:endParaRPr lang="en-US" dirty="0" smtClean="0"/>
+          </a:p>
+        </p:txBody>
+      </p:sp>
+      <p:sp>
+        <p:nvSpPr>
+          <p:cNvPr id="9" name="Text Placeholder 8"/>
+          <p:cNvSpPr>
+            <a:spLocks noGrp="1"/>
+          </p:cNvSpPr>
+          <p:nvPr>
+            <p:ph type="body" sz="quarter" idx="10"/>
+          </p:nvPr>
+        </p:nvSpPr>
+        <p:spPr>
+          <a:xfrm>
+            <a:off x="0" y="-1"/>
+            <a:ext cx="9144000" cy="712601"/>
+          </a:xfrm>
+        </p:spPr>
+        <p:txBody>
+          <a:bodyPr/>
+          <a:lstStyle/>
+          <a:p>
+            <a:r>
+              <a:rPr lang="en-US" dirty="0" smtClean="0"/>
+              <a:t>Exception Handling </a:t>
+            </a:r>
+            <a:r>
+              <a:rPr lang="en-US" dirty="0"/>
+              <a:t>with </a:t>
+            </a:r>
+            <a:r>
+              <a:rPr lang="en-US" dirty="0" smtClean="0"/>
+              <a:t>Method Overriding </a:t>
+            </a:r>
+            <a:r>
+              <a:rPr lang="en-US" dirty="0"/>
+              <a:t>in Java</a:t>
+            </a:r>
+            <a:endParaRPr lang="en-US" dirty="0" smtClean="0"/>
+          </a:p>
+        </p:txBody>
+      </p:sp>
+    </p:spTree>
+    <p:extLst>
+      <p:ext uri="{BB962C8B-B14F-4D97-AF65-F5344CB8AC3E}">
+        <p14:creationId xmlns:p14="http://schemas.microsoft.com/office/powerpoint/2010/main" val="3453304037"/>
+      </p:ext>
+    </p:extLst>
+  </p:cSld>
+  <p:clrMapOvr>
+    <a:masterClrMapping/>
+  </p:clrMapOvr>
+  <p:timing>
+    <p:tnLst>
+      <p:par>
+        <p:cTn id="1" dur="indefinite" restart="never" nodeType="tmRoot">
+          <p:childTnLst>
+            <p:seq concurrent="1" nextAc="seek">
+              <p:cTn id="2" dur="indefinite" nodeType="mainSeq">
+                <p:childTnLst>
+                  <p:par>
+                    <p:cTn id="3" fill="hold">
+                      <p:stCondLst>
+                        <p:cond delay="indefinite"/>
+                      </p:stCondLst>
+                      <p:childTnLst>
+                        <p:par>
+                          <p:cTn id="4" fill="hold">
+                            <p:stCondLst>
+                              <p:cond delay="0"/>
+                            </p:stCondLst>
+                            <p:childTnLst>
+                              <p:par>
+                                <p:cTn id="5" presetID="10" presetClass="entr" presetSubtype="0" fill="hold" grpId="0" nodeType="clickEffect">
+                                  <p:stCondLst>
+                                    <p:cond delay="0"/>
+                                  </p:stCondLst>
+                                  <p:childTnLst>
+                                    <p:set>
+                                      <p:cBhvr>
+                                        <p:cTn id="6" dur="1" fill="hold">
+                                          <p:stCondLst>
+                                            <p:cond delay="0"/>
+                                          </p:stCondLst>
+                                        </p:cTn>
+                                        <p:tgtEl>
+                                          <p:spTgt spid="15">
+                                            <p:txEl>
+                                              <p:pRg st="0" end="0"/>
+                                            </p:txEl>
+                                          </p:spTgt>
+                                        </p:tgtEl>
+                                        <p:attrNameLst>
+                                          <p:attrName>style.visibility</p:attrName>
+                                        </p:attrNameLst>
+                                      </p:cBhvr>
+                                      <p:to>
+                                        <p:strVal val="visible"/>
+                                      </p:to>
+                                    </p:set>
+                                    <p:animEffect transition="in" filter="fade">
+                                      <p:cBhvr>
+                                        <p:cTn id="7" dur="500"/>
+                                        <p:tgtEl>
+                                          <p:spTgt spid="15">
+                                            <p:txEl>
+                                              <p:pRg st="0" end="0"/>
+                                            </p:txEl>
+                                          </p:spTgt>
+                                        </p:tgtEl>
+                                      </p:cBhvr>
+                                    </p:animEffect>
+                                  </p:childTnLst>
+                                </p:cTn>
+                              </p:par>
+                              <p:par>
+                                <p:cTn id="8" presetID="10" presetClass="entr" presetSubtype="0" fill="hold" grpId="0" nodeType="withEffect">
+                                  <p:stCondLst>
+                                    <p:cond delay="0"/>
+                                  </p:stCondLst>
+                                  <p:childTnLst>
+                                    <p:set>
+                                      <p:cBhvr>
+                                        <p:cTn id="9" dur="1" fill="hold">
+                                          <p:stCondLst>
+                                            <p:cond delay="0"/>
+                                          </p:stCondLst>
+                                        </p:cTn>
+                                        <p:tgtEl>
+                                          <p:spTgt spid="15">
+                                            <p:txEl>
+                                              <p:pRg st="1" end="1"/>
+                                            </p:txEl>
+                                          </p:spTgt>
+                                        </p:tgtEl>
+                                        <p:attrNameLst>
+                                          <p:attrName>style.visibility</p:attrName>
+                                        </p:attrNameLst>
+                                      </p:cBhvr>
+                                      <p:to>
+                                        <p:strVal val="visible"/>
+                                      </p:to>
+                                    </p:set>
+                                    <p:animEffect transition="in" filter="fade">
+                                      <p:cBhvr>
+                                        <p:cTn id="10" dur="500"/>
+                                        <p:tgtEl>
+                                          <p:spTgt spid="15">
+                                            <p:txEl>
+                                              <p:pRg st="1" end="1"/>
+                                            </p:txEl>
+                                          </p:spTgt>
+                                        </p:tgtEl>
+                                      </p:cBhvr>
+                                    </p:animEffect>
+                                  </p:childTnLst>
+                                </p:cTn>
+                              </p:par>
+                            </p:childTnLst>
+                          </p:cTn>
+                        </p:par>
+                      </p:childTnLst>
+                    </p:cTn>
+                  </p:par>
+                  <p:par>
+                    <p:cTn id="11" fill="hold">
+                      <p:stCondLst>
+                        <p:cond delay="indefinite"/>
+                      </p:stCondLst>
+                      <p:childTnLst>
+                        <p:par>
+                          <p:cTn id="12" fill="hold">
+                            <p:stCondLst>
+                              <p:cond delay="0"/>
+                            </p:stCondLst>
+                            <p:childTnLst>
+                              <p:par>
+                                <p:cTn id="13" presetID="10" presetClass="entr" presetSubtype="0" fill="hold" grpId="0" nodeType="clickEffect">
+                                  <p:stCondLst>
+                                    <p:cond delay="0"/>
+                                  </p:stCondLst>
+                                  <p:childTnLst>
+                                    <p:set>
+                                      <p:cBhvr>
+                                        <p:cTn id="14" dur="1" fill="hold">
+                                          <p:stCondLst>
+                                            <p:cond delay="0"/>
+                                          </p:stCondLst>
+                                        </p:cTn>
+                                        <p:tgtEl>
+                                          <p:spTgt spid="15">
+                                            <p:txEl>
+                                              <p:pRg st="3" end="3"/>
+                                            </p:txEl>
+                                          </p:spTgt>
+                                        </p:tgtEl>
+                                        <p:attrNameLst>
+                                          <p:attrName>style.visibility</p:attrName>
+                                        </p:attrNameLst>
+                                      </p:cBhvr>
+                                      <p:to>
+                                        <p:strVal val="visible"/>
+                                      </p:to>
+                                    </p:set>
+                                    <p:animEffect transition="in" filter="fade">
+                                      <p:cBhvr>
+                                        <p:cTn id="15" dur="500"/>
+                                        <p:tgtEl>
+                                          <p:spTgt spid="15">
+                                            <p:txEl>
+                                              <p:pRg st="3" end="3"/>
+                                            </p:txEl>
+                                          </p:spTgt>
+                                        </p:tgtEl>
+                                      </p:cBhvr>
+                                    </p:animEffect>
+                                  </p:childTnLst>
+                                </p:cTn>
+                              </p:par>
+                              <p:par>
+                                <p:cTn id="16" presetID="10" presetClass="entr" presetSubtype="0" fill="hold" grpId="0" nodeType="withEffect">
+                                  <p:stCondLst>
+                                    <p:cond delay="0"/>
+                                  </p:stCondLst>
+                                  <p:childTnLst>
+                                    <p:set>
+                                      <p:cBhvr>
+                                        <p:cTn id="17" dur="1" fill="hold">
+                                          <p:stCondLst>
+                                            <p:cond delay="0"/>
+                                          </p:stCondLst>
+                                        </p:cTn>
+                                        <p:tgtEl>
+                                          <p:spTgt spid="15">
+                                            <p:txEl>
+                                              <p:pRg st="4" end="4"/>
+                                            </p:txEl>
+                                          </p:spTgt>
+                                        </p:tgtEl>
+                                        <p:attrNameLst>
+                                          <p:attrName>style.visibility</p:attrName>
+                                        </p:attrNameLst>
+                                      </p:cBhvr>
+                                      <p:to>
+                                        <p:strVal val="visible"/>
+                                      </p:to>
+                                    </p:set>
+                                    <p:animEffect transition="in" filter="fade">
+                                      <p:cBhvr>
+                                        <p:cTn id="18" dur="500"/>
+                                        <p:tgtEl>
+                                          <p:spTgt spid="15">
+                                            <p:txEl>
+                                              <p:pRg st="4" end="4"/>
+                                            </p:txEl>
+                                          </p:spTgt>
+                                        </p:tgtEl>
+                                      </p:cBhvr>
+                                    </p:animEffect>
+                                  </p:childTnLst>
+                                </p:cTn>
+                              </p:par>
+                            </p:childTnLst>
+                          </p:cTn>
+                        </p:par>
+                      </p:childTnLst>
+                    </p:cTn>
+                  </p:par>
+                </p:childTnLst>
+              </p:cTn>
+              <p:prevCondLst>
+                <p:cond evt="onPrev" delay="0">
+                  <p:tgtEl>
+                    <p:sldTgt/>
+                  </p:tgtEl>
+                </p:cond>
+              </p:prevCondLst>
+              <p:nextCondLst>
+                <p:cond evt="onNext" delay="0">
+                  <p:tgtEl>
+                    <p:sldTgt/>
+                  </p:tgtEl>
+                </p:cond>
+              </p:nextCondLst>
+            </p:seq>
+          </p:childTnLst>
+        </p:cTn>
+      </p:par>
+    </p:tnLst>
+    <p:bldLst>
+      <p:bldP spid="15" grpId="0" build="p"/>
+    </p:bldLst>
+  </p:timing>
+</p:sld>
+</file>
+
+<file path=ppt/slides/slide17.xml><?xml version="1.0" encoding="utf-8"?>
+<p:sld xmlns:a="http://schemas.openxmlformats.org/drawingml/2006/main" xmlns:r="http://schemas.openxmlformats.org/officeDocument/2006/relationships" xmlns:p="http://schemas.openxmlformats.org/presentationml/2006/main">
+  <p:cSld>
+    <p:spTree>
+      <p:nvGrpSpPr>
+        <p:cNvPr id="1" name=""/>
+        <p:cNvGrpSpPr/>
+        <p:nvPr/>
+      </p:nvGrpSpPr>
+      <p:grpSpPr>
+        <a:xfrm>
+          <a:off x="0" y="0"/>
+          <a:ext cx="0" cy="0"/>
+          <a:chOff x="0" y="0"/>
+          <a:chExt cx="0" cy="0"/>
+        </a:xfrm>
+      </p:grpSpPr>
+      <p:sp>
+        <p:nvSpPr>
+          <p:cNvPr id="15" name="Content Placeholder 7"/>
+          <p:cNvSpPr>
+            <a:spLocks noGrp="1"/>
+          </p:cNvSpPr>
+          <p:nvPr>
+            <p:ph idx="1"/>
+          </p:nvPr>
+        </p:nvSpPr>
+        <p:spPr>
+          <a:xfrm>
+            <a:off x="152260" y="1099223"/>
+            <a:ext cx="4249472" cy="1807264"/>
+          </a:xfrm>
+        </p:spPr>
+        <p:txBody>
+          <a:bodyPr>
+            <a:noAutofit/>
+          </a:bodyPr>
+          <a:lstStyle/>
+          <a:p>
+            <a:r>
+              <a:rPr lang="en-US" dirty="0"/>
+              <a:t>All exceptions must be a child of </a:t>
+            </a:r>
+            <a:r>
+              <a:rPr lang="en-US" dirty="0" err="1"/>
+              <a:t>Throwable</a:t>
+            </a:r>
+            <a:r>
+              <a:rPr lang="en-US" dirty="0" smtClean="0"/>
+              <a:t>.</a:t>
+            </a:r>
+          </a:p>
+          <a:p>
+            <a:r>
+              <a:rPr lang="en-US" dirty="0"/>
+              <a:t>If you want to write a checked exception that is automatically enforced by the Handle or Declare Rule, you need to extend the Exception class</a:t>
+            </a:r>
+            <a:r>
+              <a:rPr lang="en-US" dirty="0" smtClean="0"/>
+              <a:t>.</a:t>
+            </a:r>
+          </a:p>
+          <a:p>
+            <a:r>
+              <a:rPr lang="en-US" dirty="0"/>
+              <a:t>If you want to write a runtime exception, you need to extend the </a:t>
+            </a:r>
+            <a:r>
+              <a:rPr lang="en-US" dirty="0" err="1"/>
+              <a:t>RuntimeException</a:t>
+            </a:r>
+            <a:r>
+              <a:rPr lang="en-US" dirty="0"/>
+              <a:t> class.</a:t>
+            </a:r>
+            <a:endParaRPr lang="en-US" dirty="0" smtClean="0"/>
+          </a:p>
+        </p:txBody>
+      </p:sp>
+      <p:sp>
+        <p:nvSpPr>
+          <p:cNvPr id="9" name="Text Placeholder 8"/>
+          <p:cNvSpPr>
+            <a:spLocks noGrp="1"/>
+          </p:cNvSpPr>
+          <p:nvPr>
+            <p:ph type="body" sz="quarter" idx="10"/>
+          </p:nvPr>
+        </p:nvSpPr>
+        <p:spPr>
+          <a:xfrm>
+            <a:off x="0" y="-1"/>
+            <a:ext cx="9144000" cy="712601"/>
+          </a:xfrm>
+        </p:spPr>
+        <p:txBody>
+          <a:bodyPr/>
+          <a:lstStyle/>
+          <a:p>
+            <a:r>
+              <a:rPr lang="en-US" dirty="0" smtClean="0"/>
+              <a:t>Custom Exception</a:t>
+            </a:r>
+            <a:endParaRPr lang="en-US" dirty="0" smtClean="0"/>
+          </a:p>
+        </p:txBody>
+      </p:sp>
+    </p:spTree>
+    <p:extLst>
+      <p:ext uri="{BB962C8B-B14F-4D97-AF65-F5344CB8AC3E}">
+        <p14:creationId xmlns:p14="http://schemas.microsoft.com/office/powerpoint/2010/main" val="2986818926"/>
+      </p:ext>
+    </p:extLst>
+  </p:cSld>
+  <p:clrMapOvr>
+    <a:masterClrMapping/>
+  </p:clrMapOvr>
+  <p:timing>
+    <p:tnLst>
+      <p:par>
+        <p:cTn id="1" dur="indefinite" restart="never" nodeType="tmRoot">
+          <p:childTnLst>
+            <p:seq concurrent="1" nextAc="seek">
+              <p:cTn id="2" dur="indefinite" nodeType="mainSeq">
+                <p:childTnLst>
+                  <p:par>
+                    <p:cTn id="3" fill="hold">
+                      <p:stCondLst>
+                        <p:cond delay="indefinite"/>
+                      </p:stCondLst>
+                      <p:childTnLst>
+                        <p:par>
+                          <p:cTn id="4" fill="hold">
+                            <p:stCondLst>
+                              <p:cond delay="0"/>
+                            </p:stCondLst>
+                            <p:childTnLst>
+                              <p:par>
+                                <p:cTn id="5" presetID="10" presetClass="entr" presetSubtype="0" fill="hold" grpId="0" nodeType="clickEffect">
+                                  <p:stCondLst>
+                                    <p:cond delay="0"/>
+                                  </p:stCondLst>
+                                  <p:childTnLst>
+                                    <p:set>
+                                      <p:cBhvr>
+                                        <p:cTn id="6" dur="1" fill="hold">
+                                          <p:stCondLst>
+                                            <p:cond delay="0"/>
+                                          </p:stCondLst>
+                                        </p:cTn>
+                                        <p:tgtEl>
+                                          <p:spTgt spid="15">
+                                            <p:txEl>
+                                              <p:pRg st="0" end="0"/>
+                                            </p:txEl>
+                                          </p:spTgt>
+                                        </p:tgtEl>
+                                        <p:attrNameLst>
+                                          <p:attrName>style.visibility</p:attrName>
+                                        </p:attrNameLst>
+                                      </p:cBhvr>
+                                      <p:to>
+                                        <p:strVal val="visible"/>
+                                      </p:to>
+                                    </p:set>
+                                    <p:animEffect transition="in" filter="fade">
+                                      <p:cBhvr>
+                                        <p:cTn id="7" dur="500"/>
+                                        <p:tgtEl>
+                                          <p:spTgt spid="15">
+                                            <p:txEl>
+                                              <p:pRg st="0" end="0"/>
+                                            </p:txEl>
+                                          </p:spTgt>
+                                        </p:tgtEl>
+                                      </p:cBhvr>
+                                    </p:animEffect>
+                                  </p:childTnLst>
+                                </p:cTn>
+                              </p:par>
+                            </p:childTnLst>
+                          </p:cTn>
+                        </p:par>
+                      </p:childTnLst>
+                    </p:cTn>
+                  </p:par>
+                  <p:par>
+                    <p:cTn id="8" fill="hold">
+                      <p:stCondLst>
+                        <p:cond delay="indefinite"/>
+                      </p:stCondLst>
+                      <p:childTnLst>
+                        <p:par>
+                          <p:cTn id="9" fill="hold">
+                            <p:stCondLst>
+                              <p:cond delay="0"/>
+                            </p:stCondLst>
+                            <p:childTnLst>
+                              <p:par>
+                                <p:cTn id="10" presetID="10" presetClass="entr" presetSubtype="0" fill="hold" grpId="0" nodeType="clickEffect">
+                                  <p:stCondLst>
+                                    <p:cond delay="0"/>
+                                  </p:stCondLst>
+                                  <p:childTnLst>
+                                    <p:set>
+                                      <p:cBhvr>
+                                        <p:cTn id="11" dur="1" fill="hold">
+                                          <p:stCondLst>
+                                            <p:cond delay="0"/>
+                                          </p:stCondLst>
+                                        </p:cTn>
+                                        <p:tgtEl>
+                                          <p:spTgt spid="15">
+                                            <p:txEl>
+                                              <p:pRg st="1" end="1"/>
+                                            </p:txEl>
+                                          </p:spTgt>
+                                        </p:tgtEl>
+                                        <p:attrNameLst>
+                                          <p:attrName>style.visibility</p:attrName>
+                                        </p:attrNameLst>
+                                      </p:cBhvr>
+                                      <p:to>
+                                        <p:strVal val="visible"/>
+                                      </p:to>
+                                    </p:set>
+                                    <p:animEffect transition="in" filter="fade">
+                                      <p:cBhvr>
+                                        <p:cTn id="12" dur="500"/>
+                                        <p:tgtEl>
+                                          <p:spTgt spid="15">
+                                            <p:txEl>
+                                              <p:pRg st="1" end="1"/>
+                                            </p:txEl>
+                                          </p:spTgt>
+                                        </p:tgtEl>
+                                      </p:cBhvr>
+                                    </p:animEffect>
+                                  </p:childTnLst>
+                                </p:cTn>
+                              </p:par>
+                            </p:childTnLst>
+                          </p:cTn>
+                        </p:par>
+                      </p:childTnLst>
+                    </p:cTn>
+                  </p:par>
+                  <p:par>
+                    <p:cTn id="13" fill="hold">
+                      <p:stCondLst>
+                        <p:cond delay="indefinite"/>
+                      </p:stCondLst>
+                      <p:childTnLst>
+                        <p:par>
+                          <p:cTn id="14" fill="hold">
+                            <p:stCondLst>
+                              <p:cond delay="0"/>
+                            </p:stCondLst>
+                            <p:childTnLst>
+                              <p:par>
+                                <p:cTn id="15" presetID="10" presetClass="entr" presetSubtype="0" fill="hold" grpId="0" nodeType="clickEffect">
+                                  <p:stCondLst>
+                                    <p:cond delay="0"/>
+                                  </p:stCondLst>
+                                  <p:childTnLst>
+                                    <p:set>
+                                      <p:cBhvr>
+                                        <p:cTn id="16" dur="1" fill="hold">
+                                          <p:stCondLst>
+                                            <p:cond delay="0"/>
+                                          </p:stCondLst>
+                                        </p:cTn>
+                                        <p:tgtEl>
+                                          <p:spTgt spid="15">
+                                            <p:txEl>
+                                              <p:pRg st="2" end="2"/>
+                                            </p:txEl>
+                                          </p:spTgt>
+                                        </p:tgtEl>
+                                        <p:attrNameLst>
+                                          <p:attrName>style.visibility</p:attrName>
+                                        </p:attrNameLst>
+                                      </p:cBhvr>
+                                      <p:to>
+                                        <p:strVal val="visible"/>
+                                      </p:to>
+                                    </p:set>
+                                    <p:animEffect transition="in" filter="fade">
+                                      <p:cBhvr>
+                                        <p:cTn id="17" dur="500"/>
+                                        <p:tgtEl>
+                                          <p:spTgt spid="15">
+                                            <p:txEl>
+                                              <p:pRg st="2" end="2"/>
+                                            </p:txEl>
+                                          </p:spTgt>
+                                        </p:tgtEl>
+                                      </p:cBhvr>
+                                    </p:animEffect>
+                                  </p:childTnLst>
+                                </p:cTn>
+                              </p:par>
+                            </p:childTnLst>
+                          </p:cTn>
+                        </p:par>
+                      </p:childTnLst>
+                    </p:cTn>
+                  </p:par>
+                </p:childTnLst>
+              </p:cTn>
+              <p:prevCondLst>
+                <p:cond evt="onPrev" delay="0">
+                  <p:tgtEl>
+                    <p:sldTgt/>
+                  </p:tgtEl>
+                </p:cond>
+              </p:prevCondLst>
+              <p:nextCondLst>
+                <p:cond evt="onNext" delay="0">
+                  <p:tgtEl>
+                    <p:sldTgt/>
+                  </p:tgtEl>
+                </p:cond>
+              </p:nextCondLst>
+            </p:seq>
+          </p:childTnLst>
+        </p:cTn>
+      </p:par>
+    </p:tnLst>
+    <p:bldLst>
+      <p:bldP spid="15" grpId="0" build="p"/>
+    </p:bldLst>
+  </p:timing>
+</p:sld>
+</file>
+
+<file path=ppt/slides/slide18.xml><?xml version="1.0" encoding="utf-8"?>
+<p:sld xmlns:a="http://schemas.openxmlformats.org/drawingml/2006/main" xmlns:r="http://schemas.openxmlformats.org/officeDocument/2006/relationships" xmlns:p="http://schemas.openxmlformats.org/presentationml/2006/main">
+  <p:cSld>
+    <p:spTree>
+      <p:nvGrpSpPr>
+        <p:cNvPr id="1" name=""/>
+        <p:cNvGrpSpPr/>
+        <p:nvPr/>
+      </p:nvGrpSpPr>
+      <p:grpSpPr>
+        <a:xfrm>
+          <a:off x="0" y="0"/>
+          <a:ext cx="0" cy="0"/>
+          <a:chOff x="0" y="0"/>
+          <a:chExt cx="0" cy="0"/>
+        </a:xfrm>
+      </p:grpSpPr>
+      <p:sp>
+        <p:nvSpPr>
+          <p:cNvPr id="15" name="Content Placeholder 7"/>
+          <p:cNvSpPr>
+            <a:spLocks noGrp="1"/>
+          </p:cNvSpPr>
+          <p:nvPr>
+            <p:ph idx="1"/>
+          </p:nvPr>
+        </p:nvSpPr>
+        <p:spPr>
+          <a:xfrm>
+            <a:off x="152260" y="1099222"/>
+            <a:ext cx="4249472" cy="2337661"/>
+          </a:xfrm>
+        </p:spPr>
+        <p:txBody>
+          <a:bodyPr>
+            <a:noAutofit/>
+          </a:bodyPr>
+          <a:lstStyle/>
+          <a:p>
+            <a:pPr marL="0" indent="0">
+              <a:buNone/>
+            </a:pPr>
+            <a:r>
+              <a:rPr lang="en-US" sz="1400" b="1" dirty="0"/>
+              <a:t>Using only the Exception </a:t>
+            </a:r>
+            <a:r>
+              <a:rPr lang="en-US" sz="1400" b="1" dirty="0" smtClean="0"/>
+              <a:t>class:</a:t>
+            </a:r>
+            <a:r>
+              <a:rPr lang="en-US" b="1" dirty="0" smtClean="0"/>
+              <a:t> </a:t>
+            </a:r>
+          </a:p>
+          <a:p>
+            <a:r>
+              <a:rPr lang="en-US" dirty="0"/>
+              <a:t>It’s a common mistake that developers specifically catch the Exception class for any error</a:t>
+            </a:r>
+            <a:r>
+              <a:rPr lang="en-US" dirty="0" smtClean="0"/>
+              <a:t>.</a:t>
+            </a:r>
+          </a:p>
+          <a:p>
+            <a:r>
+              <a:rPr lang="en-US" dirty="0"/>
+              <a:t>It’s much more difficult to identify the error if you see only an Exception being caught</a:t>
+            </a:r>
+            <a:r>
+              <a:rPr lang="en-US" dirty="0" smtClean="0"/>
+              <a:t>.</a:t>
+            </a:r>
+          </a:p>
+          <a:p>
+            <a:r>
+              <a:rPr lang="en-US" dirty="0"/>
+              <a:t>The solution to this problem is to create specific Exceptions – </a:t>
+            </a:r>
+            <a:r>
+              <a:rPr lang="en-US" dirty="0" smtClean="0"/>
+              <a:t>but </a:t>
+            </a:r>
+            <a:r>
+              <a:rPr lang="en-US" dirty="0"/>
+              <a:t>not too specific!</a:t>
+            </a:r>
+            <a:endParaRPr lang="en-US" dirty="0" smtClean="0"/>
+          </a:p>
+        </p:txBody>
+      </p:sp>
+      <p:sp>
+        <p:nvSpPr>
+          <p:cNvPr id="9" name="Text Placeholder 8"/>
+          <p:cNvSpPr>
+            <a:spLocks noGrp="1"/>
+          </p:cNvSpPr>
+          <p:nvPr>
+            <p:ph type="body" sz="quarter" idx="10"/>
+          </p:nvPr>
+        </p:nvSpPr>
+        <p:spPr>
+          <a:xfrm>
+            <a:off x="0" y="-1"/>
+            <a:ext cx="9144000" cy="712601"/>
+          </a:xfrm>
+        </p:spPr>
+        <p:txBody>
+          <a:bodyPr/>
+          <a:lstStyle/>
+          <a:p>
+            <a:r>
+              <a:rPr lang="en-US" dirty="0">
+                <a:cs typeface="Trebuchet MS"/>
+              </a:rPr>
+              <a:t>Mistakes Java Developers make when Using Exceptions</a:t>
+            </a:r>
+            <a:endParaRPr lang="en-US" dirty="0">
+              <a:latin typeface="Trebuchet MS"/>
+              <a:cs typeface="Trebuchet MS"/>
+            </a:endParaRPr>
+          </a:p>
+        </p:txBody>
+      </p:sp>
+    </p:spTree>
+    <p:extLst>
+      <p:ext uri="{BB962C8B-B14F-4D97-AF65-F5344CB8AC3E}">
+        <p14:creationId xmlns:p14="http://schemas.microsoft.com/office/powerpoint/2010/main" val="1604221069"/>
+      </p:ext>
+    </p:extLst>
+  </p:cSld>
+  <p:clrMapOvr>
+    <a:masterClrMapping/>
+  </p:clrMapOvr>
+  <p:timing>
+    <p:tnLst>
+      <p:par>
+        <p:cTn id="1" dur="indefinite" restart="never" nodeType="tmRoot">
+          <p:childTnLst>
+            <p:seq concurrent="1" nextAc="seek">
+              <p:cTn id="2" dur="indefinite" nodeType="mainSeq">
+                <p:childTnLst>
+                  <p:par>
+                    <p:cTn id="3" fill="hold">
+                      <p:stCondLst>
+                        <p:cond delay="indefinite"/>
+                      </p:stCondLst>
+                      <p:childTnLst>
+                        <p:par>
+                          <p:cTn id="4" fill="hold">
+                            <p:stCondLst>
+                              <p:cond delay="0"/>
+                            </p:stCondLst>
+                            <p:childTnLst>
+                              <p:par>
+                                <p:cTn id="5" presetID="10" presetClass="entr" presetSubtype="0" fill="hold" grpId="0" nodeType="clickEffect">
+                                  <p:stCondLst>
+                                    <p:cond delay="0"/>
+                                  </p:stCondLst>
+                                  <p:childTnLst>
+                                    <p:set>
+                                      <p:cBhvr>
+                                        <p:cTn id="6" dur="1" fill="hold">
+                                          <p:stCondLst>
+                                            <p:cond delay="0"/>
+                                          </p:stCondLst>
+                                        </p:cTn>
+                                        <p:tgtEl>
+                                          <p:spTgt spid="15">
+                                            <p:txEl>
+                                              <p:pRg st="0" end="0"/>
+                                            </p:txEl>
+                                          </p:spTgt>
+                                        </p:tgtEl>
+                                        <p:attrNameLst>
+                                          <p:attrName>style.visibility</p:attrName>
+                                        </p:attrNameLst>
+                                      </p:cBhvr>
+                                      <p:to>
+                                        <p:strVal val="visible"/>
+                                      </p:to>
+                                    </p:set>
+                                    <p:animEffect transition="in" filter="fade">
+                                      <p:cBhvr>
+                                        <p:cTn id="7" dur="500"/>
+                                        <p:tgtEl>
+                                          <p:spTgt spid="15">
+                                            <p:txEl>
+                                              <p:pRg st="0" end="0"/>
+                                            </p:txEl>
+                                          </p:spTgt>
+                                        </p:tgtEl>
+                                      </p:cBhvr>
+                                    </p:animEffect>
+                                  </p:childTnLst>
+                                </p:cTn>
+                              </p:par>
+                            </p:childTnLst>
+                          </p:cTn>
+                        </p:par>
+                      </p:childTnLst>
+                    </p:cTn>
+                  </p:par>
+                  <p:par>
+                    <p:cTn id="8" fill="hold">
+                      <p:stCondLst>
+                        <p:cond delay="indefinite"/>
+                      </p:stCondLst>
+                      <p:childTnLst>
+                        <p:par>
+                          <p:cTn id="9" fill="hold">
+                            <p:stCondLst>
+                              <p:cond delay="0"/>
+                            </p:stCondLst>
+                            <p:childTnLst>
+                              <p:par>
+                                <p:cTn id="10" presetID="10" presetClass="entr" presetSubtype="0" fill="hold" grpId="0" nodeType="clickEffect">
+                                  <p:stCondLst>
+                                    <p:cond delay="0"/>
+                                  </p:stCondLst>
+                                  <p:childTnLst>
+                                    <p:set>
+                                      <p:cBhvr>
+                                        <p:cTn id="11" dur="1" fill="hold">
+                                          <p:stCondLst>
+                                            <p:cond delay="0"/>
+                                          </p:stCondLst>
+                                        </p:cTn>
+                                        <p:tgtEl>
+                                          <p:spTgt spid="15">
+                                            <p:txEl>
+                                              <p:pRg st="1" end="1"/>
+                                            </p:txEl>
+                                          </p:spTgt>
+                                        </p:tgtEl>
+                                        <p:attrNameLst>
+                                          <p:attrName>style.visibility</p:attrName>
+                                        </p:attrNameLst>
+                                      </p:cBhvr>
+                                      <p:to>
+                                        <p:strVal val="visible"/>
+                                      </p:to>
+                                    </p:set>
+                                    <p:animEffect transition="in" filter="fade">
+                                      <p:cBhvr>
+                                        <p:cTn id="12" dur="500"/>
+                                        <p:tgtEl>
+                                          <p:spTgt spid="15">
+                                            <p:txEl>
+                                              <p:pRg st="1" end="1"/>
+                                            </p:txEl>
+                                          </p:spTgt>
+                                        </p:tgtEl>
+                                      </p:cBhvr>
+                                    </p:animEffect>
+                                  </p:childTnLst>
+                                </p:cTn>
+                              </p:par>
+                            </p:childTnLst>
+                          </p:cTn>
+                        </p:par>
+                      </p:childTnLst>
+                    </p:cTn>
+                  </p:par>
+                  <p:par>
+                    <p:cTn id="13" fill="hold">
+                      <p:stCondLst>
+                        <p:cond delay="indefinite"/>
+                      </p:stCondLst>
+                      <p:childTnLst>
+                        <p:par>
+                          <p:cTn id="14" fill="hold">
+                            <p:stCondLst>
+                              <p:cond delay="0"/>
+                            </p:stCondLst>
+                            <p:childTnLst>
+                              <p:par>
+                                <p:cTn id="15" presetID="10" presetClass="entr" presetSubtype="0" fill="hold" grpId="0" nodeType="clickEffect">
+                                  <p:stCondLst>
+                                    <p:cond delay="0"/>
+                                  </p:stCondLst>
+                                  <p:childTnLst>
+                                    <p:set>
+                                      <p:cBhvr>
+                                        <p:cTn id="16" dur="1" fill="hold">
+                                          <p:stCondLst>
+                                            <p:cond delay="0"/>
+                                          </p:stCondLst>
+                                        </p:cTn>
+                                        <p:tgtEl>
+                                          <p:spTgt spid="15">
+                                            <p:txEl>
+                                              <p:pRg st="2" end="2"/>
+                                            </p:txEl>
+                                          </p:spTgt>
+                                        </p:tgtEl>
+                                        <p:attrNameLst>
+                                          <p:attrName>style.visibility</p:attrName>
+                                        </p:attrNameLst>
+                                      </p:cBhvr>
+                                      <p:to>
+                                        <p:strVal val="visible"/>
+                                      </p:to>
+                                    </p:set>
+                                    <p:animEffect transition="in" filter="fade">
+                                      <p:cBhvr>
+                                        <p:cTn id="17" dur="500"/>
+                                        <p:tgtEl>
+                                          <p:spTgt spid="15">
+                                            <p:txEl>
+                                              <p:pRg st="2" end="2"/>
+                                            </p:txEl>
+                                          </p:spTgt>
+                                        </p:tgtEl>
+                                      </p:cBhvr>
+                                    </p:animEffect>
+                                  </p:childTnLst>
+                                </p:cTn>
+                              </p:par>
+                            </p:childTnLst>
+                          </p:cTn>
+                        </p:par>
+                      </p:childTnLst>
+                    </p:cTn>
+                  </p:par>
+                  <p:par>
+                    <p:cTn id="18" fill="hold">
+                      <p:stCondLst>
+                        <p:cond delay="indefinite"/>
+                      </p:stCondLst>
+                      <p:childTnLst>
+                        <p:par>
+                          <p:cTn id="19" fill="hold">
+                            <p:stCondLst>
+                              <p:cond delay="0"/>
+                            </p:stCondLst>
+                            <p:childTnLst>
+                              <p:par>
+                                <p:cTn id="20" presetID="10" presetClass="entr" presetSubtype="0" fill="hold" grpId="0" nodeType="clickEffect">
+                                  <p:stCondLst>
+                                    <p:cond delay="0"/>
+                                  </p:stCondLst>
+                                  <p:childTnLst>
+                                    <p:set>
+                                      <p:cBhvr>
+                                        <p:cTn id="21" dur="1" fill="hold">
+                                          <p:stCondLst>
+                                            <p:cond delay="0"/>
+                                          </p:stCondLst>
+                                        </p:cTn>
+                                        <p:tgtEl>
+                                          <p:spTgt spid="15">
+                                            <p:txEl>
+                                              <p:pRg st="3" end="3"/>
+                                            </p:txEl>
+                                          </p:spTgt>
+                                        </p:tgtEl>
+                                        <p:attrNameLst>
+                                          <p:attrName>style.visibility</p:attrName>
+                                        </p:attrNameLst>
+                                      </p:cBhvr>
+                                      <p:to>
+                                        <p:strVal val="visible"/>
+                                      </p:to>
+                                    </p:set>
+                                    <p:animEffect transition="in" filter="fade">
+                                      <p:cBhvr>
+                                        <p:cTn id="22" dur="500"/>
+                                        <p:tgtEl>
+                                          <p:spTgt spid="15">
+                                            <p:txEl>
+                                              <p:pRg st="3" end="3"/>
+                                            </p:txEl>
+                                          </p:spTgt>
+                                        </p:tgtEl>
+                                      </p:cBhvr>
+                                    </p:animEffect>
+                                  </p:childTnLst>
+                                </p:cTn>
+                              </p:par>
+                            </p:childTnLst>
+                          </p:cTn>
+                        </p:par>
+                      </p:childTnLst>
+                    </p:cTn>
+                  </p:par>
+                </p:childTnLst>
+              </p:cTn>
+              <p:prevCondLst>
+                <p:cond evt="onPrev" delay="0">
+                  <p:tgtEl>
+                    <p:sldTgt/>
+                  </p:tgtEl>
+                </p:cond>
+              </p:prevCondLst>
+              <p:nextCondLst>
+                <p:cond evt="onNext" delay="0">
+                  <p:tgtEl>
+                    <p:sldTgt/>
+                  </p:tgtEl>
+                </p:cond>
+              </p:nextCondLst>
+            </p:seq>
+          </p:childTnLst>
+        </p:cTn>
+      </p:par>
+    </p:tnLst>
+    <p:bldLst>
+      <p:bldP spid="15" grpId="0" build="p"/>
+    </p:bldLst>
+  </p:timing>
+</p:sld>
+</file>
+
+<file path=ppt/slides/slide19.xml><?xml version="1.0" encoding="utf-8"?>
+<p:sld xmlns:a="http://schemas.openxmlformats.org/drawingml/2006/main" xmlns:r="http://schemas.openxmlformats.org/officeDocument/2006/relationships" xmlns:p="http://schemas.openxmlformats.org/presentationml/2006/main">
+  <p:cSld>
+    <p:spTree>
+      <p:nvGrpSpPr>
+        <p:cNvPr id="1" name=""/>
+        <p:cNvGrpSpPr/>
+        <p:nvPr/>
+      </p:nvGrpSpPr>
+      <p:grpSpPr>
+        <a:xfrm>
+          <a:off x="0" y="0"/>
+          <a:ext cx="0" cy="0"/>
+          <a:chOff x="0" y="0"/>
+          <a:chExt cx="0" cy="0"/>
+        </a:xfrm>
+      </p:grpSpPr>
+      <p:sp>
+        <p:nvSpPr>
+          <p:cNvPr id="15" name="Content Placeholder 7"/>
+          <p:cNvSpPr>
+            <a:spLocks noGrp="1"/>
+          </p:cNvSpPr>
+          <p:nvPr>
+            <p:ph idx="1"/>
+          </p:nvPr>
+        </p:nvSpPr>
+        <p:spPr>
+          <a:xfrm>
+            <a:off x="152260" y="1099222"/>
+            <a:ext cx="8007972" cy="2337661"/>
+          </a:xfrm>
+        </p:spPr>
+        <p:txBody>
+          <a:bodyPr>
+            <a:noAutofit/>
+          </a:bodyPr>
+          <a:lstStyle/>
+          <a:p>
+            <a:pPr marL="0" indent="0">
+              <a:buNone/>
+            </a:pPr>
+            <a:r>
+              <a:rPr lang="en-US" b="1" dirty="0"/>
+              <a:t>Creating lots of specific Exceptions</a:t>
+            </a:r>
+            <a:r>
+              <a:rPr lang="en-US" sz="1400" b="1" dirty="0" smtClean="0"/>
+              <a:t>:</a:t>
+            </a:r>
+            <a:r>
+              <a:rPr lang="en-US" b="1" dirty="0" smtClean="0"/>
+              <a:t> </a:t>
+            </a:r>
+          </a:p>
+          <a:p>
+            <a:r>
+              <a:rPr lang="en-US" dirty="0"/>
+              <a:t>Don’t create Exceptions for everything. Your application will be full of classes, useless repetition and you will create unnecessary work. Instead, create Exceptions for really important business requirements</a:t>
+            </a:r>
+            <a:r>
+              <a:rPr lang="en-US" dirty="0" smtClean="0"/>
+              <a:t>. </a:t>
+            </a:r>
+            <a:r>
+              <a:rPr lang="en-US" dirty="0"/>
+              <a:t>For example, if you are developing a bank system one possible Exception would be when trying to withdraw money and the balance is zero: </a:t>
+            </a:r>
+            <a:r>
+              <a:rPr lang="en-US" b="1" dirty="0" err="1"/>
+              <a:t>BalanceNotAvailableException</a:t>
+            </a:r>
+            <a:r>
+              <a:rPr lang="en-US" dirty="0"/>
+              <a:t>. Another Exception would be transferring money to another person and the account does not exist, you can create: </a:t>
+            </a:r>
+            <a:r>
+              <a:rPr lang="en-US" b="1" dirty="0" err="1"/>
+              <a:t>BankAccountNotFoundException</a:t>
+            </a:r>
+            <a:r>
+              <a:rPr lang="en-US" b="1" dirty="0"/>
+              <a:t> </a:t>
+            </a:r>
+            <a:r>
+              <a:rPr lang="en-US" dirty="0"/>
+              <a:t>and show an understandable Exception message to the user</a:t>
+            </a:r>
+            <a:r>
+              <a:rPr lang="en-US" dirty="0" smtClean="0"/>
+              <a:t>.</a:t>
+            </a:r>
+          </a:p>
+          <a:p>
+            <a:r>
+              <a:rPr lang="en-US" b="1" dirty="0" err="1"/>
+              <a:t>RuntimeException</a:t>
+            </a:r>
+            <a:r>
+              <a:rPr lang="en-US" b="1" dirty="0"/>
+              <a:t> </a:t>
+            </a:r>
+            <a:r>
+              <a:rPr lang="en-US" dirty="0"/>
+              <a:t>could be used when the bank’s server is out of service. Here you can use, for example: </a:t>
+            </a:r>
+            <a:r>
+              <a:rPr lang="en-US" b="1" dirty="0" err="1"/>
+              <a:t>ServerNotAvailableException</a:t>
+            </a:r>
+            <a:r>
+              <a:rPr lang="en-US" dirty="0"/>
+              <a:t>. The system must crash for this kind of error. There is no recovery.</a:t>
+            </a:r>
+            <a:endParaRPr lang="en-US" dirty="0" smtClean="0"/>
+          </a:p>
+        </p:txBody>
+      </p:sp>
+      <p:sp>
+        <p:nvSpPr>
+          <p:cNvPr id="9" name="Text Placeholder 8"/>
+          <p:cNvSpPr>
+            <a:spLocks noGrp="1"/>
+          </p:cNvSpPr>
+          <p:nvPr>
+            <p:ph type="body" sz="quarter" idx="10"/>
+          </p:nvPr>
+        </p:nvSpPr>
+        <p:spPr>
+          <a:xfrm>
+            <a:off x="0" y="-1"/>
+            <a:ext cx="9144000" cy="712601"/>
+          </a:xfrm>
+        </p:spPr>
+        <p:txBody>
+          <a:bodyPr/>
+          <a:lstStyle/>
+          <a:p>
+            <a:r>
+              <a:rPr lang="en-US" dirty="0">
+                <a:cs typeface="Trebuchet MS"/>
+              </a:rPr>
+              <a:t>Mistakes Java Developers make when Using </a:t>
+            </a:r>
+            <a:r>
+              <a:rPr lang="en-US" dirty="0" smtClean="0">
+                <a:cs typeface="Trebuchet MS"/>
+              </a:rPr>
+              <a:t>Exceptions(</a:t>
+            </a:r>
+            <a:r>
+              <a:rPr lang="en-US" dirty="0">
+                <a:cs typeface="Trebuchet MS"/>
+              </a:rPr>
+              <a:t>Cont.</a:t>
+            </a:r>
+            <a:r>
+              <a:rPr lang="en-US" dirty="0" smtClean="0">
+                <a:cs typeface="Trebuchet MS"/>
+              </a:rPr>
+              <a:t>)</a:t>
+            </a:r>
+            <a:endParaRPr lang="en-US" dirty="0">
+              <a:latin typeface="Trebuchet MS"/>
+              <a:cs typeface="Trebuchet MS"/>
+            </a:endParaRPr>
+          </a:p>
+        </p:txBody>
+      </p:sp>
+    </p:spTree>
+    <p:extLst>
+      <p:ext uri="{BB962C8B-B14F-4D97-AF65-F5344CB8AC3E}">
+        <p14:creationId xmlns:p14="http://schemas.microsoft.com/office/powerpoint/2010/main" val="32148645"/>
+      </p:ext>
+    </p:extLst>
+  </p:cSld>
+  <p:clrMapOvr>
+    <a:masterClrMapping/>
+  </p:clrMapOvr>
+  <p:timing>
+    <p:tnLst>
+      <p:par>
+        <p:cTn id="1" dur="indefinite" restart="never" nodeType="tmRoot">
+          <p:childTnLst>
+            <p:seq concurrent="1" nextAc="seek">
+              <p:cTn id="2" dur="indefinite" nodeType="mainSeq">
+                <p:childTnLst>
+                  <p:par>
+                    <p:cTn id="3" fill="hold">
+                      <p:stCondLst>
+                        <p:cond delay="indefinite"/>
+                      </p:stCondLst>
+                      <p:childTnLst>
+                        <p:par>
+                          <p:cTn id="4" fill="hold">
+                            <p:stCondLst>
+                              <p:cond delay="0"/>
+                            </p:stCondLst>
+                            <p:childTnLst>
+                              <p:par>
+                                <p:cTn id="5" presetID="10" presetClass="entr" presetSubtype="0" fill="hold" grpId="0" nodeType="clickEffect">
+                                  <p:stCondLst>
+                                    <p:cond delay="0"/>
+                                  </p:stCondLst>
+                                  <p:childTnLst>
+                                    <p:set>
+                                      <p:cBhvr>
+                                        <p:cTn id="6" dur="1" fill="hold">
+                                          <p:stCondLst>
+                                            <p:cond delay="0"/>
+                                          </p:stCondLst>
+                                        </p:cTn>
+                                        <p:tgtEl>
+                                          <p:spTgt spid="15">
+                                            <p:txEl>
+                                              <p:pRg st="0" end="0"/>
+                                            </p:txEl>
+                                          </p:spTgt>
+                                        </p:tgtEl>
+                                        <p:attrNameLst>
+                                          <p:attrName>style.visibility</p:attrName>
+                                        </p:attrNameLst>
+                                      </p:cBhvr>
+                                      <p:to>
+                                        <p:strVal val="visible"/>
+                                      </p:to>
+                                    </p:set>
+                                    <p:animEffect transition="in" filter="fade">
+                                      <p:cBhvr>
+                                        <p:cTn id="7" dur="500"/>
+                                        <p:tgtEl>
+                                          <p:spTgt spid="15">
+                                            <p:txEl>
+                                              <p:pRg st="0" end="0"/>
+                                            </p:txEl>
+                                          </p:spTgt>
+                                        </p:tgtEl>
+                                      </p:cBhvr>
+                                    </p:animEffect>
+                                  </p:childTnLst>
+                                </p:cTn>
+                              </p:par>
+                            </p:childTnLst>
+                          </p:cTn>
+                        </p:par>
+                      </p:childTnLst>
+                    </p:cTn>
+                  </p:par>
+                  <p:par>
+                    <p:cTn id="8" fill="hold">
+                      <p:stCondLst>
+                        <p:cond delay="indefinite"/>
+                      </p:stCondLst>
+                      <p:childTnLst>
+                        <p:par>
+                          <p:cTn id="9" fill="hold">
+                            <p:stCondLst>
+                              <p:cond delay="0"/>
+                            </p:stCondLst>
+                            <p:childTnLst>
+                              <p:par>
+                                <p:cTn id="10" presetID="10" presetClass="entr" presetSubtype="0" fill="hold" grpId="0" nodeType="clickEffect">
+                                  <p:stCondLst>
+                                    <p:cond delay="0"/>
+                                  </p:stCondLst>
+                                  <p:childTnLst>
+                                    <p:set>
+                                      <p:cBhvr>
+                                        <p:cTn id="11" dur="1" fill="hold">
+                                          <p:stCondLst>
+                                            <p:cond delay="0"/>
+                                          </p:stCondLst>
+                                        </p:cTn>
+                                        <p:tgtEl>
+                                          <p:spTgt spid="15">
+                                            <p:txEl>
+                                              <p:pRg st="1" end="1"/>
+                                            </p:txEl>
+                                          </p:spTgt>
+                                        </p:tgtEl>
+                                        <p:attrNameLst>
+                                          <p:attrName>style.visibility</p:attrName>
+                                        </p:attrNameLst>
+                                      </p:cBhvr>
+                                      <p:to>
+                                        <p:strVal val="visible"/>
+                                      </p:to>
+                                    </p:set>
+                                    <p:animEffect transition="in" filter="fade">
+                                      <p:cBhvr>
+                                        <p:cTn id="12" dur="500"/>
+                                        <p:tgtEl>
+                                          <p:spTgt spid="15">
+                                            <p:txEl>
+                                              <p:pRg st="1" end="1"/>
+                                            </p:txEl>
+                                          </p:spTgt>
+                                        </p:tgtEl>
+                                      </p:cBhvr>
+                                    </p:animEffect>
+                                  </p:childTnLst>
+                                </p:cTn>
+                              </p:par>
+                            </p:childTnLst>
+                          </p:cTn>
+                        </p:par>
+                      </p:childTnLst>
+                    </p:cTn>
+                  </p:par>
+                  <p:par>
+                    <p:cTn id="13" fill="hold">
+                      <p:stCondLst>
+                        <p:cond delay="indefinite"/>
+                      </p:stCondLst>
+                      <p:childTnLst>
+                        <p:par>
+                          <p:cTn id="14" fill="hold">
+                            <p:stCondLst>
+                              <p:cond delay="0"/>
+                            </p:stCondLst>
+                            <p:childTnLst>
+                              <p:par>
+                                <p:cTn id="15" presetID="10" presetClass="entr" presetSubtype="0" fill="hold" grpId="0" nodeType="clickEffect">
+                                  <p:stCondLst>
+                                    <p:cond delay="0"/>
+                                  </p:stCondLst>
+                                  <p:childTnLst>
+                                    <p:set>
+                                      <p:cBhvr>
+                                        <p:cTn id="16" dur="1" fill="hold">
+                                          <p:stCondLst>
+                                            <p:cond delay="0"/>
+                                          </p:stCondLst>
+                                        </p:cTn>
+                                        <p:tgtEl>
+                                          <p:spTgt spid="15">
+                                            <p:txEl>
+                                              <p:pRg st="2" end="2"/>
+                                            </p:txEl>
+                                          </p:spTgt>
+                                        </p:tgtEl>
+                                        <p:attrNameLst>
+                                          <p:attrName>style.visibility</p:attrName>
+                                        </p:attrNameLst>
+                                      </p:cBhvr>
+                                      <p:to>
+                                        <p:strVal val="visible"/>
+                                      </p:to>
+                                    </p:set>
+                                    <p:animEffect transition="in" filter="fade">
+                                      <p:cBhvr>
+                                        <p:cTn id="17" dur="500"/>
+                                        <p:tgtEl>
+                                          <p:spTgt spid="15">
+                                            <p:txEl>
+                                              <p:pRg st="2" end="2"/>
+                                            </p:txEl>
+                                          </p:spTgt>
+                                        </p:tgtEl>
+                                      </p:cBhvr>
+                                    </p:animEffect>
+                                  </p:childTnLst>
+                                </p:cTn>
+                              </p:par>
+                            </p:childTnLst>
+                          </p:cTn>
+                        </p:par>
+                      </p:childTnLst>
+                    </p:cTn>
+                  </p:par>
+                </p:childTnLst>
+              </p:cTn>
+              <p:prevCondLst>
+                <p:cond evt="onPrev" delay="0">
+                  <p:tgtEl>
+                    <p:sldTgt/>
+                  </p:tgtEl>
+                </p:cond>
+              </p:prevCondLst>
+              <p:nextCondLst>
+                <p:cond evt="onNext" delay="0">
+                  <p:tgtEl>
+                    <p:sldTgt/>
+                  </p:tgtEl>
+                </p:cond>
+              </p:nextCondLst>
+            </p:seq>
+          </p:childTnLst>
+        </p:cTn>
+      </p:par>
+    </p:tnLst>
+    <p:bldLst>
+      <p:bldP spid="15" grpId="0" build="p"/>
+    </p:bldLst>
   </p:timing>
 </p:sld>
 </file>
@@ -4215,8 +7377,8 @@
         </p:nvSpPr>
         <p:spPr>
           <a:xfrm>
-            <a:off x="352473" y="1078992"/>
-            <a:ext cx="3826674" cy="3383280"/>
+            <a:off x="352473" y="1078993"/>
+            <a:ext cx="3826674" cy="2200235"/>
           </a:xfrm>
         </p:spPr>
         <p:txBody>
@@ -4225,13 +7387,10 @@
           </a:bodyPr>
           <a:lstStyle/>
           <a:p>
-            <a:endParaRPr lang="en-US" dirty="0" smtClean="0">
-              <a:latin typeface="Trebuchet MS"/>
-              <a:cs typeface="Trebuchet MS"/>
-            </a:endParaRPr>
-          </a:p>
-          <a:p>
             <a:pPr marL="285750" indent="-285750">
+              <a:buClr>
+                <a:schemeClr val="accent2"/>
+              </a:buClr>
               <a:buFont typeface="Arial" panose="020B0604020202020204" pitchFamily="34" charset="0"/>
               <a:buChar char="•"/>
             </a:pPr>
@@ -4240,11 +7399,14 @@
                 <a:latin typeface="Trebuchet MS"/>
                 <a:cs typeface="Trebuchet MS"/>
               </a:rPr>
-              <a:t>Overview of Exception</a:t>
+              <a:t>Overview of Exception and Error</a:t>
             </a:r>
           </a:p>
           <a:p>
             <a:pPr marL="285750" indent="-285750">
+              <a:buClr>
+                <a:schemeClr val="accent2"/>
+              </a:buClr>
               <a:buFont typeface="Arial" panose="020B0604020202020204" pitchFamily="34" charset="0"/>
               <a:buChar char="•"/>
             </a:pPr>
@@ -4253,33 +7415,26 @@
                 <a:latin typeface="Trebuchet MS"/>
                 <a:cs typeface="Trebuchet MS"/>
               </a:rPr>
-              <a:t>Overview of Error</a:t>
+              <a:t>Hierarchy </a:t>
+            </a:r>
+            <a:r>
+              <a:rPr lang="en-US" dirty="0">
+                <a:latin typeface="Trebuchet MS"/>
+                <a:cs typeface="Trebuchet MS"/>
+              </a:rPr>
+              <a:t>of Exception classes</a:t>
             </a:r>
           </a:p>
           <a:p>
             <a:pPr marL="285750" indent="-285750">
+              <a:buClr>
+                <a:schemeClr val="accent2"/>
+              </a:buClr>
               <a:buFont typeface="Arial" panose="020B0604020202020204" pitchFamily="34" charset="0"/>
               <a:buChar char="•"/>
             </a:pPr>
             <a:r>
-              <a:rPr lang="en-US" dirty="0" smtClean="0">
-                <a:latin typeface="Trebuchet MS"/>
-                <a:cs typeface="Trebuchet MS"/>
-              </a:rPr>
-              <a:t>Hierarchy of Exception classes</a:t>
-            </a:r>
-            <a:endParaRPr lang="en-US" dirty="0">
-              <a:latin typeface="Trebuchet MS"/>
-              <a:cs typeface="Trebuchet MS"/>
-            </a:endParaRPr>
-          </a:p>
-          <a:p>
-            <a:pPr marL="285750" indent="-285750">
-              <a:buFont typeface="Arial" panose="020B0604020202020204" pitchFamily="34" charset="0"/>
-              <a:buChar char="•"/>
-            </a:pPr>
-            <a:r>
-              <a:rPr lang="en-US" dirty="0" smtClean="0">
+              <a:rPr lang="en-US" dirty="0">
                 <a:latin typeface="Trebuchet MS"/>
                 <a:cs typeface="Trebuchet MS"/>
               </a:rPr>
@@ -4288,11 +7443,14 @@
           </a:p>
           <a:p>
             <a:pPr marL="285750" indent="-285750">
+              <a:buClr>
+                <a:schemeClr val="accent2"/>
+              </a:buClr>
               <a:buFont typeface="Arial" panose="020B0604020202020204" pitchFamily="34" charset="0"/>
               <a:buChar char="•"/>
             </a:pPr>
             <a:r>
-              <a:rPr lang="en-US" dirty="0" smtClean="0">
+              <a:rPr lang="en-US" dirty="0">
                 <a:latin typeface="Trebuchet MS"/>
                 <a:cs typeface="Trebuchet MS"/>
               </a:rPr>
@@ -4301,6 +7459,9 @@
           </a:p>
           <a:p>
             <a:pPr marL="285750" indent="-285750">
+              <a:buClr>
+                <a:schemeClr val="accent2"/>
+              </a:buClr>
               <a:buFont typeface="Arial" panose="020B0604020202020204" pitchFamily="34" charset="0"/>
               <a:buChar char="•"/>
             </a:pPr>
@@ -4311,6 +7472,43 @@
               </a:rPr>
               <a:t>Custom Exceptions</a:t>
             </a:r>
+          </a:p>
+          <a:p>
+            <a:pPr marL="285750" indent="-285750">
+              <a:buClr>
+                <a:schemeClr val="accent2"/>
+              </a:buClr>
+              <a:buFont typeface="Arial" panose="020B0604020202020204" pitchFamily="34" charset="0"/>
+              <a:buChar char="•"/>
+            </a:pPr>
+            <a:r>
+              <a:rPr lang="en-US" dirty="0" smtClean="0">
+                <a:cs typeface="Trebuchet MS"/>
+              </a:rPr>
+              <a:t>Common Mistakes </a:t>
+            </a:r>
+            <a:r>
+              <a:rPr lang="en-US" dirty="0">
+                <a:cs typeface="Trebuchet MS"/>
+              </a:rPr>
+              <a:t>Java Developers make when </a:t>
+            </a:r>
+            <a:r>
+              <a:rPr lang="en-US" dirty="0" smtClean="0">
+                <a:cs typeface="Trebuchet MS"/>
+              </a:rPr>
+              <a:t>Handling </a:t>
+            </a:r>
+            <a:r>
+              <a:rPr lang="en-US" dirty="0">
+                <a:cs typeface="Trebuchet MS"/>
+              </a:rPr>
+              <a:t>Exceptions</a:t>
+            </a:r>
+            <a:endParaRPr lang="en-US" dirty="0" smtClean="0">
+              <a:latin typeface="Trebuchet MS"/>
+              <a:cs typeface="Trebuchet MS"/>
+            </a:endParaRPr>
           </a:p>
         </p:txBody>
       </p:sp>
@@ -4318,6 +7516,2822 @@
     <p:extLst>
       <p:ext uri="{BB962C8B-B14F-4D97-AF65-F5344CB8AC3E}">
         <p14:creationId xmlns:p14="http://schemas.microsoft.com/office/powerpoint/2010/main" val="4035246169"/>
+      </p:ext>
+    </p:extLst>
+  </p:cSld>
+  <p:clrMapOvr>
+    <a:masterClrMapping/>
+  </p:clrMapOvr>
+  <p:timing>
+    <p:tnLst>
+      <p:par>
+        <p:cTn id="1" dur="indefinite" restart="never" nodeType="tmRoot">
+          <p:childTnLst>
+            <p:seq concurrent="1" nextAc="seek">
+              <p:cTn id="2" dur="indefinite" nodeType="mainSeq">
+                <p:childTnLst>
+                  <p:par>
+                    <p:cTn id="3" fill="hold">
+                      <p:stCondLst>
+                        <p:cond delay="indefinite"/>
+                      </p:stCondLst>
+                      <p:childTnLst>
+                        <p:par>
+                          <p:cTn id="4" fill="hold">
+                            <p:stCondLst>
+                              <p:cond delay="0"/>
+                            </p:stCondLst>
+                            <p:childTnLst>
+                              <p:par>
+                                <p:cTn id="5" presetID="10" presetClass="entr" presetSubtype="0" fill="hold" grpId="0" nodeType="clickEffect">
+                                  <p:stCondLst>
+                                    <p:cond delay="0"/>
+                                  </p:stCondLst>
+                                  <p:childTnLst>
+                                    <p:set>
+                                      <p:cBhvr>
+                                        <p:cTn id="6" dur="1" fill="hold">
+                                          <p:stCondLst>
+                                            <p:cond delay="0"/>
+                                          </p:stCondLst>
+                                        </p:cTn>
+                                        <p:tgtEl>
+                                          <p:spTgt spid="8">
+                                            <p:txEl>
+                                              <p:pRg st="0" end="0"/>
+                                            </p:txEl>
+                                          </p:spTgt>
+                                        </p:tgtEl>
+                                        <p:attrNameLst>
+                                          <p:attrName>style.visibility</p:attrName>
+                                        </p:attrNameLst>
+                                      </p:cBhvr>
+                                      <p:to>
+                                        <p:strVal val="visible"/>
+                                      </p:to>
+                                    </p:set>
+                                    <p:animEffect transition="in" filter="fade">
+                                      <p:cBhvr>
+                                        <p:cTn id="7" dur="500"/>
+                                        <p:tgtEl>
+                                          <p:spTgt spid="8">
+                                            <p:txEl>
+                                              <p:pRg st="0" end="0"/>
+                                            </p:txEl>
+                                          </p:spTgt>
+                                        </p:tgtEl>
+                                      </p:cBhvr>
+                                    </p:animEffect>
+                                  </p:childTnLst>
+                                </p:cTn>
+                              </p:par>
+                            </p:childTnLst>
+                          </p:cTn>
+                        </p:par>
+                      </p:childTnLst>
+                    </p:cTn>
+                  </p:par>
+                  <p:par>
+                    <p:cTn id="8" fill="hold">
+                      <p:stCondLst>
+                        <p:cond delay="indefinite"/>
+                      </p:stCondLst>
+                      <p:childTnLst>
+                        <p:par>
+                          <p:cTn id="9" fill="hold">
+                            <p:stCondLst>
+                              <p:cond delay="0"/>
+                            </p:stCondLst>
+                            <p:childTnLst>
+                              <p:par>
+                                <p:cTn id="10" presetID="10" presetClass="entr" presetSubtype="0" fill="hold" grpId="0" nodeType="clickEffect">
+                                  <p:stCondLst>
+                                    <p:cond delay="0"/>
+                                  </p:stCondLst>
+                                  <p:childTnLst>
+                                    <p:set>
+                                      <p:cBhvr>
+                                        <p:cTn id="11" dur="1" fill="hold">
+                                          <p:stCondLst>
+                                            <p:cond delay="0"/>
+                                          </p:stCondLst>
+                                        </p:cTn>
+                                        <p:tgtEl>
+                                          <p:spTgt spid="8">
+                                            <p:txEl>
+                                              <p:pRg st="1" end="1"/>
+                                            </p:txEl>
+                                          </p:spTgt>
+                                        </p:tgtEl>
+                                        <p:attrNameLst>
+                                          <p:attrName>style.visibility</p:attrName>
+                                        </p:attrNameLst>
+                                      </p:cBhvr>
+                                      <p:to>
+                                        <p:strVal val="visible"/>
+                                      </p:to>
+                                    </p:set>
+                                    <p:animEffect transition="in" filter="fade">
+                                      <p:cBhvr>
+                                        <p:cTn id="12" dur="500"/>
+                                        <p:tgtEl>
+                                          <p:spTgt spid="8">
+                                            <p:txEl>
+                                              <p:pRg st="1" end="1"/>
+                                            </p:txEl>
+                                          </p:spTgt>
+                                        </p:tgtEl>
+                                      </p:cBhvr>
+                                    </p:animEffect>
+                                  </p:childTnLst>
+                                </p:cTn>
+                              </p:par>
+                            </p:childTnLst>
+                          </p:cTn>
+                        </p:par>
+                      </p:childTnLst>
+                    </p:cTn>
+                  </p:par>
+                  <p:par>
+                    <p:cTn id="13" fill="hold">
+                      <p:stCondLst>
+                        <p:cond delay="indefinite"/>
+                      </p:stCondLst>
+                      <p:childTnLst>
+                        <p:par>
+                          <p:cTn id="14" fill="hold">
+                            <p:stCondLst>
+                              <p:cond delay="0"/>
+                            </p:stCondLst>
+                            <p:childTnLst>
+                              <p:par>
+                                <p:cTn id="15" presetID="10" presetClass="entr" presetSubtype="0" fill="hold" grpId="0" nodeType="clickEffect">
+                                  <p:stCondLst>
+                                    <p:cond delay="0"/>
+                                  </p:stCondLst>
+                                  <p:childTnLst>
+                                    <p:set>
+                                      <p:cBhvr>
+                                        <p:cTn id="16" dur="1" fill="hold">
+                                          <p:stCondLst>
+                                            <p:cond delay="0"/>
+                                          </p:stCondLst>
+                                        </p:cTn>
+                                        <p:tgtEl>
+                                          <p:spTgt spid="8">
+                                            <p:txEl>
+                                              <p:pRg st="2" end="2"/>
+                                            </p:txEl>
+                                          </p:spTgt>
+                                        </p:tgtEl>
+                                        <p:attrNameLst>
+                                          <p:attrName>style.visibility</p:attrName>
+                                        </p:attrNameLst>
+                                      </p:cBhvr>
+                                      <p:to>
+                                        <p:strVal val="visible"/>
+                                      </p:to>
+                                    </p:set>
+                                    <p:animEffect transition="in" filter="fade">
+                                      <p:cBhvr>
+                                        <p:cTn id="17" dur="500"/>
+                                        <p:tgtEl>
+                                          <p:spTgt spid="8">
+                                            <p:txEl>
+                                              <p:pRg st="2" end="2"/>
+                                            </p:txEl>
+                                          </p:spTgt>
+                                        </p:tgtEl>
+                                      </p:cBhvr>
+                                    </p:animEffect>
+                                  </p:childTnLst>
+                                </p:cTn>
+                              </p:par>
+                            </p:childTnLst>
+                          </p:cTn>
+                        </p:par>
+                      </p:childTnLst>
+                    </p:cTn>
+                  </p:par>
+                  <p:par>
+                    <p:cTn id="18" fill="hold">
+                      <p:stCondLst>
+                        <p:cond delay="indefinite"/>
+                      </p:stCondLst>
+                      <p:childTnLst>
+                        <p:par>
+                          <p:cTn id="19" fill="hold">
+                            <p:stCondLst>
+                              <p:cond delay="0"/>
+                            </p:stCondLst>
+                            <p:childTnLst>
+                              <p:par>
+                                <p:cTn id="20" presetID="10" presetClass="entr" presetSubtype="0" fill="hold" grpId="0" nodeType="clickEffect">
+                                  <p:stCondLst>
+                                    <p:cond delay="0"/>
+                                  </p:stCondLst>
+                                  <p:childTnLst>
+                                    <p:set>
+                                      <p:cBhvr>
+                                        <p:cTn id="21" dur="1" fill="hold">
+                                          <p:stCondLst>
+                                            <p:cond delay="0"/>
+                                          </p:stCondLst>
+                                        </p:cTn>
+                                        <p:tgtEl>
+                                          <p:spTgt spid="8">
+                                            <p:txEl>
+                                              <p:pRg st="3" end="3"/>
+                                            </p:txEl>
+                                          </p:spTgt>
+                                        </p:tgtEl>
+                                        <p:attrNameLst>
+                                          <p:attrName>style.visibility</p:attrName>
+                                        </p:attrNameLst>
+                                      </p:cBhvr>
+                                      <p:to>
+                                        <p:strVal val="visible"/>
+                                      </p:to>
+                                    </p:set>
+                                    <p:animEffect transition="in" filter="fade">
+                                      <p:cBhvr>
+                                        <p:cTn id="22" dur="500"/>
+                                        <p:tgtEl>
+                                          <p:spTgt spid="8">
+                                            <p:txEl>
+                                              <p:pRg st="3" end="3"/>
+                                            </p:txEl>
+                                          </p:spTgt>
+                                        </p:tgtEl>
+                                      </p:cBhvr>
+                                    </p:animEffect>
+                                  </p:childTnLst>
+                                </p:cTn>
+                              </p:par>
+                            </p:childTnLst>
+                          </p:cTn>
+                        </p:par>
+                      </p:childTnLst>
+                    </p:cTn>
+                  </p:par>
+                  <p:par>
+                    <p:cTn id="23" fill="hold">
+                      <p:stCondLst>
+                        <p:cond delay="indefinite"/>
+                      </p:stCondLst>
+                      <p:childTnLst>
+                        <p:par>
+                          <p:cTn id="24" fill="hold">
+                            <p:stCondLst>
+                              <p:cond delay="0"/>
+                            </p:stCondLst>
+                            <p:childTnLst>
+                              <p:par>
+                                <p:cTn id="25" presetID="10" presetClass="entr" presetSubtype="0" fill="hold" grpId="0" nodeType="clickEffect">
+                                  <p:stCondLst>
+                                    <p:cond delay="0"/>
+                                  </p:stCondLst>
+                                  <p:childTnLst>
+                                    <p:set>
+                                      <p:cBhvr>
+                                        <p:cTn id="26" dur="1" fill="hold">
+                                          <p:stCondLst>
+                                            <p:cond delay="0"/>
+                                          </p:stCondLst>
+                                        </p:cTn>
+                                        <p:tgtEl>
+                                          <p:spTgt spid="8">
+                                            <p:txEl>
+                                              <p:pRg st="4" end="4"/>
+                                            </p:txEl>
+                                          </p:spTgt>
+                                        </p:tgtEl>
+                                        <p:attrNameLst>
+                                          <p:attrName>style.visibility</p:attrName>
+                                        </p:attrNameLst>
+                                      </p:cBhvr>
+                                      <p:to>
+                                        <p:strVal val="visible"/>
+                                      </p:to>
+                                    </p:set>
+                                    <p:animEffect transition="in" filter="fade">
+                                      <p:cBhvr>
+                                        <p:cTn id="27" dur="500"/>
+                                        <p:tgtEl>
+                                          <p:spTgt spid="8">
+                                            <p:txEl>
+                                              <p:pRg st="4" end="4"/>
+                                            </p:txEl>
+                                          </p:spTgt>
+                                        </p:tgtEl>
+                                      </p:cBhvr>
+                                    </p:animEffect>
+                                  </p:childTnLst>
+                                </p:cTn>
+                              </p:par>
+                            </p:childTnLst>
+                          </p:cTn>
+                        </p:par>
+                      </p:childTnLst>
+                    </p:cTn>
+                  </p:par>
+                  <p:par>
+                    <p:cTn id="28" fill="hold">
+                      <p:stCondLst>
+                        <p:cond delay="indefinite"/>
+                      </p:stCondLst>
+                      <p:childTnLst>
+                        <p:par>
+                          <p:cTn id="29" fill="hold">
+                            <p:stCondLst>
+                              <p:cond delay="0"/>
+                            </p:stCondLst>
+                            <p:childTnLst>
+                              <p:par>
+                                <p:cTn id="30" presetID="10" presetClass="entr" presetSubtype="0" fill="hold" grpId="0" nodeType="clickEffect">
+                                  <p:stCondLst>
+                                    <p:cond delay="0"/>
+                                  </p:stCondLst>
+                                  <p:childTnLst>
+                                    <p:set>
+                                      <p:cBhvr>
+                                        <p:cTn id="31" dur="1" fill="hold">
+                                          <p:stCondLst>
+                                            <p:cond delay="0"/>
+                                          </p:stCondLst>
+                                        </p:cTn>
+                                        <p:tgtEl>
+                                          <p:spTgt spid="8">
+                                            <p:txEl>
+                                              <p:pRg st="5" end="5"/>
+                                            </p:txEl>
+                                          </p:spTgt>
+                                        </p:tgtEl>
+                                        <p:attrNameLst>
+                                          <p:attrName>style.visibility</p:attrName>
+                                        </p:attrNameLst>
+                                      </p:cBhvr>
+                                      <p:to>
+                                        <p:strVal val="visible"/>
+                                      </p:to>
+                                    </p:set>
+                                    <p:animEffect transition="in" filter="fade">
+                                      <p:cBhvr>
+                                        <p:cTn id="32" dur="500"/>
+                                        <p:tgtEl>
+                                          <p:spTgt spid="8">
+                                            <p:txEl>
+                                              <p:pRg st="5" end="5"/>
+                                            </p:txEl>
+                                          </p:spTgt>
+                                        </p:tgtEl>
+                                      </p:cBhvr>
+                                    </p:animEffect>
+                                  </p:childTnLst>
+                                </p:cTn>
+                              </p:par>
+                            </p:childTnLst>
+                          </p:cTn>
+                        </p:par>
+                      </p:childTnLst>
+                    </p:cTn>
+                  </p:par>
+                </p:childTnLst>
+              </p:cTn>
+              <p:prevCondLst>
+                <p:cond evt="onPrev" delay="0">
+                  <p:tgtEl>
+                    <p:sldTgt/>
+                  </p:tgtEl>
+                </p:cond>
+              </p:prevCondLst>
+              <p:nextCondLst>
+                <p:cond evt="onNext" delay="0">
+                  <p:tgtEl>
+                    <p:sldTgt/>
+                  </p:tgtEl>
+                </p:cond>
+              </p:nextCondLst>
+            </p:seq>
+          </p:childTnLst>
+        </p:cTn>
+      </p:par>
+    </p:tnLst>
+    <p:bldLst>
+      <p:bldP spid="8" grpId="0" build="p"/>
+    </p:bldLst>
+  </p:timing>
+</p:sld>
+</file>
+
+<file path=ppt/slides/slide20.xml><?xml version="1.0" encoding="utf-8"?>
+<p:sld xmlns:a="http://schemas.openxmlformats.org/drawingml/2006/main" xmlns:r="http://schemas.openxmlformats.org/officeDocument/2006/relationships" xmlns:p="http://schemas.openxmlformats.org/presentationml/2006/main">
+  <p:cSld>
+    <p:spTree>
+      <p:nvGrpSpPr>
+        <p:cNvPr id="1" name=""/>
+        <p:cNvGrpSpPr/>
+        <p:nvPr/>
+      </p:nvGrpSpPr>
+      <p:grpSpPr>
+        <a:xfrm>
+          <a:off x="0" y="0"/>
+          <a:ext cx="0" cy="0"/>
+          <a:chOff x="0" y="0"/>
+          <a:chExt cx="0" cy="0"/>
+        </a:xfrm>
+      </p:grpSpPr>
+      <p:sp>
+        <p:nvSpPr>
+          <p:cNvPr id="15" name="Content Placeholder 7"/>
+          <p:cNvSpPr>
+            <a:spLocks noGrp="1"/>
+          </p:cNvSpPr>
+          <p:nvPr>
+            <p:ph idx="1"/>
+          </p:nvPr>
+        </p:nvSpPr>
+        <p:spPr>
+          <a:xfrm>
+            <a:off x="152260" y="1099223"/>
+            <a:ext cx="6002598" cy="1637672"/>
+          </a:xfrm>
+        </p:spPr>
+        <p:txBody>
+          <a:bodyPr>
+            <a:noAutofit/>
+          </a:bodyPr>
+          <a:lstStyle/>
+          <a:p>
+            <a:pPr marL="0" indent="0">
+              <a:buNone/>
+            </a:pPr>
+            <a:r>
+              <a:rPr lang="en-US" b="1" dirty="0"/>
+              <a:t>Creating a log for every catch</a:t>
+            </a:r>
+            <a:r>
+              <a:rPr lang="en-US" sz="1400" b="1" dirty="0" smtClean="0"/>
+              <a:t>:</a:t>
+            </a:r>
+            <a:r>
+              <a:rPr lang="en-US" b="1" dirty="0" smtClean="0"/>
+              <a:t> </a:t>
+            </a:r>
+          </a:p>
+          <a:p>
+            <a:r>
+              <a:rPr lang="en-US" dirty="0"/>
+              <a:t>Logging every Exception catch will pollute your code. To prevent this, just log once and throw your Exception in the last catch. You won’t lose your </a:t>
+            </a:r>
+            <a:r>
+              <a:rPr lang="en-US" dirty="0" err="1"/>
+              <a:t>Stacktrace</a:t>
+            </a:r>
+            <a:r>
+              <a:rPr lang="en-US" dirty="0"/>
+              <a:t> if you wrap the Exception. If you are working with web </a:t>
+            </a:r>
+            <a:r>
+              <a:rPr lang="en-US" dirty="0" smtClean="0"/>
+              <a:t>applications</a:t>
+            </a:r>
+            <a:r>
+              <a:rPr lang="en-US" dirty="0"/>
+              <a:t>, you should create a catch on your controller layer and log the error</a:t>
+            </a:r>
+            <a:r>
+              <a:rPr lang="en-US" dirty="0" smtClean="0"/>
+              <a:t>.</a:t>
+            </a:r>
+          </a:p>
+        </p:txBody>
+      </p:sp>
+      <p:sp>
+        <p:nvSpPr>
+          <p:cNvPr id="9" name="Text Placeholder 8"/>
+          <p:cNvSpPr>
+            <a:spLocks noGrp="1"/>
+          </p:cNvSpPr>
+          <p:nvPr>
+            <p:ph type="body" sz="quarter" idx="10"/>
+          </p:nvPr>
+        </p:nvSpPr>
+        <p:spPr>
+          <a:xfrm>
+            <a:off x="0" y="-1"/>
+            <a:ext cx="9144000" cy="712601"/>
+          </a:xfrm>
+        </p:spPr>
+        <p:txBody>
+          <a:bodyPr/>
+          <a:lstStyle/>
+          <a:p>
+            <a:r>
+              <a:rPr lang="en-US" dirty="0">
+                <a:cs typeface="Trebuchet MS"/>
+              </a:rPr>
+              <a:t>Mistakes Java Developers make when Using </a:t>
+            </a:r>
+            <a:r>
+              <a:rPr lang="en-US" dirty="0" smtClean="0">
+                <a:cs typeface="Trebuchet MS"/>
+              </a:rPr>
+              <a:t>Exceptions(</a:t>
+            </a:r>
+            <a:r>
+              <a:rPr lang="en-US" dirty="0">
+                <a:cs typeface="Trebuchet MS"/>
+              </a:rPr>
+              <a:t>Cont.</a:t>
+            </a:r>
+            <a:r>
+              <a:rPr lang="en-US" dirty="0" smtClean="0">
+                <a:cs typeface="Trebuchet MS"/>
+              </a:rPr>
+              <a:t>)</a:t>
+            </a:r>
+            <a:endParaRPr lang="en-US" dirty="0">
+              <a:latin typeface="Trebuchet MS"/>
+              <a:cs typeface="Trebuchet MS"/>
+            </a:endParaRPr>
+          </a:p>
+        </p:txBody>
+      </p:sp>
+    </p:spTree>
+    <p:extLst>
+      <p:ext uri="{BB962C8B-B14F-4D97-AF65-F5344CB8AC3E}">
+        <p14:creationId xmlns:p14="http://schemas.microsoft.com/office/powerpoint/2010/main" val="2694234400"/>
+      </p:ext>
+    </p:extLst>
+  </p:cSld>
+  <p:clrMapOvr>
+    <a:masterClrMapping/>
+  </p:clrMapOvr>
+  <p:timing>
+    <p:tnLst>
+      <p:par>
+        <p:cTn id="1" dur="indefinite" restart="never" nodeType="tmRoot">
+          <p:childTnLst>
+            <p:seq concurrent="1" nextAc="seek">
+              <p:cTn id="2" dur="indefinite" nodeType="mainSeq">
+                <p:childTnLst>
+                  <p:par>
+                    <p:cTn id="3" fill="hold">
+                      <p:stCondLst>
+                        <p:cond delay="indefinite"/>
+                      </p:stCondLst>
+                      <p:childTnLst>
+                        <p:par>
+                          <p:cTn id="4" fill="hold">
+                            <p:stCondLst>
+                              <p:cond delay="0"/>
+                            </p:stCondLst>
+                            <p:childTnLst>
+                              <p:par>
+                                <p:cTn id="5" presetID="10" presetClass="entr" presetSubtype="0" fill="hold" grpId="0" nodeType="clickEffect">
+                                  <p:stCondLst>
+                                    <p:cond delay="0"/>
+                                  </p:stCondLst>
+                                  <p:childTnLst>
+                                    <p:set>
+                                      <p:cBhvr>
+                                        <p:cTn id="6" dur="1" fill="hold">
+                                          <p:stCondLst>
+                                            <p:cond delay="0"/>
+                                          </p:stCondLst>
+                                        </p:cTn>
+                                        <p:tgtEl>
+                                          <p:spTgt spid="15">
+                                            <p:txEl>
+                                              <p:pRg st="0" end="0"/>
+                                            </p:txEl>
+                                          </p:spTgt>
+                                        </p:tgtEl>
+                                        <p:attrNameLst>
+                                          <p:attrName>style.visibility</p:attrName>
+                                        </p:attrNameLst>
+                                      </p:cBhvr>
+                                      <p:to>
+                                        <p:strVal val="visible"/>
+                                      </p:to>
+                                    </p:set>
+                                    <p:animEffect transition="in" filter="fade">
+                                      <p:cBhvr>
+                                        <p:cTn id="7" dur="500"/>
+                                        <p:tgtEl>
+                                          <p:spTgt spid="15">
+                                            <p:txEl>
+                                              <p:pRg st="0" end="0"/>
+                                            </p:txEl>
+                                          </p:spTgt>
+                                        </p:tgtEl>
+                                      </p:cBhvr>
+                                    </p:animEffect>
+                                  </p:childTnLst>
+                                </p:cTn>
+                              </p:par>
+                            </p:childTnLst>
+                          </p:cTn>
+                        </p:par>
+                      </p:childTnLst>
+                    </p:cTn>
+                  </p:par>
+                  <p:par>
+                    <p:cTn id="8" fill="hold">
+                      <p:stCondLst>
+                        <p:cond delay="indefinite"/>
+                      </p:stCondLst>
+                      <p:childTnLst>
+                        <p:par>
+                          <p:cTn id="9" fill="hold">
+                            <p:stCondLst>
+                              <p:cond delay="0"/>
+                            </p:stCondLst>
+                            <p:childTnLst>
+                              <p:par>
+                                <p:cTn id="10" presetID="10" presetClass="entr" presetSubtype="0" fill="hold" grpId="0" nodeType="clickEffect">
+                                  <p:stCondLst>
+                                    <p:cond delay="0"/>
+                                  </p:stCondLst>
+                                  <p:childTnLst>
+                                    <p:set>
+                                      <p:cBhvr>
+                                        <p:cTn id="11" dur="1" fill="hold">
+                                          <p:stCondLst>
+                                            <p:cond delay="0"/>
+                                          </p:stCondLst>
+                                        </p:cTn>
+                                        <p:tgtEl>
+                                          <p:spTgt spid="15">
+                                            <p:txEl>
+                                              <p:pRg st="1" end="1"/>
+                                            </p:txEl>
+                                          </p:spTgt>
+                                        </p:tgtEl>
+                                        <p:attrNameLst>
+                                          <p:attrName>style.visibility</p:attrName>
+                                        </p:attrNameLst>
+                                      </p:cBhvr>
+                                      <p:to>
+                                        <p:strVal val="visible"/>
+                                      </p:to>
+                                    </p:set>
+                                    <p:animEffect transition="in" filter="fade">
+                                      <p:cBhvr>
+                                        <p:cTn id="12" dur="500"/>
+                                        <p:tgtEl>
+                                          <p:spTgt spid="15">
+                                            <p:txEl>
+                                              <p:pRg st="1" end="1"/>
+                                            </p:txEl>
+                                          </p:spTgt>
+                                        </p:tgtEl>
+                                      </p:cBhvr>
+                                    </p:animEffect>
+                                  </p:childTnLst>
+                                </p:cTn>
+                              </p:par>
+                            </p:childTnLst>
+                          </p:cTn>
+                        </p:par>
+                      </p:childTnLst>
+                    </p:cTn>
+                  </p:par>
+                </p:childTnLst>
+              </p:cTn>
+              <p:prevCondLst>
+                <p:cond evt="onPrev" delay="0">
+                  <p:tgtEl>
+                    <p:sldTgt/>
+                  </p:tgtEl>
+                </p:cond>
+              </p:prevCondLst>
+              <p:nextCondLst>
+                <p:cond evt="onNext" delay="0">
+                  <p:tgtEl>
+                    <p:sldTgt/>
+                  </p:tgtEl>
+                </p:cond>
+              </p:nextCondLst>
+            </p:seq>
+          </p:childTnLst>
+        </p:cTn>
+      </p:par>
+    </p:tnLst>
+    <p:bldLst>
+      <p:bldP spid="15" grpId="0" build="p"/>
+    </p:bldLst>
+  </p:timing>
+</p:sld>
+</file>
+
+<file path=ppt/slides/slide21.xml><?xml version="1.0" encoding="utf-8"?>
+<p:sld xmlns:a="http://schemas.openxmlformats.org/drawingml/2006/main" xmlns:r="http://schemas.openxmlformats.org/officeDocument/2006/relationships" xmlns:p="http://schemas.openxmlformats.org/presentationml/2006/main">
+  <p:cSld>
+    <p:spTree>
+      <p:nvGrpSpPr>
+        <p:cNvPr id="1" name=""/>
+        <p:cNvGrpSpPr/>
+        <p:nvPr/>
+      </p:nvGrpSpPr>
+      <p:grpSpPr>
+        <a:xfrm>
+          <a:off x="0" y="0"/>
+          <a:ext cx="0" cy="0"/>
+          <a:chOff x="0" y="0"/>
+          <a:chExt cx="0" cy="0"/>
+        </a:xfrm>
+      </p:grpSpPr>
+      <p:sp>
+        <p:nvSpPr>
+          <p:cNvPr id="15" name="Content Placeholder 7"/>
+          <p:cNvSpPr>
+            <a:spLocks noGrp="1"/>
+          </p:cNvSpPr>
+          <p:nvPr>
+            <p:ph idx="1"/>
+          </p:nvPr>
+        </p:nvSpPr>
+        <p:spPr>
+          <a:xfrm>
+            <a:off x="152260" y="1099222"/>
+            <a:ext cx="6002598" cy="2444865"/>
+          </a:xfrm>
+        </p:spPr>
+        <p:txBody>
+          <a:bodyPr>
+            <a:noAutofit/>
+          </a:bodyPr>
+          <a:lstStyle/>
+          <a:p>
+            <a:pPr marL="0" indent="0">
+              <a:buNone/>
+            </a:pPr>
+            <a:r>
+              <a:rPr lang="en-US" b="1" dirty="0"/>
+              <a:t>Silencing Exceptions</a:t>
+            </a:r>
+            <a:r>
+              <a:rPr lang="en-US" sz="1400" b="1" dirty="0" smtClean="0"/>
+              <a:t>:</a:t>
+            </a:r>
+            <a:r>
+              <a:rPr lang="en-US" b="1" dirty="0" smtClean="0"/>
+              <a:t> </a:t>
+            </a:r>
+          </a:p>
+          <a:p>
+            <a:r>
+              <a:rPr lang="en-US" dirty="0"/>
+              <a:t>Never catch the Exception and do nothing, for example</a:t>
+            </a:r>
+            <a:r>
+              <a:rPr lang="en-US" dirty="0" smtClean="0"/>
+              <a:t>:</a:t>
+            </a:r>
+          </a:p>
+          <a:p>
+            <a:endParaRPr lang="en-US" dirty="0" smtClean="0"/>
+          </a:p>
+          <a:p>
+            <a:endParaRPr lang="en-US" dirty="0" smtClean="0"/>
+          </a:p>
+          <a:p>
+            <a:endParaRPr lang="en-US" dirty="0" smtClean="0"/>
+          </a:p>
+          <a:p>
+            <a:r>
+              <a:rPr lang="en-US" dirty="0"/>
+              <a:t>The catch will be useless. It’s impossible to know what happened and the Exception will be silenced. The developer will be obliged to debug the code and see what happened. If we create a good log, the time-consuming analysis won’t be necessary.</a:t>
+            </a:r>
+          </a:p>
+          <a:p>
+            <a:endParaRPr lang="en-US" dirty="0" smtClean="0"/>
+          </a:p>
+          <a:p>
+            <a:pPr marL="0" indent="0">
+              <a:buNone/>
+            </a:pPr>
+            <a:endParaRPr lang="en-US" dirty="0" smtClean="0"/>
+          </a:p>
+        </p:txBody>
+      </p:sp>
+      <p:sp>
+        <p:nvSpPr>
+          <p:cNvPr id="9" name="Text Placeholder 8"/>
+          <p:cNvSpPr>
+            <a:spLocks noGrp="1"/>
+          </p:cNvSpPr>
+          <p:nvPr>
+            <p:ph type="body" sz="quarter" idx="10"/>
+          </p:nvPr>
+        </p:nvSpPr>
+        <p:spPr>
+          <a:xfrm>
+            <a:off x="0" y="-1"/>
+            <a:ext cx="9144000" cy="712601"/>
+          </a:xfrm>
+        </p:spPr>
+        <p:txBody>
+          <a:bodyPr/>
+          <a:lstStyle/>
+          <a:p>
+            <a:r>
+              <a:rPr lang="en-US" dirty="0">
+                <a:cs typeface="Trebuchet MS"/>
+              </a:rPr>
+              <a:t>Mistakes Java Developers make when Using </a:t>
+            </a:r>
+            <a:r>
+              <a:rPr lang="en-US" dirty="0" smtClean="0">
+                <a:cs typeface="Trebuchet MS"/>
+              </a:rPr>
+              <a:t>Exceptions(Cont.)</a:t>
+            </a:r>
+            <a:endParaRPr lang="en-US" dirty="0">
+              <a:latin typeface="Trebuchet MS"/>
+              <a:cs typeface="Trebuchet MS"/>
+            </a:endParaRPr>
+          </a:p>
+        </p:txBody>
+      </p:sp>
+      <p:pic>
+        <p:nvPicPr>
+          <p:cNvPr id="6" name="Picture 5"/>
+          <p:cNvPicPr>
+            <a:picLocks noChangeAspect="1"/>
+          </p:cNvPicPr>
+          <p:nvPr/>
+        </p:nvPicPr>
+        <p:blipFill>
+          <a:blip r:embed="rId2"/>
+          <a:stretch>
+            <a:fillRect/>
+          </a:stretch>
+        </p:blipFill>
+        <p:spPr>
+          <a:xfrm>
+            <a:off x="397060" y="1848409"/>
+            <a:ext cx="3267075" cy="828675"/>
+          </a:xfrm>
+          <a:prstGeom prst="rect">
+            <a:avLst/>
+          </a:prstGeom>
+        </p:spPr>
+      </p:pic>
+    </p:spTree>
+    <p:extLst>
+      <p:ext uri="{BB962C8B-B14F-4D97-AF65-F5344CB8AC3E}">
+        <p14:creationId xmlns:p14="http://schemas.microsoft.com/office/powerpoint/2010/main" val="852477893"/>
+      </p:ext>
+    </p:extLst>
+  </p:cSld>
+  <p:clrMapOvr>
+    <a:masterClrMapping/>
+  </p:clrMapOvr>
+  <p:timing>
+    <p:tnLst>
+      <p:par>
+        <p:cTn id="1" dur="indefinite" restart="never" nodeType="tmRoot">
+          <p:childTnLst>
+            <p:seq concurrent="1" nextAc="seek">
+              <p:cTn id="2" dur="indefinite" nodeType="mainSeq">
+                <p:childTnLst>
+                  <p:par>
+                    <p:cTn id="3" fill="hold">
+                      <p:stCondLst>
+                        <p:cond delay="indefinite"/>
+                      </p:stCondLst>
+                      <p:childTnLst>
+                        <p:par>
+                          <p:cTn id="4" fill="hold">
+                            <p:stCondLst>
+                              <p:cond delay="0"/>
+                            </p:stCondLst>
+                            <p:childTnLst>
+                              <p:par>
+                                <p:cTn id="5" presetID="10" presetClass="entr" presetSubtype="0" fill="hold" grpId="0" nodeType="clickEffect">
+                                  <p:stCondLst>
+                                    <p:cond delay="0"/>
+                                  </p:stCondLst>
+                                  <p:childTnLst>
+                                    <p:set>
+                                      <p:cBhvr>
+                                        <p:cTn id="6" dur="1" fill="hold">
+                                          <p:stCondLst>
+                                            <p:cond delay="0"/>
+                                          </p:stCondLst>
+                                        </p:cTn>
+                                        <p:tgtEl>
+                                          <p:spTgt spid="15">
+                                            <p:txEl>
+                                              <p:pRg st="0" end="0"/>
+                                            </p:txEl>
+                                          </p:spTgt>
+                                        </p:tgtEl>
+                                        <p:attrNameLst>
+                                          <p:attrName>style.visibility</p:attrName>
+                                        </p:attrNameLst>
+                                      </p:cBhvr>
+                                      <p:to>
+                                        <p:strVal val="visible"/>
+                                      </p:to>
+                                    </p:set>
+                                    <p:animEffect transition="in" filter="fade">
+                                      <p:cBhvr>
+                                        <p:cTn id="7" dur="500"/>
+                                        <p:tgtEl>
+                                          <p:spTgt spid="15">
+                                            <p:txEl>
+                                              <p:pRg st="0" end="0"/>
+                                            </p:txEl>
+                                          </p:spTgt>
+                                        </p:tgtEl>
+                                      </p:cBhvr>
+                                    </p:animEffect>
+                                  </p:childTnLst>
+                                </p:cTn>
+                              </p:par>
+                            </p:childTnLst>
+                          </p:cTn>
+                        </p:par>
+                      </p:childTnLst>
+                    </p:cTn>
+                  </p:par>
+                  <p:par>
+                    <p:cTn id="8" fill="hold">
+                      <p:stCondLst>
+                        <p:cond delay="indefinite"/>
+                      </p:stCondLst>
+                      <p:childTnLst>
+                        <p:par>
+                          <p:cTn id="9" fill="hold">
+                            <p:stCondLst>
+                              <p:cond delay="0"/>
+                            </p:stCondLst>
+                            <p:childTnLst>
+                              <p:par>
+                                <p:cTn id="10" presetID="10" presetClass="entr" presetSubtype="0" fill="hold" grpId="0" nodeType="clickEffect">
+                                  <p:stCondLst>
+                                    <p:cond delay="0"/>
+                                  </p:stCondLst>
+                                  <p:childTnLst>
+                                    <p:set>
+                                      <p:cBhvr>
+                                        <p:cTn id="11" dur="1" fill="hold">
+                                          <p:stCondLst>
+                                            <p:cond delay="0"/>
+                                          </p:stCondLst>
+                                        </p:cTn>
+                                        <p:tgtEl>
+                                          <p:spTgt spid="15">
+                                            <p:txEl>
+                                              <p:pRg st="1" end="1"/>
+                                            </p:txEl>
+                                          </p:spTgt>
+                                        </p:tgtEl>
+                                        <p:attrNameLst>
+                                          <p:attrName>style.visibility</p:attrName>
+                                        </p:attrNameLst>
+                                      </p:cBhvr>
+                                      <p:to>
+                                        <p:strVal val="visible"/>
+                                      </p:to>
+                                    </p:set>
+                                    <p:animEffect transition="in" filter="fade">
+                                      <p:cBhvr>
+                                        <p:cTn id="12" dur="500"/>
+                                        <p:tgtEl>
+                                          <p:spTgt spid="15">
+                                            <p:txEl>
+                                              <p:pRg st="1" end="1"/>
+                                            </p:txEl>
+                                          </p:spTgt>
+                                        </p:tgtEl>
+                                      </p:cBhvr>
+                                    </p:animEffect>
+                                  </p:childTnLst>
+                                </p:cTn>
+                              </p:par>
+                            </p:childTnLst>
+                          </p:cTn>
+                        </p:par>
+                      </p:childTnLst>
+                    </p:cTn>
+                  </p:par>
+                  <p:par>
+                    <p:cTn id="13" fill="hold">
+                      <p:stCondLst>
+                        <p:cond delay="indefinite"/>
+                      </p:stCondLst>
+                      <p:childTnLst>
+                        <p:par>
+                          <p:cTn id="14" fill="hold">
+                            <p:stCondLst>
+                              <p:cond delay="0"/>
+                            </p:stCondLst>
+                            <p:childTnLst>
+                              <p:par>
+                                <p:cTn id="15" presetID="10" presetClass="entr" presetSubtype="0" fill="hold" grpId="0" nodeType="clickEffect">
+                                  <p:stCondLst>
+                                    <p:cond delay="0"/>
+                                  </p:stCondLst>
+                                  <p:childTnLst>
+                                    <p:set>
+                                      <p:cBhvr>
+                                        <p:cTn id="16" dur="1" fill="hold">
+                                          <p:stCondLst>
+                                            <p:cond delay="0"/>
+                                          </p:stCondLst>
+                                        </p:cTn>
+                                        <p:tgtEl>
+                                          <p:spTgt spid="15">
+                                            <p:txEl>
+                                              <p:pRg st="5" end="5"/>
+                                            </p:txEl>
+                                          </p:spTgt>
+                                        </p:tgtEl>
+                                        <p:attrNameLst>
+                                          <p:attrName>style.visibility</p:attrName>
+                                        </p:attrNameLst>
+                                      </p:cBhvr>
+                                      <p:to>
+                                        <p:strVal val="visible"/>
+                                      </p:to>
+                                    </p:set>
+                                    <p:animEffect transition="in" filter="fade">
+                                      <p:cBhvr>
+                                        <p:cTn id="17" dur="500"/>
+                                        <p:tgtEl>
+                                          <p:spTgt spid="15">
+                                            <p:txEl>
+                                              <p:pRg st="5" end="5"/>
+                                            </p:txEl>
+                                          </p:spTgt>
+                                        </p:tgtEl>
+                                      </p:cBhvr>
+                                    </p:animEffect>
+                                  </p:childTnLst>
+                                </p:cTn>
+                              </p:par>
+                            </p:childTnLst>
+                          </p:cTn>
+                        </p:par>
+                      </p:childTnLst>
+                    </p:cTn>
+                  </p:par>
+                </p:childTnLst>
+              </p:cTn>
+              <p:prevCondLst>
+                <p:cond evt="onPrev" delay="0">
+                  <p:tgtEl>
+                    <p:sldTgt/>
+                  </p:tgtEl>
+                </p:cond>
+              </p:prevCondLst>
+              <p:nextCondLst>
+                <p:cond evt="onNext" delay="0">
+                  <p:tgtEl>
+                    <p:sldTgt/>
+                  </p:tgtEl>
+                </p:cond>
+              </p:nextCondLst>
+            </p:seq>
+          </p:childTnLst>
+        </p:cTn>
+      </p:par>
+    </p:tnLst>
+    <p:bldLst>
+      <p:bldP spid="15" grpId="0" build="p"/>
+    </p:bldLst>
+  </p:timing>
+</p:sld>
+</file>
+
+<file path=ppt/slides/slide22.xml><?xml version="1.0" encoding="utf-8"?>
+<p:sld xmlns:a="http://schemas.openxmlformats.org/drawingml/2006/main" xmlns:r="http://schemas.openxmlformats.org/officeDocument/2006/relationships" xmlns:p="http://schemas.openxmlformats.org/presentationml/2006/main">
+  <p:cSld>
+    <p:spTree>
+      <p:nvGrpSpPr>
+        <p:cNvPr id="1" name=""/>
+        <p:cNvGrpSpPr/>
+        <p:nvPr/>
+      </p:nvGrpSpPr>
+      <p:grpSpPr>
+        <a:xfrm>
+          <a:off x="0" y="0"/>
+          <a:ext cx="0" cy="0"/>
+          <a:chOff x="0" y="0"/>
+          <a:chExt cx="0" cy="0"/>
+        </a:xfrm>
+      </p:grpSpPr>
+      <p:sp>
+        <p:nvSpPr>
+          <p:cNvPr id="15" name="Content Placeholder 7"/>
+          <p:cNvSpPr>
+            <a:spLocks noGrp="1"/>
+          </p:cNvSpPr>
+          <p:nvPr>
+            <p:ph idx="1"/>
+          </p:nvPr>
+        </p:nvSpPr>
+        <p:spPr>
+          <a:xfrm>
+            <a:off x="152260" y="1099223"/>
+            <a:ext cx="6002598" cy="1770102"/>
+          </a:xfrm>
+        </p:spPr>
+        <p:txBody>
+          <a:bodyPr>
+            <a:noAutofit/>
+          </a:bodyPr>
+          <a:lstStyle/>
+          <a:p>
+            <a:pPr marL="0" indent="0">
+              <a:buNone/>
+            </a:pPr>
+            <a:r>
+              <a:rPr lang="en-US" b="1" dirty="0"/>
+              <a:t>Not following the principle “throw early, catch </a:t>
+            </a:r>
+            <a:r>
+              <a:rPr lang="en-US" b="1" dirty="0" smtClean="0"/>
+              <a:t>late</a:t>
+            </a:r>
+            <a:r>
+              <a:rPr lang="en-US" sz="1400" b="1" dirty="0" smtClean="0"/>
+              <a:t>:</a:t>
+            </a:r>
+            <a:r>
+              <a:rPr lang="en-US" b="1" dirty="0" smtClean="0"/>
+              <a:t> </a:t>
+            </a:r>
+          </a:p>
+          <a:p>
+            <a:r>
+              <a:rPr lang="en-US" dirty="0"/>
+              <a:t>If you have to handle Exception, for example, in your </a:t>
+            </a:r>
+            <a:r>
+              <a:rPr lang="en-US" b="1" dirty="0"/>
+              <a:t>Service</a:t>
+            </a:r>
+            <a:r>
+              <a:rPr lang="en-US" dirty="0"/>
+              <a:t>, you should do two things</a:t>
+            </a:r>
+            <a:r>
+              <a:rPr lang="en-US" dirty="0" smtClean="0"/>
+              <a:t>:</a:t>
+            </a:r>
+          </a:p>
+          <a:p>
+            <a:pPr lvl="1"/>
+            <a:r>
+              <a:rPr lang="en-US" dirty="0"/>
+              <a:t>Wrap your </a:t>
+            </a:r>
+            <a:r>
+              <a:rPr lang="en-US" dirty="0" smtClean="0"/>
+              <a:t>Exception</a:t>
+            </a:r>
+          </a:p>
+          <a:p>
+            <a:pPr lvl="1"/>
+            <a:r>
+              <a:rPr lang="en-US" dirty="0"/>
+              <a:t>Throw the Exception to the last catch and handle it</a:t>
+            </a:r>
+            <a:r>
+              <a:rPr lang="en-US" dirty="0" smtClean="0"/>
+              <a:t>.</a:t>
+            </a:r>
+          </a:p>
+        </p:txBody>
+      </p:sp>
+      <p:sp>
+        <p:nvSpPr>
+          <p:cNvPr id="9" name="Text Placeholder 8"/>
+          <p:cNvSpPr>
+            <a:spLocks noGrp="1"/>
+          </p:cNvSpPr>
+          <p:nvPr>
+            <p:ph type="body" sz="quarter" idx="10"/>
+          </p:nvPr>
+        </p:nvSpPr>
+        <p:spPr>
+          <a:xfrm>
+            <a:off x="0" y="-1"/>
+            <a:ext cx="9144000" cy="712601"/>
+          </a:xfrm>
+        </p:spPr>
+        <p:txBody>
+          <a:bodyPr/>
+          <a:lstStyle/>
+          <a:p>
+            <a:r>
+              <a:rPr lang="en-US" dirty="0">
+                <a:cs typeface="Trebuchet MS"/>
+              </a:rPr>
+              <a:t>Mistakes Java Developers make when Using </a:t>
+            </a:r>
+            <a:r>
+              <a:rPr lang="en-US" dirty="0" smtClean="0">
+                <a:cs typeface="Trebuchet MS"/>
+              </a:rPr>
+              <a:t>Exceptions</a:t>
+            </a:r>
+            <a:r>
+              <a:rPr lang="en-US" dirty="0">
+                <a:cs typeface="Trebuchet MS"/>
+              </a:rPr>
+              <a:t>(Cont.)</a:t>
+            </a:r>
+            <a:endParaRPr lang="en-US" dirty="0">
+              <a:latin typeface="Trebuchet MS"/>
+              <a:cs typeface="Trebuchet MS"/>
+            </a:endParaRPr>
+          </a:p>
+        </p:txBody>
+      </p:sp>
+    </p:spTree>
+    <p:extLst>
+      <p:ext uri="{BB962C8B-B14F-4D97-AF65-F5344CB8AC3E}">
+        <p14:creationId xmlns:p14="http://schemas.microsoft.com/office/powerpoint/2010/main" val="4168877144"/>
+      </p:ext>
+    </p:extLst>
+  </p:cSld>
+  <p:clrMapOvr>
+    <a:masterClrMapping/>
+  </p:clrMapOvr>
+  <p:timing>
+    <p:tnLst>
+      <p:par>
+        <p:cTn id="1" dur="indefinite" restart="never" nodeType="tmRoot">
+          <p:childTnLst>
+            <p:seq concurrent="1" nextAc="seek">
+              <p:cTn id="2" dur="indefinite" nodeType="mainSeq">
+                <p:childTnLst>
+                  <p:par>
+                    <p:cTn id="3" fill="hold">
+                      <p:stCondLst>
+                        <p:cond delay="indefinite"/>
+                      </p:stCondLst>
+                      <p:childTnLst>
+                        <p:par>
+                          <p:cTn id="4" fill="hold">
+                            <p:stCondLst>
+                              <p:cond delay="0"/>
+                            </p:stCondLst>
+                            <p:childTnLst>
+                              <p:par>
+                                <p:cTn id="5" presetID="10" presetClass="entr" presetSubtype="0" fill="hold" grpId="0" nodeType="clickEffect">
+                                  <p:stCondLst>
+                                    <p:cond delay="0"/>
+                                  </p:stCondLst>
+                                  <p:childTnLst>
+                                    <p:set>
+                                      <p:cBhvr>
+                                        <p:cTn id="6" dur="1" fill="hold">
+                                          <p:stCondLst>
+                                            <p:cond delay="0"/>
+                                          </p:stCondLst>
+                                        </p:cTn>
+                                        <p:tgtEl>
+                                          <p:spTgt spid="15">
+                                            <p:txEl>
+                                              <p:pRg st="0" end="0"/>
+                                            </p:txEl>
+                                          </p:spTgt>
+                                        </p:tgtEl>
+                                        <p:attrNameLst>
+                                          <p:attrName>style.visibility</p:attrName>
+                                        </p:attrNameLst>
+                                      </p:cBhvr>
+                                      <p:to>
+                                        <p:strVal val="visible"/>
+                                      </p:to>
+                                    </p:set>
+                                    <p:animEffect transition="in" filter="fade">
+                                      <p:cBhvr>
+                                        <p:cTn id="7" dur="500"/>
+                                        <p:tgtEl>
+                                          <p:spTgt spid="15">
+                                            <p:txEl>
+                                              <p:pRg st="0" end="0"/>
+                                            </p:txEl>
+                                          </p:spTgt>
+                                        </p:tgtEl>
+                                      </p:cBhvr>
+                                    </p:animEffect>
+                                  </p:childTnLst>
+                                </p:cTn>
+                              </p:par>
+                            </p:childTnLst>
+                          </p:cTn>
+                        </p:par>
+                      </p:childTnLst>
+                    </p:cTn>
+                  </p:par>
+                  <p:par>
+                    <p:cTn id="8" fill="hold">
+                      <p:stCondLst>
+                        <p:cond delay="indefinite"/>
+                      </p:stCondLst>
+                      <p:childTnLst>
+                        <p:par>
+                          <p:cTn id="9" fill="hold">
+                            <p:stCondLst>
+                              <p:cond delay="0"/>
+                            </p:stCondLst>
+                            <p:childTnLst>
+                              <p:par>
+                                <p:cTn id="10" presetID="10" presetClass="entr" presetSubtype="0" fill="hold" grpId="0" nodeType="clickEffect">
+                                  <p:stCondLst>
+                                    <p:cond delay="0"/>
+                                  </p:stCondLst>
+                                  <p:childTnLst>
+                                    <p:set>
+                                      <p:cBhvr>
+                                        <p:cTn id="11" dur="1" fill="hold">
+                                          <p:stCondLst>
+                                            <p:cond delay="0"/>
+                                          </p:stCondLst>
+                                        </p:cTn>
+                                        <p:tgtEl>
+                                          <p:spTgt spid="15">
+                                            <p:txEl>
+                                              <p:pRg st="1" end="1"/>
+                                            </p:txEl>
+                                          </p:spTgt>
+                                        </p:tgtEl>
+                                        <p:attrNameLst>
+                                          <p:attrName>style.visibility</p:attrName>
+                                        </p:attrNameLst>
+                                      </p:cBhvr>
+                                      <p:to>
+                                        <p:strVal val="visible"/>
+                                      </p:to>
+                                    </p:set>
+                                    <p:animEffect transition="in" filter="fade">
+                                      <p:cBhvr>
+                                        <p:cTn id="12" dur="500"/>
+                                        <p:tgtEl>
+                                          <p:spTgt spid="15">
+                                            <p:txEl>
+                                              <p:pRg st="1" end="1"/>
+                                            </p:txEl>
+                                          </p:spTgt>
+                                        </p:tgtEl>
+                                      </p:cBhvr>
+                                    </p:animEffect>
+                                  </p:childTnLst>
+                                </p:cTn>
+                              </p:par>
+                              <p:par>
+                                <p:cTn id="13" presetID="10" presetClass="entr" presetSubtype="0" fill="hold" grpId="0" nodeType="withEffect">
+                                  <p:stCondLst>
+                                    <p:cond delay="0"/>
+                                  </p:stCondLst>
+                                  <p:childTnLst>
+                                    <p:set>
+                                      <p:cBhvr>
+                                        <p:cTn id="14" dur="1" fill="hold">
+                                          <p:stCondLst>
+                                            <p:cond delay="0"/>
+                                          </p:stCondLst>
+                                        </p:cTn>
+                                        <p:tgtEl>
+                                          <p:spTgt spid="15">
+                                            <p:txEl>
+                                              <p:pRg st="2" end="2"/>
+                                            </p:txEl>
+                                          </p:spTgt>
+                                        </p:tgtEl>
+                                        <p:attrNameLst>
+                                          <p:attrName>style.visibility</p:attrName>
+                                        </p:attrNameLst>
+                                      </p:cBhvr>
+                                      <p:to>
+                                        <p:strVal val="visible"/>
+                                      </p:to>
+                                    </p:set>
+                                    <p:animEffect transition="in" filter="fade">
+                                      <p:cBhvr>
+                                        <p:cTn id="15" dur="500"/>
+                                        <p:tgtEl>
+                                          <p:spTgt spid="15">
+                                            <p:txEl>
+                                              <p:pRg st="2" end="2"/>
+                                            </p:txEl>
+                                          </p:spTgt>
+                                        </p:tgtEl>
+                                      </p:cBhvr>
+                                    </p:animEffect>
+                                  </p:childTnLst>
+                                </p:cTn>
+                              </p:par>
+                              <p:par>
+                                <p:cTn id="16" presetID="10" presetClass="entr" presetSubtype="0" fill="hold" grpId="0" nodeType="withEffect">
+                                  <p:stCondLst>
+                                    <p:cond delay="0"/>
+                                  </p:stCondLst>
+                                  <p:childTnLst>
+                                    <p:set>
+                                      <p:cBhvr>
+                                        <p:cTn id="17" dur="1" fill="hold">
+                                          <p:stCondLst>
+                                            <p:cond delay="0"/>
+                                          </p:stCondLst>
+                                        </p:cTn>
+                                        <p:tgtEl>
+                                          <p:spTgt spid="15">
+                                            <p:txEl>
+                                              <p:pRg st="3" end="3"/>
+                                            </p:txEl>
+                                          </p:spTgt>
+                                        </p:tgtEl>
+                                        <p:attrNameLst>
+                                          <p:attrName>style.visibility</p:attrName>
+                                        </p:attrNameLst>
+                                      </p:cBhvr>
+                                      <p:to>
+                                        <p:strVal val="visible"/>
+                                      </p:to>
+                                    </p:set>
+                                    <p:animEffect transition="in" filter="fade">
+                                      <p:cBhvr>
+                                        <p:cTn id="18" dur="500"/>
+                                        <p:tgtEl>
+                                          <p:spTgt spid="15">
+                                            <p:txEl>
+                                              <p:pRg st="3" end="3"/>
+                                            </p:txEl>
+                                          </p:spTgt>
+                                        </p:tgtEl>
+                                      </p:cBhvr>
+                                    </p:animEffect>
+                                  </p:childTnLst>
+                                </p:cTn>
+                              </p:par>
+                            </p:childTnLst>
+                          </p:cTn>
+                        </p:par>
+                      </p:childTnLst>
+                    </p:cTn>
+                  </p:par>
+                </p:childTnLst>
+              </p:cTn>
+              <p:prevCondLst>
+                <p:cond evt="onPrev" delay="0">
+                  <p:tgtEl>
+                    <p:sldTgt/>
+                  </p:tgtEl>
+                </p:cond>
+              </p:prevCondLst>
+              <p:nextCondLst>
+                <p:cond evt="onNext" delay="0">
+                  <p:tgtEl>
+                    <p:sldTgt/>
+                  </p:tgtEl>
+                </p:cond>
+              </p:nextCondLst>
+            </p:seq>
+          </p:childTnLst>
+        </p:cTn>
+      </p:par>
+    </p:tnLst>
+    <p:bldLst>
+      <p:bldP spid="15" grpId="0" build="p"/>
+    </p:bldLst>
+  </p:timing>
+</p:sld>
+</file>
+
+<file path=ppt/slides/slide23.xml><?xml version="1.0" encoding="utf-8"?>
+<p:sld xmlns:a="http://schemas.openxmlformats.org/drawingml/2006/main" xmlns:r="http://schemas.openxmlformats.org/officeDocument/2006/relationships" xmlns:p="http://schemas.openxmlformats.org/presentationml/2006/main">
+  <p:cSld>
+    <p:spTree>
+      <p:nvGrpSpPr>
+        <p:cNvPr id="1" name=""/>
+        <p:cNvGrpSpPr/>
+        <p:nvPr/>
+      </p:nvGrpSpPr>
+      <p:grpSpPr>
+        <a:xfrm>
+          <a:off x="0" y="0"/>
+          <a:ext cx="0" cy="0"/>
+          <a:chOff x="0" y="0"/>
+          <a:chExt cx="0" cy="0"/>
+        </a:xfrm>
+      </p:grpSpPr>
+      <p:sp>
+        <p:nvSpPr>
+          <p:cNvPr id="15" name="Content Placeholder 7"/>
+          <p:cNvSpPr>
+            <a:spLocks noGrp="1"/>
+          </p:cNvSpPr>
+          <p:nvPr>
+            <p:ph idx="1"/>
+          </p:nvPr>
+        </p:nvSpPr>
+        <p:spPr>
+          <a:xfrm>
+            <a:off x="152260" y="1099223"/>
+            <a:ext cx="6002598" cy="3453858"/>
+          </a:xfrm>
+        </p:spPr>
+        <p:txBody>
+          <a:bodyPr>
+            <a:noAutofit/>
+          </a:bodyPr>
+          <a:lstStyle/>
+          <a:p>
+            <a:pPr marL="0" indent="0">
+              <a:buNone/>
+            </a:pPr>
+            <a:r>
+              <a:rPr lang="en-US" b="1" dirty="0"/>
+              <a:t>Not following the principle “throw early, catch </a:t>
+            </a:r>
+            <a:r>
+              <a:rPr lang="en-US" b="1" dirty="0" smtClean="0"/>
+              <a:t>late</a:t>
+            </a:r>
+            <a:r>
+              <a:rPr lang="en-US" sz="1400" b="1" dirty="0" smtClean="0"/>
+              <a:t>:</a:t>
+            </a:r>
+            <a:r>
+              <a:rPr lang="en-US" b="1" dirty="0" smtClean="0"/>
+              <a:t> </a:t>
+            </a:r>
+          </a:p>
+          <a:p>
+            <a:r>
+              <a:rPr lang="en-US" dirty="0"/>
+              <a:t>If you have to handle Exception, for example, in your </a:t>
+            </a:r>
+            <a:r>
+              <a:rPr lang="en-US" b="1" dirty="0"/>
+              <a:t>Service</a:t>
+            </a:r>
+            <a:r>
+              <a:rPr lang="en-US" dirty="0"/>
+              <a:t>, you should do two things</a:t>
+            </a:r>
+            <a:r>
+              <a:rPr lang="en-US" dirty="0" smtClean="0"/>
+              <a:t>:</a:t>
+            </a:r>
+          </a:p>
+          <a:p>
+            <a:pPr lvl="1"/>
+            <a:r>
+              <a:rPr lang="en-US" dirty="0"/>
+              <a:t>Wrap your </a:t>
+            </a:r>
+            <a:r>
+              <a:rPr lang="en-US" dirty="0" smtClean="0"/>
+              <a:t>Exception</a:t>
+            </a:r>
+          </a:p>
+          <a:p>
+            <a:pPr lvl="1"/>
+            <a:r>
+              <a:rPr lang="en-US" dirty="0"/>
+              <a:t>Throw the Exception to the last catch and handle it</a:t>
+            </a:r>
+            <a:r>
+              <a:rPr lang="en-US" dirty="0" smtClean="0"/>
+              <a:t>.</a:t>
+            </a:r>
+          </a:p>
+          <a:p>
+            <a:pPr marL="0" indent="0">
+              <a:buNone/>
+            </a:pPr>
+            <a:endParaRPr lang="en-US" b="1" dirty="0" smtClean="0"/>
+          </a:p>
+          <a:p>
+            <a:pPr marL="0" indent="0">
+              <a:buNone/>
+            </a:pPr>
+            <a:r>
+              <a:rPr lang="en-US" b="1" dirty="0" smtClean="0"/>
+              <a:t>N</a:t>
+            </a:r>
+            <a:r>
+              <a:rPr lang="en-US" b="1" dirty="0"/>
+              <a:t>ot using clear messages on the Exceptions</a:t>
+            </a:r>
+            <a:r>
+              <a:rPr lang="en-US" sz="1400" b="1" dirty="0" smtClean="0"/>
+              <a:t>:</a:t>
+            </a:r>
+            <a:r>
+              <a:rPr lang="en-US" b="1" dirty="0" smtClean="0"/>
+              <a:t> </a:t>
+            </a:r>
+            <a:endParaRPr lang="en-US" b="1" dirty="0"/>
+          </a:p>
+          <a:p>
+            <a:r>
+              <a:rPr lang="en-US" dirty="0"/>
+              <a:t>Always use clear messages on your Exceptions. Doing this will help a lot when finding errors. Even better, create a </a:t>
+            </a:r>
+            <a:r>
+              <a:rPr lang="en-US" b="1" dirty="0"/>
+              <a:t>Properties File</a:t>
+            </a:r>
+            <a:r>
+              <a:rPr lang="en-US" dirty="0"/>
+              <a:t> with all Exception messages. You can use the file on your View layer and show users messages about the business requirements.</a:t>
+            </a:r>
+          </a:p>
+          <a:p>
+            <a:pPr marL="0" indent="0">
+              <a:buNone/>
+            </a:pPr>
+            <a:endParaRPr lang="en-US" dirty="0"/>
+          </a:p>
+        </p:txBody>
+      </p:sp>
+      <p:sp>
+        <p:nvSpPr>
+          <p:cNvPr id="9" name="Text Placeholder 8"/>
+          <p:cNvSpPr>
+            <a:spLocks noGrp="1"/>
+          </p:cNvSpPr>
+          <p:nvPr>
+            <p:ph type="body" sz="quarter" idx="10"/>
+          </p:nvPr>
+        </p:nvSpPr>
+        <p:spPr>
+          <a:xfrm>
+            <a:off x="0" y="-1"/>
+            <a:ext cx="9144000" cy="712601"/>
+          </a:xfrm>
+        </p:spPr>
+        <p:txBody>
+          <a:bodyPr/>
+          <a:lstStyle/>
+          <a:p>
+            <a:r>
+              <a:rPr lang="en-US" dirty="0">
+                <a:cs typeface="Trebuchet MS"/>
+              </a:rPr>
+              <a:t>Mistakes Java Developers make when Using </a:t>
+            </a:r>
+            <a:r>
+              <a:rPr lang="en-US" dirty="0" smtClean="0">
+                <a:cs typeface="Trebuchet MS"/>
+              </a:rPr>
+              <a:t>Exceptions</a:t>
+            </a:r>
+            <a:r>
+              <a:rPr lang="en-US" dirty="0">
+                <a:cs typeface="Trebuchet MS"/>
+              </a:rPr>
+              <a:t>(Cont.)</a:t>
+            </a:r>
+            <a:endParaRPr lang="en-US" dirty="0">
+              <a:latin typeface="Trebuchet MS"/>
+              <a:cs typeface="Trebuchet MS"/>
+            </a:endParaRPr>
+          </a:p>
+        </p:txBody>
+      </p:sp>
+    </p:spTree>
+    <p:extLst>
+      <p:ext uri="{BB962C8B-B14F-4D97-AF65-F5344CB8AC3E}">
+        <p14:creationId xmlns:p14="http://schemas.microsoft.com/office/powerpoint/2010/main" val="279104459"/>
+      </p:ext>
+    </p:extLst>
+  </p:cSld>
+  <p:clrMapOvr>
+    <a:masterClrMapping/>
+  </p:clrMapOvr>
+  <p:timing>
+    <p:tnLst>
+      <p:par>
+        <p:cTn id="1" dur="indefinite" restart="never" nodeType="tmRoot">
+          <p:childTnLst>
+            <p:seq concurrent="1" nextAc="seek">
+              <p:cTn id="2" dur="indefinite" nodeType="mainSeq">
+                <p:childTnLst>
+                  <p:par>
+                    <p:cTn id="3" fill="hold">
+                      <p:stCondLst>
+                        <p:cond delay="indefinite"/>
+                      </p:stCondLst>
+                      <p:childTnLst>
+                        <p:par>
+                          <p:cTn id="4" fill="hold">
+                            <p:stCondLst>
+                              <p:cond delay="0"/>
+                            </p:stCondLst>
+                            <p:childTnLst>
+                              <p:par>
+                                <p:cTn id="5" presetID="10" presetClass="entr" presetSubtype="0" fill="hold" grpId="0" nodeType="clickEffect">
+                                  <p:stCondLst>
+                                    <p:cond delay="0"/>
+                                  </p:stCondLst>
+                                  <p:childTnLst>
+                                    <p:set>
+                                      <p:cBhvr>
+                                        <p:cTn id="6" dur="1" fill="hold">
+                                          <p:stCondLst>
+                                            <p:cond delay="0"/>
+                                          </p:stCondLst>
+                                        </p:cTn>
+                                        <p:tgtEl>
+                                          <p:spTgt spid="15">
+                                            <p:txEl>
+                                              <p:pRg st="0" end="0"/>
+                                            </p:txEl>
+                                          </p:spTgt>
+                                        </p:tgtEl>
+                                        <p:attrNameLst>
+                                          <p:attrName>style.visibility</p:attrName>
+                                        </p:attrNameLst>
+                                      </p:cBhvr>
+                                      <p:to>
+                                        <p:strVal val="visible"/>
+                                      </p:to>
+                                    </p:set>
+                                    <p:animEffect transition="in" filter="fade">
+                                      <p:cBhvr>
+                                        <p:cTn id="7" dur="500"/>
+                                        <p:tgtEl>
+                                          <p:spTgt spid="15">
+                                            <p:txEl>
+                                              <p:pRg st="0" end="0"/>
+                                            </p:txEl>
+                                          </p:spTgt>
+                                        </p:tgtEl>
+                                      </p:cBhvr>
+                                    </p:animEffect>
+                                  </p:childTnLst>
+                                </p:cTn>
+                              </p:par>
+                            </p:childTnLst>
+                          </p:cTn>
+                        </p:par>
+                      </p:childTnLst>
+                    </p:cTn>
+                  </p:par>
+                  <p:par>
+                    <p:cTn id="8" fill="hold">
+                      <p:stCondLst>
+                        <p:cond delay="indefinite"/>
+                      </p:stCondLst>
+                      <p:childTnLst>
+                        <p:par>
+                          <p:cTn id="9" fill="hold">
+                            <p:stCondLst>
+                              <p:cond delay="0"/>
+                            </p:stCondLst>
+                            <p:childTnLst>
+                              <p:par>
+                                <p:cTn id="10" presetID="10" presetClass="entr" presetSubtype="0" fill="hold" grpId="0" nodeType="clickEffect">
+                                  <p:stCondLst>
+                                    <p:cond delay="0"/>
+                                  </p:stCondLst>
+                                  <p:childTnLst>
+                                    <p:set>
+                                      <p:cBhvr>
+                                        <p:cTn id="11" dur="1" fill="hold">
+                                          <p:stCondLst>
+                                            <p:cond delay="0"/>
+                                          </p:stCondLst>
+                                        </p:cTn>
+                                        <p:tgtEl>
+                                          <p:spTgt spid="15">
+                                            <p:txEl>
+                                              <p:pRg st="1" end="1"/>
+                                            </p:txEl>
+                                          </p:spTgt>
+                                        </p:tgtEl>
+                                        <p:attrNameLst>
+                                          <p:attrName>style.visibility</p:attrName>
+                                        </p:attrNameLst>
+                                      </p:cBhvr>
+                                      <p:to>
+                                        <p:strVal val="visible"/>
+                                      </p:to>
+                                    </p:set>
+                                    <p:animEffect transition="in" filter="fade">
+                                      <p:cBhvr>
+                                        <p:cTn id="12" dur="500"/>
+                                        <p:tgtEl>
+                                          <p:spTgt spid="15">
+                                            <p:txEl>
+                                              <p:pRg st="1" end="1"/>
+                                            </p:txEl>
+                                          </p:spTgt>
+                                        </p:tgtEl>
+                                      </p:cBhvr>
+                                    </p:animEffect>
+                                  </p:childTnLst>
+                                </p:cTn>
+                              </p:par>
+                              <p:par>
+                                <p:cTn id="13" presetID="10" presetClass="entr" presetSubtype="0" fill="hold" grpId="0" nodeType="withEffect">
+                                  <p:stCondLst>
+                                    <p:cond delay="0"/>
+                                  </p:stCondLst>
+                                  <p:childTnLst>
+                                    <p:set>
+                                      <p:cBhvr>
+                                        <p:cTn id="14" dur="1" fill="hold">
+                                          <p:stCondLst>
+                                            <p:cond delay="0"/>
+                                          </p:stCondLst>
+                                        </p:cTn>
+                                        <p:tgtEl>
+                                          <p:spTgt spid="15">
+                                            <p:txEl>
+                                              <p:pRg st="2" end="2"/>
+                                            </p:txEl>
+                                          </p:spTgt>
+                                        </p:tgtEl>
+                                        <p:attrNameLst>
+                                          <p:attrName>style.visibility</p:attrName>
+                                        </p:attrNameLst>
+                                      </p:cBhvr>
+                                      <p:to>
+                                        <p:strVal val="visible"/>
+                                      </p:to>
+                                    </p:set>
+                                    <p:animEffect transition="in" filter="fade">
+                                      <p:cBhvr>
+                                        <p:cTn id="15" dur="500"/>
+                                        <p:tgtEl>
+                                          <p:spTgt spid="15">
+                                            <p:txEl>
+                                              <p:pRg st="2" end="2"/>
+                                            </p:txEl>
+                                          </p:spTgt>
+                                        </p:tgtEl>
+                                      </p:cBhvr>
+                                    </p:animEffect>
+                                  </p:childTnLst>
+                                </p:cTn>
+                              </p:par>
+                              <p:par>
+                                <p:cTn id="16" presetID="10" presetClass="entr" presetSubtype="0" fill="hold" grpId="0" nodeType="withEffect">
+                                  <p:stCondLst>
+                                    <p:cond delay="0"/>
+                                  </p:stCondLst>
+                                  <p:childTnLst>
+                                    <p:set>
+                                      <p:cBhvr>
+                                        <p:cTn id="17" dur="1" fill="hold">
+                                          <p:stCondLst>
+                                            <p:cond delay="0"/>
+                                          </p:stCondLst>
+                                        </p:cTn>
+                                        <p:tgtEl>
+                                          <p:spTgt spid="15">
+                                            <p:txEl>
+                                              <p:pRg st="3" end="3"/>
+                                            </p:txEl>
+                                          </p:spTgt>
+                                        </p:tgtEl>
+                                        <p:attrNameLst>
+                                          <p:attrName>style.visibility</p:attrName>
+                                        </p:attrNameLst>
+                                      </p:cBhvr>
+                                      <p:to>
+                                        <p:strVal val="visible"/>
+                                      </p:to>
+                                    </p:set>
+                                    <p:animEffect transition="in" filter="fade">
+                                      <p:cBhvr>
+                                        <p:cTn id="18" dur="500"/>
+                                        <p:tgtEl>
+                                          <p:spTgt spid="15">
+                                            <p:txEl>
+                                              <p:pRg st="3" end="3"/>
+                                            </p:txEl>
+                                          </p:spTgt>
+                                        </p:tgtEl>
+                                      </p:cBhvr>
+                                    </p:animEffect>
+                                  </p:childTnLst>
+                                </p:cTn>
+                              </p:par>
+                            </p:childTnLst>
+                          </p:cTn>
+                        </p:par>
+                      </p:childTnLst>
+                    </p:cTn>
+                  </p:par>
+                  <p:par>
+                    <p:cTn id="19" fill="hold">
+                      <p:stCondLst>
+                        <p:cond delay="indefinite"/>
+                      </p:stCondLst>
+                      <p:childTnLst>
+                        <p:par>
+                          <p:cTn id="20" fill="hold">
+                            <p:stCondLst>
+                              <p:cond delay="0"/>
+                            </p:stCondLst>
+                            <p:childTnLst>
+                              <p:par>
+                                <p:cTn id="21" presetID="10" presetClass="entr" presetSubtype="0" fill="hold" grpId="0" nodeType="clickEffect">
+                                  <p:stCondLst>
+                                    <p:cond delay="0"/>
+                                  </p:stCondLst>
+                                  <p:childTnLst>
+                                    <p:set>
+                                      <p:cBhvr>
+                                        <p:cTn id="22" dur="1" fill="hold">
+                                          <p:stCondLst>
+                                            <p:cond delay="0"/>
+                                          </p:stCondLst>
+                                        </p:cTn>
+                                        <p:tgtEl>
+                                          <p:spTgt spid="15">
+                                            <p:txEl>
+                                              <p:pRg st="5" end="5"/>
+                                            </p:txEl>
+                                          </p:spTgt>
+                                        </p:tgtEl>
+                                        <p:attrNameLst>
+                                          <p:attrName>style.visibility</p:attrName>
+                                        </p:attrNameLst>
+                                      </p:cBhvr>
+                                      <p:to>
+                                        <p:strVal val="visible"/>
+                                      </p:to>
+                                    </p:set>
+                                    <p:animEffect transition="in" filter="fade">
+                                      <p:cBhvr>
+                                        <p:cTn id="23" dur="500"/>
+                                        <p:tgtEl>
+                                          <p:spTgt spid="15">
+                                            <p:txEl>
+                                              <p:pRg st="5" end="5"/>
+                                            </p:txEl>
+                                          </p:spTgt>
+                                        </p:tgtEl>
+                                      </p:cBhvr>
+                                    </p:animEffect>
+                                  </p:childTnLst>
+                                </p:cTn>
+                              </p:par>
+                              <p:par>
+                                <p:cTn id="24" presetID="10" presetClass="entr" presetSubtype="0" fill="hold" grpId="0" nodeType="withEffect">
+                                  <p:stCondLst>
+                                    <p:cond delay="0"/>
+                                  </p:stCondLst>
+                                  <p:childTnLst>
+                                    <p:set>
+                                      <p:cBhvr>
+                                        <p:cTn id="25" dur="1" fill="hold">
+                                          <p:stCondLst>
+                                            <p:cond delay="0"/>
+                                          </p:stCondLst>
+                                        </p:cTn>
+                                        <p:tgtEl>
+                                          <p:spTgt spid="15">
+                                            <p:txEl>
+                                              <p:pRg st="6" end="6"/>
+                                            </p:txEl>
+                                          </p:spTgt>
+                                        </p:tgtEl>
+                                        <p:attrNameLst>
+                                          <p:attrName>style.visibility</p:attrName>
+                                        </p:attrNameLst>
+                                      </p:cBhvr>
+                                      <p:to>
+                                        <p:strVal val="visible"/>
+                                      </p:to>
+                                    </p:set>
+                                    <p:animEffect transition="in" filter="fade">
+                                      <p:cBhvr>
+                                        <p:cTn id="26" dur="500"/>
+                                        <p:tgtEl>
+                                          <p:spTgt spid="15">
+                                            <p:txEl>
+                                              <p:pRg st="6" end="6"/>
+                                            </p:txEl>
+                                          </p:spTgt>
+                                        </p:tgtEl>
+                                      </p:cBhvr>
+                                    </p:animEffect>
+                                  </p:childTnLst>
+                                </p:cTn>
+                              </p:par>
+                            </p:childTnLst>
+                          </p:cTn>
+                        </p:par>
+                      </p:childTnLst>
+                    </p:cTn>
+                  </p:par>
+                </p:childTnLst>
+              </p:cTn>
+              <p:prevCondLst>
+                <p:cond evt="onPrev" delay="0">
+                  <p:tgtEl>
+                    <p:sldTgt/>
+                  </p:tgtEl>
+                </p:cond>
+              </p:prevCondLst>
+              <p:nextCondLst>
+                <p:cond evt="onNext" delay="0">
+                  <p:tgtEl>
+                    <p:sldTgt/>
+                  </p:tgtEl>
+                </p:cond>
+              </p:nextCondLst>
+            </p:seq>
+          </p:childTnLst>
+        </p:cTn>
+      </p:par>
+    </p:tnLst>
+    <p:bldLst>
+      <p:bldP spid="15" grpId="0" build="p"/>
+    </p:bldLst>
+  </p:timing>
+</p:sld>
+</file>
+
+<file path=ppt/slides/slide24.xml><?xml version="1.0" encoding="utf-8"?>
+<p:sld xmlns:a="http://schemas.openxmlformats.org/drawingml/2006/main" xmlns:r="http://schemas.openxmlformats.org/officeDocument/2006/relationships" xmlns:p="http://schemas.openxmlformats.org/presentationml/2006/main">
+  <p:cSld>
+    <p:spTree>
+      <p:nvGrpSpPr>
+        <p:cNvPr id="1" name=""/>
+        <p:cNvGrpSpPr/>
+        <p:nvPr/>
+      </p:nvGrpSpPr>
+      <p:grpSpPr>
+        <a:xfrm>
+          <a:off x="0" y="0"/>
+          <a:ext cx="0" cy="0"/>
+          <a:chOff x="0" y="0"/>
+          <a:chExt cx="0" cy="0"/>
+        </a:xfrm>
+      </p:grpSpPr>
+      <p:sp>
+        <p:nvSpPr>
+          <p:cNvPr id="15" name="Content Placeholder 7"/>
+          <p:cNvSpPr>
+            <a:spLocks noGrp="1"/>
+          </p:cNvSpPr>
+          <p:nvPr>
+            <p:ph idx="1"/>
+          </p:nvPr>
+        </p:nvSpPr>
+        <p:spPr>
+          <a:xfrm>
+            <a:off x="152260" y="1099222"/>
+            <a:ext cx="3927856" cy="1492629"/>
+          </a:xfrm>
+        </p:spPr>
+        <p:txBody>
+          <a:bodyPr>
+            <a:noAutofit/>
+          </a:bodyPr>
+          <a:lstStyle/>
+          <a:p>
+            <a:pPr marL="0" indent="0">
+              <a:buNone/>
+            </a:pPr>
+            <a:r>
+              <a:rPr lang="en-US" b="1" dirty="0"/>
+              <a:t>Never lose the </a:t>
+            </a:r>
+            <a:r>
+              <a:rPr lang="en-US" b="1" dirty="0" err="1"/>
+              <a:t>Stacktrace</a:t>
+            </a:r>
+            <a:r>
+              <a:rPr lang="en-US" sz="1400" b="1" dirty="0" smtClean="0"/>
+              <a:t>:</a:t>
+            </a:r>
+            <a:r>
+              <a:rPr lang="en-US" b="1" dirty="0" smtClean="0"/>
+              <a:t> </a:t>
+            </a:r>
+          </a:p>
+          <a:p>
+            <a:r>
+              <a:rPr lang="en-US" dirty="0"/>
+              <a:t>When wrapping an Exception in another one, don’t just throw the other </a:t>
+            </a:r>
+            <a:r>
+              <a:rPr lang="en-US" b="1" dirty="0"/>
+              <a:t>Exception</a:t>
+            </a:r>
+            <a:r>
+              <a:rPr lang="en-US" dirty="0"/>
+              <a:t>, keep the </a:t>
+            </a:r>
+            <a:r>
+              <a:rPr lang="en-US" b="1" dirty="0" err="1"/>
+              <a:t>Stacktrace</a:t>
+            </a:r>
+            <a:r>
+              <a:rPr lang="en-US" dirty="0" smtClean="0"/>
+              <a:t>.</a:t>
+            </a:r>
+          </a:p>
+          <a:p>
+            <a:pPr marL="0" indent="0">
+              <a:buNone/>
+            </a:pPr>
+            <a:endParaRPr lang="en-US" dirty="0"/>
+          </a:p>
+        </p:txBody>
+      </p:sp>
+      <p:sp>
+        <p:nvSpPr>
+          <p:cNvPr id="9" name="Text Placeholder 8"/>
+          <p:cNvSpPr>
+            <a:spLocks noGrp="1"/>
+          </p:cNvSpPr>
+          <p:nvPr>
+            <p:ph type="body" sz="quarter" idx="10"/>
+          </p:nvPr>
+        </p:nvSpPr>
+        <p:spPr>
+          <a:xfrm>
+            <a:off x="0" y="-1"/>
+            <a:ext cx="9144000" cy="712601"/>
+          </a:xfrm>
+        </p:spPr>
+        <p:txBody>
+          <a:bodyPr/>
+          <a:lstStyle/>
+          <a:p>
+            <a:r>
+              <a:rPr lang="en-US" dirty="0">
+                <a:cs typeface="Trebuchet MS"/>
+              </a:rPr>
+              <a:t>Mistakes Java Developers make when Using </a:t>
+            </a:r>
+            <a:r>
+              <a:rPr lang="en-US" dirty="0" smtClean="0">
+                <a:cs typeface="Trebuchet MS"/>
+              </a:rPr>
+              <a:t>Exceptions</a:t>
+            </a:r>
+            <a:r>
+              <a:rPr lang="en-US" dirty="0">
+                <a:cs typeface="Trebuchet MS"/>
+              </a:rPr>
+              <a:t>(Cont.)</a:t>
+            </a:r>
+            <a:endParaRPr lang="en-US" dirty="0">
+              <a:latin typeface="Trebuchet MS"/>
+              <a:cs typeface="Trebuchet MS"/>
+            </a:endParaRPr>
+          </a:p>
+        </p:txBody>
+      </p:sp>
+      <p:pic>
+        <p:nvPicPr>
+          <p:cNvPr id="2" name="Picture 1"/>
+          <p:cNvPicPr>
+            <a:picLocks noChangeAspect="1"/>
+          </p:cNvPicPr>
+          <p:nvPr/>
+        </p:nvPicPr>
+        <p:blipFill>
+          <a:blip r:embed="rId2"/>
+          <a:stretch>
+            <a:fillRect/>
+          </a:stretch>
+        </p:blipFill>
+        <p:spPr>
+          <a:xfrm>
+            <a:off x="4799024" y="1099222"/>
+            <a:ext cx="3083735" cy="3099796"/>
+          </a:xfrm>
+          <a:prstGeom prst="rect">
+            <a:avLst/>
+          </a:prstGeom>
+        </p:spPr>
+      </p:pic>
+    </p:spTree>
+    <p:extLst>
+      <p:ext uri="{BB962C8B-B14F-4D97-AF65-F5344CB8AC3E}">
+        <p14:creationId xmlns:p14="http://schemas.microsoft.com/office/powerpoint/2010/main" val="2911068896"/>
+      </p:ext>
+    </p:extLst>
+  </p:cSld>
+  <p:clrMapOvr>
+    <a:masterClrMapping/>
+  </p:clrMapOvr>
+  <p:timing>
+    <p:tnLst>
+      <p:par>
+        <p:cTn id="1" dur="indefinite" restart="never" nodeType="tmRoot">
+          <p:childTnLst>
+            <p:seq concurrent="1" nextAc="seek">
+              <p:cTn id="2" dur="indefinite" nodeType="mainSeq">
+                <p:childTnLst>
+                  <p:par>
+                    <p:cTn id="3" fill="hold">
+                      <p:stCondLst>
+                        <p:cond delay="indefinite"/>
+                      </p:stCondLst>
+                      <p:childTnLst>
+                        <p:par>
+                          <p:cTn id="4" fill="hold">
+                            <p:stCondLst>
+                              <p:cond delay="0"/>
+                            </p:stCondLst>
+                            <p:childTnLst>
+                              <p:par>
+                                <p:cTn id="5" presetID="10" presetClass="entr" presetSubtype="0" fill="hold" grpId="0" nodeType="clickEffect">
+                                  <p:stCondLst>
+                                    <p:cond delay="0"/>
+                                  </p:stCondLst>
+                                  <p:childTnLst>
+                                    <p:set>
+                                      <p:cBhvr>
+                                        <p:cTn id="6" dur="1" fill="hold">
+                                          <p:stCondLst>
+                                            <p:cond delay="0"/>
+                                          </p:stCondLst>
+                                        </p:cTn>
+                                        <p:tgtEl>
+                                          <p:spTgt spid="15">
+                                            <p:txEl>
+                                              <p:pRg st="0" end="0"/>
+                                            </p:txEl>
+                                          </p:spTgt>
+                                        </p:tgtEl>
+                                        <p:attrNameLst>
+                                          <p:attrName>style.visibility</p:attrName>
+                                        </p:attrNameLst>
+                                      </p:cBhvr>
+                                      <p:to>
+                                        <p:strVal val="visible"/>
+                                      </p:to>
+                                    </p:set>
+                                    <p:animEffect transition="in" filter="fade">
+                                      <p:cBhvr>
+                                        <p:cTn id="7" dur="500"/>
+                                        <p:tgtEl>
+                                          <p:spTgt spid="15">
+                                            <p:txEl>
+                                              <p:pRg st="0" end="0"/>
+                                            </p:txEl>
+                                          </p:spTgt>
+                                        </p:tgtEl>
+                                      </p:cBhvr>
+                                    </p:animEffect>
+                                  </p:childTnLst>
+                                </p:cTn>
+                              </p:par>
+                              <p:par>
+                                <p:cTn id="8" presetID="10" presetClass="entr" presetSubtype="0" fill="hold" grpId="0" nodeType="withEffect">
+                                  <p:stCondLst>
+                                    <p:cond delay="0"/>
+                                  </p:stCondLst>
+                                  <p:childTnLst>
+                                    <p:set>
+                                      <p:cBhvr>
+                                        <p:cTn id="9" dur="1" fill="hold">
+                                          <p:stCondLst>
+                                            <p:cond delay="0"/>
+                                          </p:stCondLst>
+                                        </p:cTn>
+                                        <p:tgtEl>
+                                          <p:spTgt spid="15">
+                                            <p:txEl>
+                                              <p:pRg st="1" end="1"/>
+                                            </p:txEl>
+                                          </p:spTgt>
+                                        </p:tgtEl>
+                                        <p:attrNameLst>
+                                          <p:attrName>style.visibility</p:attrName>
+                                        </p:attrNameLst>
+                                      </p:cBhvr>
+                                      <p:to>
+                                        <p:strVal val="visible"/>
+                                      </p:to>
+                                    </p:set>
+                                    <p:animEffect transition="in" filter="fade">
+                                      <p:cBhvr>
+                                        <p:cTn id="10" dur="500"/>
+                                        <p:tgtEl>
+                                          <p:spTgt spid="15">
+                                            <p:txEl>
+                                              <p:pRg st="1" end="1"/>
+                                            </p:txEl>
+                                          </p:spTgt>
+                                        </p:tgtEl>
+                                      </p:cBhvr>
+                                    </p:animEffect>
+                                  </p:childTnLst>
+                                </p:cTn>
+                              </p:par>
+                            </p:childTnLst>
+                          </p:cTn>
+                        </p:par>
+                      </p:childTnLst>
+                    </p:cTn>
+                  </p:par>
+                </p:childTnLst>
+              </p:cTn>
+              <p:prevCondLst>
+                <p:cond evt="onPrev" delay="0">
+                  <p:tgtEl>
+                    <p:sldTgt/>
+                  </p:tgtEl>
+                </p:cond>
+              </p:prevCondLst>
+              <p:nextCondLst>
+                <p:cond evt="onNext" delay="0">
+                  <p:tgtEl>
+                    <p:sldTgt/>
+                  </p:tgtEl>
+                </p:cond>
+              </p:nextCondLst>
+            </p:seq>
+          </p:childTnLst>
+        </p:cTn>
+      </p:par>
+    </p:tnLst>
+    <p:bldLst>
+      <p:bldP spid="15" grpId="0" build="p"/>
+    </p:bldLst>
+  </p:timing>
+</p:sld>
+</file>
+
+<file path=ppt/slides/slide25.xml><?xml version="1.0" encoding="utf-8"?>
+<p:sld xmlns:a="http://schemas.openxmlformats.org/drawingml/2006/main" xmlns:r="http://schemas.openxmlformats.org/officeDocument/2006/relationships" xmlns:p="http://schemas.openxmlformats.org/presentationml/2006/main">
+  <p:cSld>
+    <p:spTree>
+      <p:nvGrpSpPr>
+        <p:cNvPr id="1" name=""/>
+        <p:cNvGrpSpPr/>
+        <p:nvPr/>
+      </p:nvGrpSpPr>
+      <p:grpSpPr>
+        <a:xfrm>
+          <a:off x="0" y="0"/>
+          <a:ext cx="0" cy="0"/>
+          <a:chOff x="0" y="0"/>
+          <a:chExt cx="0" cy="0"/>
+        </a:xfrm>
+      </p:grpSpPr>
+      <p:sp>
+        <p:nvSpPr>
+          <p:cNvPr id="15" name="Content Placeholder 7"/>
+          <p:cNvSpPr>
+            <a:spLocks noGrp="1"/>
+          </p:cNvSpPr>
+          <p:nvPr>
+            <p:ph idx="1"/>
+          </p:nvPr>
+        </p:nvSpPr>
+        <p:spPr>
+          <a:xfrm>
+            <a:off x="152259" y="1099222"/>
+            <a:ext cx="8537694" cy="899846"/>
+          </a:xfrm>
+        </p:spPr>
+        <p:txBody>
+          <a:bodyPr>
+            <a:noAutofit/>
+          </a:bodyPr>
+          <a:lstStyle/>
+          <a:p>
+            <a:pPr marL="0" indent="0">
+              <a:buNone/>
+            </a:pPr>
+            <a:r>
+              <a:rPr lang="en-US" b="1" dirty="0"/>
+              <a:t>Not organizing the hierarchy of specific Exceptions</a:t>
+            </a:r>
+            <a:r>
+              <a:rPr lang="en-US" sz="1400" b="1" dirty="0" smtClean="0"/>
+              <a:t>:</a:t>
+            </a:r>
+            <a:r>
+              <a:rPr lang="en-US" b="1" dirty="0" smtClean="0"/>
+              <a:t> </a:t>
+            </a:r>
+          </a:p>
+          <a:p>
+            <a:r>
+              <a:rPr lang="en-US" dirty="0"/>
+              <a:t>If you don’t organize the hierarchy of your Exceptions, the relationship will be difficult between the parts of the system. You will have lots of problems.</a:t>
+            </a:r>
+            <a:endParaRPr lang="en-US" dirty="0" smtClean="0"/>
+          </a:p>
+          <a:p>
+            <a:pPr marL="0" indent="0">
+              <a:buNone/>
+            </a:pPr>
+            <a:endParaRPr lang="en-US" dirty="0"/>
+          </a:p>
+        </p:txBody>
+      </p:sp>
+      <p:sp>
+        <p:nvSpPr>
+          <p:cNvPr id="9" name="Text Placeholder 8"/>
+          <p:cNvSpPr>
+            <a:spLocks noGrp="1"/>
+          </p:cNvSpPr>
+          <p:nvPr>
+            <p:ph type="body" sz="quarter" idx="10"/>
+          </p:nvPr>
+        </p:nvSpPr>
+        <p:spPr>
+          <a:xfrm>
+            <a:off x="0" y="-1"/>
+            <a:ext cx="9144000" cy="712601"/>
+          </a:xfrm>
+        </p:spPr>
+        <p:txBody>
+          <a:bodyPr/>
+          <a:lstStyle/>
+          <a:p>
+            <a:r>
+              <a:rPr lang="en-US" dirty="0">
+                <a:cs typeface="Trebuchet MS"/>
+              </a:rPr>
+              <a:t>Mistakes Java Developers make when Using </a:t>
+            </a:r>
+            <a:r>
+              <a:rPr lang="en-US" dirty="0" smtClean="0">
+                <a:cs typeface="Trebuchet MS"/>
+              </a:rPr>
+              <a:t>Exceptions</a:t>
+            </a:r>
+            <a:r>
+              <a:rPr lang="en-US" dirty="0">
+                <a:cs typeface="Trebuchet MS"/>
+              </a:rPr>
+              <a:t>(Cont.)</a:t>
+            </a:r>
+            <a:endParaRPr lang="en-US" dirty="0">
+              <a:latin typeface="Trebuchet MS"/>
+              <a:cs typeface="Trebuchet MS"/>
+            </a:endParaRPr>
+          </a:p>
+        </p:txBody>
+      </p:sp>
+      <p:pic>
+        <p:nvPicPr>
+          <p:cNvPr id="3" name="Picture 2"/>
+          <p:cNvPicPr>
+            <a:picLocks noChangeAspect="1"/>
+          </p:cNvPicPr>
+          <p:nvPr/>
+        </p:nvPicPr>
+        <p:blipFill>
+          <a:blip r:embed="rId2"/>
+          <a:stretch>
+            <a:fillRect/>
+          </a:stretch>
+        </p:blipFill>
+        <p:spPr>
+          <a:xfrm>
+            <a:off x="305424" y="2081048"/>
+            <a:ext cx="5153025" cy="1971675"/>
+          </a:xfrm>
+          <a:prstGeom prst="rect">
+            <a:avLst/>
+          </a:prstGeom>
+        </p:spPr>
+      </p:pic>
+    </p:spTree>
+    <p:extLst>
+      <p:ext uri="{BB962C8B-B14F-4D97-AF65-F5344CB8AC3E}">
+        <p14:creationId xmlns:p14="http://schemas.microsoft.com/office/powerpoint/2010/main" val="3807500765"/>
+      </p:ext>
+    </p:extLst>
+  </p:cSld>
+  <p:clrMapOvr>
+    <a:masterClrMapping/>
+  </p:clrMapOvr>
+  <p:timing>
+    <p:tnLst>
+      <p:par>
+        <p:cTn id="1" dur="indefinite" restart="never" nodeType="tmRoot">
+          <p:childTnLst>
+            <p:seq concurrent="1" nextAc="seek">
+              <p:cTn id="2" dur="indefinite" nodeType="mainSeq">
+                <p:childTnLst>
+                  <p:par>
+                    <p:cTn id="3" fill="hold">
+                      <p:stCondLst>
+                        <p:cond delay="indefinite"/>
+                      </p:stCondLst>
+                      <p:childTnLst>
+                        <p:par>
+                          <p:cTn id="4" fill="hold">
+                            <p:stCondLst>
+                              <p:cond delay="0"/>
+                            </p:stCondLst>
+                            <p:childTnLst>
+                              <p:par>
+                                <p:cTn id="5" presetID="10" presetClass="entr" presetSubtype="0" fill="hold" grpId="0" nodeType="clickEffect">
+                                  <p:stCondLst>
+                                    <p:cond delay="0"/>
+                                  </p:stCondLst>
+                                  <p:childTnLst>
+                                    <p:set>
+                                      <p:cBhvr>
+                                        <p:cTn id="6" dur="1" fill="hold">
+                                          <p:stCondLst>
+                                            <p:cond delay="0"/>
+                                          </p:stCondLst>
+                                        </p:cTn>
+                                        <p:tgtEl>
+                                          <p:spTgt spid="15">
+                                            <p:txEl>
+                                              <p:pRg st="0" end="0"/>
+                                            </p:txEl>
+                                          </p:spTgt>
+                                        </p:tgtEl>
+                                        <p:attrNameLst>
+                                          <p:attrName>style.visibility</p:attrName>
+                                        </p:attrNameLst>
+                                      </p:cBhvr>
+                                      <p:to>
+                                        <p:strVal val="visible"/>
+                                      </p:to>
+                                    </p:set>
+                                    <p:animEffect transition="in" filter="fade">
+                                      <p:cBhvr>
+                                        <p:cTn id="7" dur="500"/>
+                                        <p:tgtEl>
+                                          <p:spTgt spid="15">
+                                            <p:txEl>
+                                              <p:pRg st="0" end="0"/>
+                                            </p:txEl>
+                                          </p:spTgt>
+                                        </p:tgtEl>
+                                      </p:cBhvr>
+                                    </p:animEffect>
+                                  </p:childTnLst>
+                                </p:cTn>
+                              </p:par>
+                            </p:childTnLst>
+                          </p:cTn>
+                        </p:par>
+                      </p:childTnLst>
+                    </p:cTn>
+                  </p:par>
+                  <p:par>
+                    <p:cTn id="8" fill="hold">
+                      <p:stCondLst>
+                        <p:cond delay="indefinite"/>
+                      </p:stCondLst>
+                      <p:childTnLst>
+                        <p:par>
+                          <p:cTn id="9" fill="hold">
+                            <p:stCondLst>
+                              <p:cond delay="0"/>
+                            </p:stCondLst>
+                            <p:childTnLst>
+                              <p:par>
+                                <p:cTn id="10" presetID="10" presetClass="entr" presetSubtype="0" fill="hold" grpId="0" nodeType="clickEffect">
+                                  <p:stCondLst>
+                                    <p:cond delay="0"/>
+                                  </p:stCondLst>
+                                  <p:childTnLst>
+                                    <p:set>
+                                      <p:cBhvr>
+                                        <p:cTn id="11" dur="1" fill="hold">
+                                          <p:stCondLst>
+                                            <p:cond delay="0"/>
+                                          </p:stCondLst>
+                                        </p:cTn>
+                                        <p:tgtEl>
+                                          <p:spTgt spid="15">
+                                            <p:txEl>
+                                              <p:pRg st="1" end="1"/>
+                                            </p:txEl>
+                                          </p:spTgt>
+                                        </p:tgtEl>
+                                        <p:attrNameLst>
+                                          <p:attrName>style.visibility</p:attrName>
+                                        </p:attrNameLst>
+                                      </p:cBhvr>
+                                      <p:to>
+                                        <p:strVal val="visible"/>
+                                      </p:to>
+                                    </p:set>
+                                    <p:animEffect transition="in" filter="fade">
+                                      <p:cBhvr>
+                                        <p:cTn id="12" dur="500"/>
+                                        <p:tgtEl>
+                                          <p:spTgt spid="15">
+                                            <p:txEl>
+                                              <p:pRg st="1" end="1"/>
+                                            </p:txEl>
+                                          </p:spTgt>
+                                        </p:tgtEl>
+                                      </p:cBhvr>
+                                    </p:animEffect>
+                                  </p:childTnLst>
+                                </p:cTn>
+                              </p:par>
+                            </p:childTnLst>
+                          </p:cTn>
+                        </p:par>
+                      </p:childTnLst>
+                    </p:cTn>
+                  </p:par>
+                </p:childTnLst>
+              </p:cTn>
+              <p:prevCondLst>
+                <p:cond evt="onPrev" delay="0">
+                  <p:tgtEl>
+                    <p:sldTgt/>
+                  </p:tgtEl>
+                </p:cond>
+              </p:prevCondLst>
+              <p:nextCondLst>
+                <p:cond evt="onNext" delay="0">
+                  <p:tgtEl>
+                    <p:sldTgt/>
+                  </p:tgtEl>
+                </p:cond>
+              </p:nextCondLst>
+            </p:seq>
+          </p:childTnLst>
+        </p:cTn>
+      </p:par>
+    </p:tnLst>
+    <p:bldLst>
+      <p:bldP spid="15" grpId="0" build="p"/>
+    </p:bldLst>
+  </p:timing>
+</p:sld>
+</file>
+
+<file path=ppt/slides/slide26.xml><?xml version="1.0" encoding="utf-8"?>
+<p:sld xmlns:a="http://schemas.openxmlformats.org/drawingml/2006/main" xmlns:r="http://schemas.openxmlformats.org/officeDocument/2006/relationships" xmlns:p="http://schemas.openxmlformats.org/presentationml/2006/main">
+  <p:cSld>
+    <p:spTree>
+      <p:nvGrpSpPr>
+        <p:cNvPr id="1" name=""/>
+        <p:cNvGrpSpPr/>
+        <p:nvPr/>
+      </p:nvGrpSpPr>
+      <p:grpSpPr>
+        <a:xfrm>
+          <a:off x="0" y="0"/>
+          <a:ext cx="0" cy="0"/>
+          <a:chOff x="0" y="0"/>
+          <a:chExt cx="0" cy="0"/>
+        </a:xfrm>
+      </p:grpSpPr>
+      <p:sp>
+        <p:nvSpPr>
+          <p:cNvPr id="3" name="Content Placeholder 2"/>
+          <p:cNvSpPr>
+            <a:spLocks noGrp="1"/>
+          </p:cNvSpPr>
+          <p:nvPr>
+            <p:ph idx="1"/>
+          </p:nvPr>
+        </p:nvSpPr>
+        <p:spPr>
+          <a:xfrm>
+            <a:off x="360363" y="1079898"/>
+            <a:ext cx="7039745" cy="3383280"/>
+          </a:xfrm>
+        </p:spPr>
+        <p:txBody>
+          <a:bodyPr/>
+          <a:lstStyle/>
+          <a:p>
+            <a:endParaRPr lang="en-US" dirty="0"/>
+          </a:p>
+          <a:p>
+            <a:endParaRPr lang="en-US" dirty="0" smtClean="0"/>
+          </a:p>
+          <a:p>
+            <a:endParaRPr lang="en-US" dirty="0"/>
+          </a:p>
+          <a:p>
+            <a:pPr marL="0" indent="0">
+              <a:buNone/>
+            </a:pPr>
+            <a:r>
+              <a:rPr lang="en-US" dirty="0" smtClean="0"/>
+              <a:t>References: </a:t>
+            </a:r>
+            <a:r>
+              <a:rPr lang="en-US" b="1" dirty="0" smtClean="0"/>
+              <a:t>Effective Java 2</a:t>
+            </a:r>
+            <a:r>
+              <a:rPr lang="en-US" b="1" baseline="30000" dirty="0" smtClean="0"/>
+              <a:t>nd</a:t>
+            </a:r>
+            <a:r>
+              <a:rPr lang="en-US" b="1" dirty="0" smtClean="0"/>
+              <a:t> Edition</a:t>
+            </a:r>
+          </a:p>
+        </p:txBody>
+      </p:sp>
+      <p:sp>
+        <p:nvSpPr>
+          <p:cNvPr id="4" name="Text Placeholder 3"/>
+          <p:cNvSpPr>
+            <a:spLocks noGrp="1"/>
+          </p:cNvSpPr>
+          <p:nvPr>
+            <p:ph type="body" sz="quarter" idx="10"/>
+          </p:nvPr>
+        </p:nvSpPr>
+        <p:spPr/>
+        <p:txBody>
+          <a:bodyPr/>
+          <a:lstStyle/>
+          <a:p>
+            <a:endParaRPr lang="en-US"/>
+          </a:p>
+        </p:txBody>
+      </p:sp>
+    </p:spTree>
+    <p:extLst>
+      <p:ext uri="{BB962C8B-B14F-4D97-AF65-F5344CB8AC3E}">
+        <p14:creationId xmlns:p14="http://schemas.microsoft.com/office/powerpoint/2010/main" val="599084229"/>
+      </p:ext>
+    </p:extLst>
+  </p:cSld>
+  <p:clrMapOvr>
+    <a:masterClrMapping/>
+  </p:clrMapOvr>
+  <p:timing>
+    <p:tnLst>
+      <p:par>
+        <p:cTn id="1" dur="indefinite" restart="never" nodeType="tmRoot"/>
+      </p:par>
+    </p:tnLst>
+  </p:timing>
+</p:sld>
+</file>
+
+<file path=ppt/slides/slide27.xml><?xml version="1.0" encoding="utf-8"?>
+<p:sld xmlns:a="http://schemas.openxmlformats.org/drawingml/2006/main" xmlns:r="http://schemas.openxmlformats.org/officeDocument/2006/relationships" xmlns:p="http://schemas.openxmlformats.org/presentationml/2006/main">
+  <p:cSld>
+    <p:spTree>
+      <p:nvGrpSpPr>
+        <p:cNvPr id="1" name=""/>
+        <p:cNvGrpSpPr/>
+        <p:nvPr/>
+      </p:nvGrpSpPr>
+      <p:grpSpPr>
+        <a:xfrm>
+          <a:off x="0" y="0"/>
+          <a:ext cx="0" cy="0"/>
+          <a:chOff x="0" y="0"/>
+          <a:chExt cx="0" cy="0"/>
+        </a:xfrm>
+      </p:grpSpPr>
+      <p:sp>
+        <p:nvSpPr>
+          <p:cNvPr id="2" name="Text Placeholder 1"/>
+          <p:cNvSpPr>
+            <a:spLocks noGrp="1"/>
+          </p:cNvSpPr>
+          <p:nvPr>
+            <p:ph type="body" sz="quarter" idx="10"/>
+          </p:nvPr>
+        </p:nvSpPr>
+        <p:spPr>
+          <a:xfrm>
+            <a:off x="3456879" y="2178205"/>
+            <a:ext cx="2148468" cy="699516"/>
+          </a:xfrm>
+        </p:spPr>
+        <p:txBody>
+          <a:bodyPr/>
+          <a:lstStyle/>
+          <a:p>
+            <a:r>
+              <a:rPr lang="en-US" dirty="0" smtClean="0"/>
+              <a:t>THANK YOU</a:t>
+            </a:r>
+            <a:endParaRPr lang="en-US" dirty="0"/>
+          </a:p>
+        </p:txBody>
+      </p:sp>
+    </p:spTree>
+    <p:extLst>
+      <p:ext uri="{BB962C8B-B14F-4D97-AF65-F5344CB8AC3E}">
+        <p14:creationId xmlns:p14="http://schemas.microsoft.com/office/powerpoint/2010/main" val="1025092172"/>
       </p:ext>
     </p:extLst>
   </p:cSld>
@@ -4459,192 +10473,6 @@
           </a:p>
         </p:txBody>
       </p:sp>
-      <p:sp>
-        <p:nvSpPr>
-          <p:cNvPr id="6" name="Content Placeholder 7"/>
-          <p:cNvSpPr txBox="1">
-            <a:spLocks/>
-          </p:cNvSpPr>
-          <p:nvPr/>
-        </p:nvSpPr>
-        <p:spPr>
-          <a:xfrm>
-            <a:off x="4256690" y="1154036"/>
-            <a:ext cx="4376507" cy="2781037"/>
-          </a:xfrm>
-          <a:prstGeom prst="rect">
-            <a:avLst/>
-          </a:prstGeom>
-          <a:ln>
-            <a:solidFill>
-              <a:schemeClr val="accent6">
-                <a:lumMod val="75000"/>
-              </a:schemeClr>
-            </a:solidFill>
-          </a:ln>
-        </p:spPr>
-        <p:txBody>
-          <a:bodyPr vert="horz" lIns="68580" tIns="34290" rIns="68580" bIns="34290" rtlCol="0">
-            <a:noAutofit/>
-          </a:bodyPr>
-          <a:lstStyle>
-            <a:lvl1pPr marL="130302" marR="0" indent="-130302" algn="l" defTabSz="342900" rtl="0" eaLnBrk="1" fontAlgn="auto" latinLnBrk="0" hangingPunct="1">
-              <a:lnSpc>
-                <a:spcPct val="120000"/>
-              </a:lnSpc>
-              <a:spcBef>
-                <a:spcPts val="0"/>
-              </a:spcBef>
-              <a:spcAft>
-                <a:spcPts val="750"/>
-              </a:spcAft>
-              <a:buClr>
-                <a:schemeClr val="accent2"/>
-              </a:buClr>
-              <a:buSzTx/>
-              <a:buFont typeface="Arial"/>
-              <a:buChar char="•"/>
-              <a:tabLst/>
-              <a:defRPr sz="1200" kern="1200" baseline="0">
-                <a:solidFill>
-                  <a:schemeClr val="tx1"/>
-                </a:solidFill>
-                <a:latin typeface="+mn-lt"/>
-                <a:ea typeface="+mn-ea"/>
-                <a:cs typeface="+mn-cs"/>
-              </a:defRPr>
-            </a:lvl1pPr>
-            <a:lvl2pPr marL="557213" indent="-214313" algn="l" defTabSz="342900" rtl="0" eaLnBrk="1" latinLnBrk="0" hangingPunct="1">
-              <a:spcBef>
-                <a:spcPct val="20000"/>
-              </a:spcBef>
-              <a:buFont typeface="Arial"/>
-              <a:buChar char="–"/>
-              <a:defRPr sz="1200" kern="1200">
-                <a:solidFill>
-                  <a:schemeClr val="tx1"/>
-                </a:solidFill>
-                <a:latin typeface="+mn-lt"/>
-                <a:ea typeface="+mn-ea"/>
-                <a:cs typeface="+mn-cs"/>
-              </a:defRPr>
-            </a:lvl2pPr>
-            <a:lvl3pPr marL="857250" indent="-171450" algn="l" defTabSz="342900" rtl="0" eaLnBrk="1" latinLnBrk="0" hangingPunct="1">
-              <a:spcBef>
-                <a:spcPct val="20000"/>
-              </a:spcBef>
-              <a:buFont typeface="Arial"/>
-              <a:buChar char="•"/>
-              <a:defRPr sz="1200" kern="1200">
-                <a:solidFill>
-                  <a:schemeClr val="tx1"/>
-                </a:solidFill>
-                <a:latin typeface="+mn-lt"/>
-                <a:ea typeface="+mn-ea"/>
-                <a:cs typeface="+mn-cs"/>
-              </a:defRPr>
-            </a:lvl3pPr>
-            <a:lvl4pPr marL="1200150" indent="-171450" algn="l" defTabSz="342900" rtl="0" eaLnBrk="1" latinLnBrk="0" hangingPunct="1">
-              <a:spcBef>
-                <a:spcPct val="20000"/>
-              </a:spcBef>
-              <a:buFont typeface="Arial"/>
-              <a:buChar char="–"/>
-              <a:defRPr sz="1200" kern="1200">
-                <a:solidFill>
-                  <a:schemeClr val="tx1"/>
-                </a:solidFill>
-                <a:latin typeface="+mn-lt"/>
-                <a:ea typeface="+mn-ea"/>
-                <a:cs typeface="+mn-cs"/>
-              </a:defRPr>
-            </a:lvl4pPr>
-            <a:lvl5pPr marL="1543050" indent="-171450" algn="l" defTabSz="342900" rtl="0" eaLnBrk="1" latinLnBrk="0" hangingPunct="1">
-              <a:spcBef>
-                <a:spcPct val="20000"/>
-              </a:spcBef>
-              <a:buFont typeface="Arial"/>
-              <a:buChar char="»"/>
-              <a:defRPr sz="1200" kern="1200">
-                <a:solidFill>
-                  <a:schemeClr val="tx1"/>
-                </a:solidFill>
-                <a:latin typeface="+mn-lt"/>
-                <a:ea typeface="+mn-ea"/>
-                <a:cs typeface="+mn-cs"/>
-              </a:defRPr>
-            </a:lvl5pPr>
-            <a:lvl6pPr marL="1885950" indent="-171450" algn="l" defTabSz="342900" rtl="0" eaLnBrk="1" latinLnBrk="0" hangingPunct="1">
-              <a:spcBef>
-                <a:spcPct val="20000"/>
-              </a:spcBef>
-              <a:buFont typeface="Arial"/>
-              <a:buChar char="•"/>
-              <a:defRPr sz="1500" kern="1200">
-                <a:solidFill>
-                  <a:schemeClr val="tx1"/>
-                </a:solidFill>
-                <a:latin typeface="+mn-lt"/>
-                <a:ea typeface="+mn-ea"/>
-                <a:cs typeface="+mn-cs"/>
-              </a:defRPr>
-            </a:lvl6pPr>
-            <a:lvl7pPr marL="2228850" indent="-171450" algn="l" defTabSz="342900" rtl="0" eaLnBrk="1" latinLnBrk="0" hangingPunct="1">
-              <a:spcBef>
-                <a:spcPct val="20000"/>
-              </a:spcBef>
-              <a:buFont typeface="Arial"/>
-              <a:buChar char="•"/>
-              <a:defRPr sz="1500" kern="1200">
-                <a:solidFill>
-                  <a:schemeClr val="tx1"/>
-                </a:solidFill>
-                <a:latin typeface="+mn-lt"/>
-                <a:ea typeface="+mn-ea"/>
-                <a:cs typeface="+mn-cs"/>
-              </a:defRPr>
-            </a:lvl7pPr>
-            <a:lvl8pPr marL="2571750" indent="-171450" algn="l" defTabSz="342900" rtl="0" eaLnBrk="1" latinLnBrk="0" hangingPunct="1">
-              <a:spcBef>
-                <a:spcPct val="20000"/>
-              </a:spcBef>
-              <a:buFont typeface="Arial"/>
-              <a:buChar char="•"/>
-              <a:defRPr sz="1500" kern="1200">
-                <a:solidFill>
-                  <a:schemeClr val="tx1"/>
-                </a:solidFill>
-                <a:latin typeface="+mn-lt"/>
-                <a:ea typeface="+mn-ea"/>
-                <a:cs typeface="+mn-cs"/>
-              </a:defRPr>
-            </a:lvl8pPr>
-            <a:lvl9pPr marL="2914650" indent="-171450" algn="l" defTabSz="342900" rtl="0" eaLnBrk="1" latinLnBrk="0" hangingPunct="1">
-              <a:spcBef>
-                <a:spcPct val="20000"/>
-              </a:spcBef>
-              <a:buFont typeface="Arial"/>
-              <a:buChar char="•"/>
-              <a:defRPr sz="1500" kern="1200">
-                <a:solidFill>
-                  <a:schemeClr val="tx1"/>
-                </a:solidFill>
-                <a:latin typeface="+mn-lt"/>
-                <a:ea typeface="+mn-ea"/>
-                <a:cs typeface="+mn-cs"/>
-              </a:defRPr>
-            </a:lvl9pPr>
-          </a:lstStyle>
-          <a:p>
-            <a:pPr lvl="1"/>
-            <a:endParaRPr lang="en-US" i="1" dirty="0" smtClean="0"/>
-          </a:p>
-          <a:p>
-            <a:pPr lvl="1"/>
-            <a:endParaRPr lang="en-US" dirty="0" smtClean="0"/>
-          </a:p>
-        </p:txBody>
-      </p:sp>
       <p:pic>
         <p:nvPicPr>
           <p:cNvPr id="10" name="Picture 9"/>
@@ -4654,7 +10482,7 @@
           <p:nvPr/>
         </p:nvPicPr>
         <p:blipFill>
-          <a:blip r:embed="rId2"/>
+          <a:blip r:embed="rId3"/>
           <a:stretch>
             <a:fillRect/>
           </a:stretch>
@@ -4682,9 +10510,248 @@
   <p:timing>
     <p:tnLst>
       <p:par>
-        <p:cTn id="1" dur="indefinite" restart="never" nodeType="tmRoot"/>
+        <p:cTn id="1" dur="indefinite" restart="never" nodeType="tmRoot">
+          <p:childTnLst>
+            <p:seq concurrent="1" nextAc="seek">
+              <p:cTn id="2" dur="indefinite" nodeType="mainSeq">
+                <p:childTnLst>
+                  <p:par>
+                    <p:cTn id="3" fill="hold">
+                      <p:stCondLst>
+                        <p:cond delay="indefinite"/>
+                      </p:stCondLst>
+                      <p:childTnLst>
+                        <p:par>
+                          <p:cTn id="4" fill="hold">
+                            <p:stCondLst>
+                              <p:cond delay="0"/>
+                            </p:stCondLst>
+                            <p:childTnLst>
+                              <p:par>
+                                <p:cTn id="5" presetID="1" presetClass="entr" presetSubtype="0" fill="hold" grpId="0" nodeType="clickEffect">
+                                  <p:stCondLst>
+                                    <p:cond delay="0"/>
+                                  </p:stCondLst>
+                                  <p:childTnLst>
+                                    <p:set>
+                                      <p:cBhvr>
+                                        <p:cTn id="6" dur="1" fill="hold">
+                                          <p:stCondLst>
+                                            <p:cond delay="0"/>
+                                          </p:stCondLst>
+                                        </p:cTn>
+                                        <p:tgtEl>
+                                          <p:spTgt spid="8">
+                                            <p:txEl>
+                                              <p:pRg st="0" end="0"/>
+                                            </p:txEl>
+                                          </p:spTgt>
+                                        </p:tgtEl>
+                                        <p:attrNameLst>
+                                          <p:attrName>style.visibility</p:attrName>
+                                        </p:attrNameLst>
+                                      </p:cBhvr>
+                                      <p:to>
+                                        <p:strVal val="visible"/>
+                                      </p:to>
+                                    </p:set>
+                                  </p:childTnLst>
+                                </p:cTn>
+                              </p:par>
+                            </p:childTnLst>
+                          </p:cTn>
+                        </p:par>
+                      </p:childTnLst>
+                    </p:cTn>
+                  </p:par>
+                  <p:par>
+                    <p:cTn id="7" fill="hold">
+                      <p:stCondLst>
+                        <p:cond delay="indefinite"/>
+                      </p:stCondLst>
+                      <p:childTnLst>
+                        <p:par>
+                          <p:cTn id="8" fill="hold">
+                            <p:stCondLst>
+                              <p:cond delay="0"/>
+                            </p:stCondLst>
+                            <p:childTnLst>
+                              <p:par>
+                                <p:cTn id="9" presetID="1" presetClass="entr" presetSubtype="0" fill="hold" grpId="0" nodeType="clickEffect">
+                                  <p:stCondLst>
+                                    <p:cond delay="0"/>
+                                  </p:stCondLst>
+                                  <p:childTnLst>
+                                    <p:set>
+                                      <p:cBhvr>
+                                        <p:cTn id="10" dur="1" fill="hold">
+                                          <p:stCondLst>
+                                            <p:cond delay="0"/>
+                                          </p:stCondLst>
+                                        </p:cTn>
+                                        <p:tgtEl>
+                                          <p:spTgt spid="8">
+                                            <p:txEl>
+                                              <p:pRg st="1" end="1"/>
+                                            </p:txEl>
+                                          </p:spTgt>
+                                        </p:tgtEl>
+                                        <p:attrNameLst>
+                                          <p:attrName>style.visibility</p:attrName>
+                                        </p:attrNameLst>
+                                      </p:cBhvr>
+                                      <p:to>
+                                        <p:strVal val="visible"/>
+                                      </p:to>
+                                    </p:set>
+                                  </p:childTnLst>
+                                </p:cTn>
+                              </p:par>
+                              <p:par>
+                                <p:cTn id="11" presetID="1" presetClass="entr" presetSubtype="0" fill="hold" grpId="0" nodeType="withEffect">
+                                  <p:stCondLst>
+                                    <p:cond delay="0"/>
+                                  </p:stCondLst>
+                                  <p:childTnLst>
+                                    <p:set>
+                                      <p:cBhvr>
+                                        <p:cTn id="12" dur="1" fill="hold">
+                                          <p:stCondLst>
+                                            <p:cond delay="0"/>
+                                          </p:stCondLst>
+                                        </p:cTn>
+                                        <p:tgtEl>
+                                          <p:spTgt spid="8">
+                                            <p:txEl>
+                                              <p:pRg st="2" end="2"/>
+                                            </p:txEl>
+                                          </p:spTgt>
+                                        </p:tgtEl>
+                                        <p:attrNameLst>
+                                          <p:attrName>style.visibility</p:attrName>
+                                        </p:attrNameLst>
+                                      </p:cBhvr>
+                                      <p:to>
+                                        <p:strVal val="visible"/>
+                                      </p:to>
+                                    </p:set>
+                                  </p:childTnLst>
+                                </p:cTn>
+                              </p:par>
+                              <p:par>
+                                <p:cTn id="13" presetID="1" presetClass="entr" presetSubtype="0" fill="hold" grpId="0" nodeType="withEffect">
+                                  <p:stCondLst>
+                                    <p:cond delay="0"/>
+                                  </p:stCondLst>
+                                  <p:childTnLst>
+                                    <p:set>
+                                      <p:cBhvr>
+                                        <p:cTn id="14" dur="1" fill="hold">
+                                          <p:stCondLst>
+                                            <p:cond delay="0"/>
+                                          </p:stCondLst>
+                                        </p:cTn>
+                                        <p:tgtEl>
+                                          <p:spTgt spid="8">
+                                            <p:txEl>
+                                              <p:pRg st="3" end="3"/>
+                                            </p:txEl>
+                                          </p:spTgt>
+                                        </p:tgtEl>
+                                        <p:attrNameLst>
+                                          <p:attrName>style.visibility</p:attrName>
+                                        </p:attrNameLst>
+                                      </p:cBhvr>
+                                      <p:to>
+                                        <p:strVal val="visible"/>
+                                      </p:to>
+                                    </p:set>
+                                  </p:childTnLst>
+                                </p:cTn>
+                              </p:par>
+                            </p:childTnLst>
+                          </p:cTn>
+                        </p:par>
+                      </p:childTnLst>
+                    </p:cTn>
+                  </p:par>
+                  <p:par>
+                    <p:cTn id="15" fill="hold">
+                      <p:stCondLst>
+                        <p:cond delay="indefinite"/>
+                      </p:stCondLst>
+                      <p:childTnLst>
+                        <p:par>
+                          <p:cTn id="16" fill="hold">
+                            <p:stCondLst>
+                              <p:cond delay="0"/>
+                            </p:stCondLst>
+                            <p:childTnLst>
+                              <p:par>
+                                <p:cTn id="17" presetID="10" presetClass="entr" presetSubtype="0" fill="hold" nodeType="clickEffect">
+                                  <p:stCondLst>
+                                    <p:cond delay="0"/>
+                                  </p:stCondLst>
+                                  <p:childTnLst>
+                                    <p:set>
+                                      <p:cBhvr>
+                                        <p:cTn id="18" dur="1" fill="hold">
+                                          <p:stCondLst>
+                                            <p:cond delay="0"/>
+                                          </p:stCondLst>
+                                        </p:cTn>
+                                        <p:tgtEl>
+                                          <p:spTgt spid="10"/>
+                                        </p:tgtEl>
+                                        <p:attrNameLst>
+                                          <p:attrName>style.visibility</p:attrName>
+                                        </p:attrNameLst>
+                                      </p:cBhvr>
+                                      <p:to>
+                                        <p:strVal val="visible"/>
+                                      </p:to>
+                                    </p:set>
+                                    <p:animEffect transition="in" filter="fade">
+                                      <p:cBhvr>
+                                        <p:cTn id="19" dur="500"/>
+                                        <p:tgtEl>
+                                          <p:spTgt spid="10"/>
+                                        </p:tgtEl>
+                                      </p:cBhvr>
+                                    </p:animEffect>
+                                  </p:childTnLst>
+                                </p:cTn>
+                              </p:par>
+                            </p:childTnLst>
+                          </p:cTn>
+                        </p:par>
+                      </p:childTnLst>
+                    </p:cTn>
+                  </p:par>
+                </p:childTnLst>
+              </p:cTn>
+              <p:prevCondLst>
+                <p:cond evt="onPrev" delay="0">
+                  <p:tgtEl>
+                    <p:sldTgt/>
+                  </p:tgtEl>
+                </p:cond>
+              </p:prevCondLst>
+              <p:nextCondLst>
+                <p:cond evt="onNext" delay="0">
+                  <p:tgtEl>
+                    <p:sldTgt/>
+                  </p:tgtEl>
+                </p:cond>
+              </p:nextCondLst>
+            </p:seq>
+          </p:childTnLst>
+        </p:cTn>
       </p:par>
     </p:tnLst>
+    <p:bldLst>
+      <p:bldP spid="8" grpId="0" build="p"/>
+    </p:bldLst>
   </p:timing>
 </p:sld>
 </file>
@@ -4754,7 +10821,6 @@
               <a:rPr lang="en-US" dirty="0"/>
               <a:t>are also ignored at the time of compilation.</a:t>
             </a:r>
-            <a:endParaRPr lang="en-US" dirty="0"/>
           </a:p>
         </p:txBody>
       </p:sp>
@@ -4778,201 +10844,6 @@
               <a:t>Overview of Error</a:t>
             </a:r>
             <a:endParaRPr lang="en-US" dirty="0"/>
-          </a:p>
-        </p:txBody>
-      </p:sp>
-      <p:sp>
-        <p:nvSpPr>
-          <p:cNvPr id="5" name="Content Placeholder 7"/>
-          <p:cNvSpPr txBox="1">
-            <a:spLocks/>
-          </p:cNvSpPr>
-          <p:nvPr/>
-        </p:nvSpPr>
-        <p:spPr>
-          <a:xfrm>
-            <a:off x="4670312" y="1179681"/>
-            <a:ext cx="4112960" cy="1386945"/>
-          </a:xfrm>
-          <a:prstGeom prst="rect">
-            <a:avLst/>
-          </a:prstGeom>
-          <a:ln>
-            <a:solidFill>
-              <a:schemeClr val="accent6">
-                <a:lumMod val="75000"/>
-              </a:schemeClr>
-            </a:solidFill>
-          </a:ln>
-        </p:spPr>
-        <p:txBody>
-          <a:bodyPr vert="horz" lIns="68580" tIns="34290" rIns="68580" bIns="34290" rtlCol="0">
-            <a:noAutofit/>
-          </a:bodyPr>
-          <a:lstStyle>
-            <a:lvl1pPr marL="130302" marR="0" indent="-130302" algn="l" defTabSz="342900" rtl="0" eaLnBrk="1" fontAlgn="auto" latinLnBrk="0" hangingPunct="1">
-              <a:lnSpc>
-                <a:spcPct val="120000"/>
-              </a:lnSpc>
-              <a:spcBef>
-                <a:spcPts val="0"/>
-              </a:spcBef>
-              <a:spcAft>
-                <a:spcPts val="750"/>
-              </a:spcAft>
-              <a:buClr>
-                <a:schemeClr val="accent2"/>
-              </a:buClr>
-              <a:buSzTx/>
-              <a:buFont typeface="Arial"/>
-              <a:buChar char="•"/>
-              <a:tabLst/>
-              <a:defRPr sz="1200" kern="1200" baseline="0">
-                <a:solidFill>
-                  <a:schemeClr val="tx1"/>
-                </a:solidFill>
-                <a:latin typeface="+mn-lt"/>
-                <a:ea typeface="+mn-ea"/>
-                <a:cs typeface="+mn-cs"/>
-              </a:defRPr>
-            </a:lvl1pPr>
-            <a:lvl2pPr marL="557213" indent="-214313" algn="l" defTabSz="342900" rtl="0" eaLnBrk="1" latinLnBrk="0" hangingPunct="1">
-              <a:spcBef>
-                <a:spcPct val="20000"/>
-              </a:spcBef>
-              <a:buFont typeface="Arial"/>
-              <a:buChar char="–"/>
-              <a:defRPr sz="1200" kern="1200">
-                <a:solidFill>
-                  <a:schemeClr val="tx1"/>
-                </a:solidFill>
-                <a:latin typeface="+mn-lt"/>
-                <a:ea typeface="+mn-ea"/>
-                <a:cs typeface="+mn-cs"/>
-              </a:defRPr>
-            </a:lvl2pPr>
-            <a:lvl3pPr marL="857250" indent="-171450" algn="l" defTabSz="342900" rtl="0" eaLnBrk="1" latinLnBrk="0" hangingPunct="1">
-              <a:spcBef>
-                <a:spcPct val="20000"/>
-              </a:spcBef>
-              <a:buFont typeface="Arial"/>
-              <a:buChar char="•"/>
-              <a:defRPr sz="1200" kern="1200">
-                <a:solidFill>
-                  <a:schemeClr val="tx1"/>
-                </a:solidFill>
-                <a:latin typeface="+mn-lt"/>
-                <a:ea typeface="+mn-ea"/>
-                <a:cs typeface="+mn-cs"/>
-              </a:defRPr>
-            </a:lvl3pPr>
-            <a:lvl4pPr marL="1200150" indent="-171450" algn="l" defTabSz="342900" rtl="0" eaLnBrk="1" latinLnBrk="0" hangingPunct="1">
-              <a:spcBef>
-                <a:spcPct val="20000"/>
-              </a:spcBef>
-              <a:buFont typeface="Arial"/>
-              <a:buChar char="–"/>
-              <a:defRPr sz="1200" kern="1200">
-                <a:solidFill>
-                  <a:schemeClr val="tx1"/>
-                </a:solidFill>
-                <a:latin typeface="+mn-lt"/>
-                <a:ea typeface="+mn-ea"/>
-                <a:cs typeface="+mn-cs"/>
-              </a:defRPr>
-            </a:lvl4pPr>
-            <a:lvl5pPr marL="1543050" indent="-171450" algn="l" defTabSz="342900" rtl="0" eaLnBrk="1" latinLnBrk="0" hangingPunct="1">
-              <a:spcBef>
-                <a:spcPct val="20000"/>
-              </a:spcBef>
-              <a:buFont typeface="Arial"/>
-              <a:buChar char="»"/>
-              <a:defRPr sz="1200" kern="1200">
-                <a:solidFill>
-                  <a:schemeClr val="tx1"/>
-                </a:solidFill>
-                <a:latin typeface="+mn-lt"/>
-                <a:ea typeface="+mn-ea"/>
-                <a:cs typeface="+mn-cs"/>
-              </a:defRPr>
-            </a:lvl5pPr>
-            <a:lvl6pPr marL="1885950" indent="-171450" algn="l" defTabSz="342900" rtl="0" eaLnBrk="1" latinLnBrk="0" hangingPunct="1">
-              <a:spcBef>
-                <a:spcPct val="20000"/>
-              </a:spcBef>
-              <a:buFont typeface="Arial"/>
-              <a:buChar char="•"/>
-              <a:defRPr sz="1500" kern="1200">
-                <a:solidFill>
-                  <a:schemeClr val="tx1"/>
-                </a:solidFill>
-                <a:latin typeface="+mn-lt"/>
-                <a:ea typeface="+mn-ea"/>
-                <a:cs typeface="+mn-cs"/>
-              </a:defRPr>
-            </a:lvl6pPr>
-            <a:lvl7pPr marL="2228850" indent="-171450" algn="l" defTabSz="342900" rtl="0" eaLnBrk="1" latinLnBrk="0" hangingPunct="1">
-              <a:spcBef>
-                <a:spcPct val="20000"/>
-              </a:spcBef>
-              <a:buFont typeface="Arial"/>
-              <a:buChar char="•"/>
-              <a:defRPr sz="1500" kern="1200">
-                <a:solidFill>
-                  <a:schemeClr val="tx1"/>
-                </a:solidFill>
-                <a:latin typeface="+mn-lt"/>
-                <a:ea typeface="+mn-ea"/>
-                <a:cs typeface="+mn-cs"/>
-              </a:defRPr>
-            </a:lvl7pPr>
-            <a:lvl8pPr marL="2571750" indent="-171450" algn="l" defTabSz="342900" rtl="0" eaLnBrk="1" latinLnBrk="0" hangingPunct="1">
-              <a:spcBef>
-                <a:spcPct val="20000"/>
-              </a:spcBef>
-              <a:buFont typeface="Arial"/>
-              <a:buChar char="•"/>
-              <a:defRPr sz="1500" kern="1200">
-                <a:solidFill>
-                  <a:schemeClr val="tx1"/>
-                </a:solidFill>
-                <a:latin typeface="+mn-lt"/>
-                <a:ea typeface="+mn-ea"/>
-                <a:cs typeface="+mn-cs"/>
-              </a:defRPr>
-            </a:lvl8pPr>
-            <a:lvl9pPr marL="2914650" indent="-171450" algn="l" defTabSz="342900" rtl="0" eaLnBrk="1" latinLnBrk="0" hangingPunct="1">
-              <a:spcBef>
-                <a:spcPct val="20000"/>
-              </a:spcBef>
-              <a:buFont typeface="Arial"/>
-              <a:buChar char="•"/>
-              <a:defRPr sz="1500" kern="1200">
-                <a:solidFill>
-                  <a:schemeClr val="tx1"/>
-                </a:solidFill>
-                <a:latin typeface="+mn-lt"/>
-                <a:ea typeface="+mn-ea"/>
-                <a:cs typeface="+mn-cs"/>
-              </a:defRPr>
-            </a:lvl9pPr>
-          </a:lstStyle>
-          <a:p>
-            <a:pPr lvl="1"/>
-            <a:endParaRPr lang="en-US" i="1" dirty="0" smtClean="0"/>
-          </a:p>
-          <a:p>
-            <a:pPr marL="342900" lvl="1" indent="0">
-              <a:buNone/>
-            </a:pPr>
-            <a:endParaRPr lang="en-US" b="1" dirty="0">
-              <a:solidFill>
-                <a:schemeClr val="accent6">
-                  <a:lumMod val="60000"/>
-                  <a:lumOff val="40000"/>
-                </a:schemeClr>
-              </a:solidFill>
-            </a:endParaRPr>
           </a:p>
         </p:txBody>
       </p:sp>
@@ -5013,9 +10884,271 @@
   <p:timing>
     <p:tnLst>
       <p:par>
-        <p:cTn id="1" dur="indefinite" restart="never" nodeType="tmRoot"/>
+        <p:cTn id="1" dur="indefinite" restart="never" nodeType="tmRoot">
+          <p:childTnLst>
+            <p:seq concurrent="1" nextAc="seek">
+              <p:cTn id="2" dur="indefinite" nodeType="mainSeq">
+                <p:childTnLst>
+                  <p:par>
+                    <p:cTn id="3" fill="hold">
+                      <p:stCondLst>
+                        <p:cond delay="indefinite"/>
+                      </p:stCondLst>
+                      <p:childTnLst>
+                        <p:par>
+                          <p:cTn id="4" fill="hold">
+                            <p:stCondLst>
+                              <p:cond delay="0"/>
+                            </p:stCondLst>
+                            <p:childTnLst>
+                              <p:par>
+                                <p:cTn id="5" presetID="10" presetClass="entr" presetSubtype="0" fill="hold" grpId="0" nodeType="clickEffect">
+                                  <p:stCondLst>
+                                    <p:cond delay="0"/>
+                                  </p:stCondLst>
+                                  <p:childTnLst>
+                                    <p:set>
+                                      <p:cBhvr>
+                                        <p:cTn id="6" dur="1" fill="hold">
+                                          <p:stCondLst>
+                                            <p:cond delay="0"/>
+                                          </p:stCondLst>
+                                        </p:cTn>
+                                        <p:tgtEl>
+                                          <p:spTgt spid="8">
+                                            <p:txEl>
+                                              <p:pRg st="0" end="0"/>
+                                            </p:txEl>
+                                          </p:spTgt>
+                                        </p:tgtEl>
+                                        <p:attrNameLst>
+                                          <p:attrName>style.visibility</p:attrName>
+                                        </p:attrNameLst>
+                                      </p:cBhvr>
+                                      <p:to>
+                                        <p:strVal val="visible"/>
+                                      </p:to>
+                                    </p:set>
+                                    <p:animEffect transition="in" filter="fade">
+                                      <p:cBhvr>
+                                        <p:cTn id="7" dur="500"/>
+                                        <p:tgtEl>
+                                          <p:spTgt spid="8">
+                                            <p:txEl>
+                                              <p:pRg st="0" end="0"/>
+                                            </p:txEl>
+                                          </p:spTgt>
+                                        </p:tgtEl>
+                                      </p:cBhvr>
+                                    </p:animEffect>
+                                  </p:childTnLst>
+                                </p:cTn>
+                              </p:par>
+                            </p:childTnLst>
+                          </p:cTn>
+                        </p:par>
+                      </p:childTnLst>
+                    </p:cTn>
+                  </p:par>
+                  <p:par>
+                    <p:cTn id="8" fill="hold">
+                      <p:stCondLst>
+                        <p:cond delay="indefinite"/>
+                      </p:stCondLst>
+                      <p:childTnLst>
+                        <p:par>
+                          <p:cTn id="9" fill="hold">
+                            <p:stCondLst>
+                              <p:cond delay="0"/>
+                            </p:stCondLst>
+                            <p:childTnLst>
+                              <p:par>
+                                <p:cTn id="10" presetID="10" presetClass="entr" presetSubtype="0" fill="hold" grpId="0" nodeType="clickEffect">
+                                  <p:stCondLst>
+                                    <p:cond delay="0"/>
+                                  </p:stCondLst>
+                                  <p:childTnLst>
+                                    <p:set>
+                                      <p:cBhvr>
+                                        <p:cTn id="11" dur="1" fill="hold">
+                                          <p:stCondLst>
+                                            <p:cond delay="0"/>
+                                          </p:stCondLst>
+                                        </p:cTn>
+                                        <p:tgtEl>
+                                          <p:spTgt spid="8">
+                                            <p:txEl>
+                                              <p:pRg st="1" end="1"/>
+                                            </p:txEl>
+                                          </p:spTgt>
+                                        </p:tgtEl>
+                                        <p:attrNameLst>
+                                          <p:attrName>style.visibility</p:attrName>
+                                        </p:attrNameLst>
+                                      </p:cBhvr>
+                                      <p:to>
+                                        <p:strVal val="visible"/>
+                                      </p:to>
+                                    </p:set>
+                                    <p:animEffect transition="in" filter="fade">
+                                      <p:cBhvr>
+                                        <p:cTn id="12" dur="500"/>
+                                        <p:tgtEl>
+                                          <p:spTgt spid="8">
+                                            <p:txEl>
+                                              <p:pRg st="1" end="1"/>
+                                            </p:txEl>
+                                          </p:spTgt>
+                                        </p:tgtEl>
+                                      </p:cBhvr>
+                                    </p:animEffect>
+                                  </p:childTnLst>
+                                </p:cTn>
+                              </p:par>
+                            </p:childTnLst>
+                          </p:cTn>
+                        </p:par>
+                      </p:childTnLst>
+                    </p:cTn>
+                  </p:par>
+                  <p:par>
+                    <p:cTn id="13" fill="hold">
+                      <p:stCondLst>
+                        <p:cond delay="indefinite"/>
+                      </p:stCondLst>
+                      <p:childTnLst>
+                        <p:par>
+                          <p:cTn id="14" fill="hold">
+                            <p:stCondLst>
+                              <p:cond delay="0"/>
+                            </p:stCondLst>
+                            <p:childTnLst>
+                              <p:par>
+                                <p:cTn id="15" presetID="10" presetClass="entr" presetSubtype="0" fill="hold" grpId="0" nodeType="clickEffect">
+                                  <p:stCondLst>
+                                    <p:cond delay="0"/>
+                                  </p:stCondLst>
+                                  <p:childTnLst>
+                                    <p:set>
+                                      <p:cBhvr>
+                                        <p:cTn id="16" dur="1" fill="hold">
+                                          <p:stCondLst>
+                                            <p:cond delay="0"/>
+                                          </p:stCondLst>
+                                        </p:cTn>
+                                        <p:tgtEl>
+                                          <p:spTgt spid="8">
+                                            <p:txEl>
+                                              <p:pRg st="2" end="2"/>
+                                            </p:txEl>
+                                          </p:spTgt>
+                                        </p:tgtEl>
+                                        <p:attrNameLst>
+                                          <p:attrName>style.visibility</p:attrName>
+                                        </p:attrNameLst>
+                                      </p:cBhvr>
+                                      <p:to>
+                                        <p:strVal val="visible"/>
+                                      </p:to>
+                                    </p:set>
+                                    <p:animEffect transition="in" filter="fade">
+                                      <p:cBhvr>
+                                        <p:cTn id="17" dur="500"/>
+                                        <p:tgtEl>
+                                          <p:spTgt spid="8">
+                                            <p:txEl>
+                                              <p:pRg st="2" end="2"/>
+                                            </p:txEl>
+                                          </p:spTgt>
+                                        </p:tgtEl>
+                                      </p:cBhvr>
+                                    </p:animEffect>
+                                  </p:childTnLst>
+                                </p:cTn>
+                              </p:par>
+                            </p:childTnLst>
+                          </p:cTn>
+                        </p:par>
+                      </p:childTnLst>
+                    </p:cTn>
+                  </p:par>
+                  <p:par>
+                    <p:cTn id="18" fill="hold">
+                      <p:stCondLst>
+                        <p:cond delay="indefinite"/>
+                      </p:stCondLst>
+                      <p:childTnLst>
+                        <p:par>
+                          <p:cTn id="19" fill="hold">
+                            <p:stCondLst>
+                              <p:cond delay="0"/>
+                            </p:stCondLst>
+                            <p:childTnLst>
+                              <p:par>
+                                <p:cTn id="20" presetID="10" presetClass="entr" presetSubtype="0" fill="hold" nodeType="clickEffect">
+                                  <p:stCondLst>
+                                    <p:cond delay="0"/>
+                                  </p:stCondLst>
+                                  <p:childTnLst>
+                                    <p:set>
+                                      <p:cBhvr>
+                                        <p:cTn id="21" dur="1" fill="hold">
+                                          <p:stCondLst>
+                                            <p:cond delay="0"/>
+                                          </p:stCondLst>
+                                        </p:cTn>
+                                        <p:tgtEl>
+                                          <p:spTgt spid="2"/>
+                                        </p:tgtEl>
+                                        <p:attrNameLst>
+                                          <p:attrName>style.visibility</p:attrName>
+                                        </p:attrNameLst>
+                                      </p:cBhvr>
+                                      <p:to>
+                                        <p:strVal val="visible"/>
+                                      </p:to>
+                                    </p:set>
+                                    <p:animEffect transition="in" filter="fade">
+                                      <p:cBhvr>
+                                        <p:cTn id="22" dur="500"/>
+                                        <p:tgtEl>
+                                          <p:spTgt spid="2"/>
+                                        </p:tgtEl>
+                                      </p:cBhvr>
+                                    </p:animEffect>
+                                  </p:childTnLst>
+                                </p:cTn>
+                              </p:par>
+                            </p:childTnLst>
+                          </p:cTn>
+                        </p:par>
+                      </p:childTnLst>
+                    </p:cTn>
+                  </p:par>
+                </p:childTnLst>
+              </p:cTn>
+              <p:prevCondLst>
+                <p:cond evt="onPrev" delay="0">
+                  <p:tgtEl>
+                    <p:sldTgt/>
+                  </p:tgtEl>
+                </p:cond>
+              </p:prevCondLst>
+              <p:nextCondLst>
+                <p:cond evt="onNext" delay="0">
+                  <p:tgtEl>
+                    <p:sldTgt/>
+                  </p:tgtEl>
+                </p:cond>
+              </p:nextCondLst>
+            </p:seq>
+          </p:childTnLst>
+        </p:cTn>
       </p:par>
     </p:tnLst>
+    <p:bldLst>
+      <p:bldP spid="8" grpId="0" build="p"/>
+    </p:bldLst>
   </p:timing>
 </p:sld>
 </file>
@@ -5238,6 +11371,540 @@
   <p:timing>
     <p:tnLst>
       <p:par>
+        <p:cTn id="1" dur="indefinite" restart="never" nodeType="tmRoot">
+          <p:childTnLst>
+            <p:seq concurrent="1" nextAc="seek">
+              <p:cTn id="2" dur="indefinite" nodeType="mainSeq">
+                <p:childTnLst>
+                  <p:par>
+                    <p:cTn id="3" fill="hold">
+                      <p:stCondLst>
+                        <p:cond delay="indefinite"/>
+                      </p:stCondLst>
+                      <p:childTnLst>
+                        <p:par>
+                          <p:cTn id="4" fill="hold">
+                            <p:stCondLst>
+                              <p:cond delay="0"/>
+                            </p:stCondLst>
+                            <p:childTnLst>
+                              <p:par>
+                                <p:cTn id="5" presetID="10" presetClass="entr" presetSubtype="0" fill="hold" grpId="0" nodeType="clickEffect">
+                                  <p:stCondLst>
+                                    <p:cond delay="0"/>
+                                  </p:stCondLst>
+                                  <p:childTnLst>
+                                    <p:set>
+                                      <p:cBhvr>
+                                        <p:cTn id="6" dur="1" fill="hold">
+                                          <p:stCondLst>
+                                            <p:cond delay="0"/>
+                                          </p:stCondLst>
+                                        </p:cTn>
+                                        <p:tgtEl>
+                                          <p:spTgt spid="15">
+                                            <p:txEl>
+                                              <p:pRg st="0" end="0"/>
+                                            </p:txEl>
+                                          </p:spTgt>
+                                        </p:tgtEl>
+                                        <p:attrNameLst>
+                                          <p:attrName>style.visibility</p:attrName>
+                                        </p:attrNameLst>
+                                      </p:cBhvr>
+                                      <p:to>
+                                        <p:strVal val="visible"/>
+                                      </p:to>
+                                    </p:set>
+                                    <p:animEffect transition="in" filter="fade">
+                                      <p:cBhvr>
+                                        <p:cTn id="7" dur="500"/>
+                                        <p:tgtEl>
+                                          <p:spTgt spid="15">
+                                            <p:txEl>
+                                              <p:pRg st="0" end="0"/>
+                                            </p:txEl>
+                                          </p:spTgt>
+                                        </p:tgtEl>
+                                      </p:cBhvr>
+                                    </p:animEffect>
+                                  </p:childTnLst>
+                                </p:cTn>
+                              </p:par>
+                              <p:par>
+                                <p:cTn id="8" presetID="10" presetClass="entr" presetSubtype="0" fill="hold" grpId="0" nodeType="withEffect">
+                                  <p:stCondLst>
+                                    <p:cond delay="0"/>
+                                  </p:stCondLst>
+                                  <p:childTnLst>
+                                    <p:set>
+                                      <p:cBhvr>
+                                        <p:cTn id="9" dur="1" fill="hold">
+                                          <p:stCondLst>
+                                            <p:cond delay="0"/>
+                                          </p:stCondLst>
+                                        </p:cTn>
+                                        <p:tgtEl>
+                                          <p:spTgt spid="15">
+                                            <p:txEl>
+                                              <p:pRg st="1" end="1"/>
+                                            </p:txEl>
+                                          </p:spTgt>
+                                        </p:tgtEl>
+                                        <p:attrNameLst>
+                                          <p:attrName>style.visibility</p:attrName>
+                                        </p:attrNameLst>
+                                      </p:cBhvr>
+                                      <p:to>
+                                        <p:strVal val="visible"/>
+                                      </p:to>
+                                    </p:set>
+                                    <p:animEffect transition="in" filter="fade">
+                                      <p:cBhvr>
+                                        <p:cTn id="10" dur="500"/>
+                                        <p:tgtEl>
+                                          <p:spTgt spid="15">
+                                            <p:txEl>
+                                              <p:pRg st="1" end="1"/>
+                                            </p:txEl>
+                                          </p:spTgt>
+                                        </p:tgtEl>
+                                      </p:cBhvr>
+                                    </p:animEffect>
+                                  </p:childTnLst>
+                                </p:cTn>
+                              </p:par>
+                              <p:par>
+                                <p:cTn id="11" presetID="10" presetClass="entr" presetSubtype="0" fill="hold" grpId="0" nodeType="withEffect">
+                                  <p:stCondLst>
+                                    <p:cond delay="0"/>
+                                  </p:stCondLst>
+                                  <p:childTnLst>
+                                    <p:set>
+                                      <p:cBhvr>
+                                        <p:cTn id="12" dur="1" fill="hold">
+                                          <p:stCondLst>
+                                            <p:cond delay="0"/>
+                                          </p:stCondLst>
+                                        </p:cTn>
+                                        <p:tgtEl>
+                                          <p:spTgt spid="15">
+                                            <p:txEl>
+                                              <p:pRg st="2" end="2"/>
+                                            </p:txEl>
+                                          </p:spTgt>
+                                        </p:tgtEl>
+                                        <p:attrNameLst>
+                                          <p:attrName>style.visibility</p:attrName>
+                                        </p:attrNameLst>
+                                      </p:cBhvr>
+                                      <p:to>
+                                        <p:strVal val="visible"/>
+                                      </p:to>
+                                    </p:set>
+                                    <p:animEffect transition="in" filter="fade">
+                                      <p:cBhvr>
+                                        <p:cTn id="13" dur="500"/>
+                                        <p:tgtEl>
+                                          <p:spTgt spid="15">
+                                            <p:txEl>
+                                              <p:pRg st="2" end="2"/>
+                                            </p:txEl>
+                                          </p:spTgt>
+                                        </p:tgtEl>
+                                      </p:cBhvr>
+                                    </p:animEffect>
+                                  </p:childTnLst>
+                                </p:cTn>
+                              </p:par>
+                            </p:childTnLst>
+                          </p:cTn>
+                        </p:par>
+                      </p:childTnLst>
+                    </p:cTn>
+                  </p:par>
+                  <p:par>
+                    <p:cTn id="14" fill="hold">
+                      <p:stCondLst>
+                        <p:cond delay="indefinite"/>
+                      </p:stCondLst>
+                      <p:childTnLst>
+                        <p:par>
+                          <p:cTn id="15" fill="hold">
+                            <p:stCondLst>
+                              <p:cond delay="0"/>
+                            </p:stCondLst>
+                            <p:childTnLst>
+                              <p:par>
+                                <p:cTn id="16" presetID="10" presetClass="entr" presetSubtype="0" fill="hold" grpId="0" nodeType="clickEffect">
+                                  <p:stCondLst>
+                                    <p:cond delay="0"/>
+                                  </p:stCondLst>
+                                  <p:childTnLst>
+                                    <p:set>
+                                      <p:cBhvr>
+                                        <p:cTn id="17" dur="1" fill="hold">
+                                          <p:stCondLst>
+                                            <p:cond delay="0"/>
+                                          </p:stCondLst>
+                                        </p:cTn>
+                                        <p:tgtEl>
+                                          <p:spTgt spid="15">
+                                            <p:txEl>
+                                              <p:pRg st="3" end="3"/>
+                                            </p:txEl>
+                                          </p:spTgt>
+                                        </p:tgtEl>
+                                        <p:attrNameLst>
+                                          <p:attrName>style.visibility</p:attrName>
+                                        </p:attrNameLst>
+                                      </p:cBhvr>
+                                      <p:to>
+                                        <p:strVal val="visible"/>
+                                      </p:to>
+                                    </p:set>
+                                    <p:animEffect transition="in" filter="fade">
+                                      <p:cBhvr>
+                                        <p:cTn id="18" dur="500"/>
+                                        <p:tgtEl>
+                                          <p:spTgt spid="15">
+                                            <p:txEl>
+                                              <p:pRg st="3" end="3"/>
+                                            </p:txEl>
+                                          </p:spTgt>
+                                        </p:tgtEl>
+                                      </p:cBhvr>
+                                    </p:animEffect>
+                                  </p:childTnLst>
+                                </p:cTn>
+                              </p:par>
+                            </p:childTnLst>
+                          </p:cTn>
+                        </p:par>
+                      </p:childTnLst>
+                    </p:cTn>
+                  </p:par>
+                  <p:par>
+                    <p:cTn id="19" fill="hold">
+                      <p:stCondLst>
+                        <p:cond delay="indefinite"/>
+                      </p:stCondLst>
+                      <p:childTnLst>
+                        <p:par>
+                          <p:cTn id="20" fill="hold">
+                            <p:stCondLst>
+                              <p:cond delay="0"/>
+                            </p:stCondLst>
+                            <p:childTnLst>
+                              <p:par>
+                                <p:cTn id="21" presetID="10" presetClass="entr" presetSubtype="0" fill="hold" grpId="0" nodeType="clickEffect">
+                                  <p:stCondLst>
+                                    <p:cond delay="0"/>
+                                  </p:stCondLst>
+                                  <p:childTnLst>
+                                    <p:set>
+                                      <p:cBhvr>
+                                        <p:cTn id="22" dur="1" fill="hold">
+                                          <p:stCondLst>
+                                            <p:cond delay="0"/>
+                                          </p:stCondLst>
+                                        </p:cTn>
+                                        <p:tgtEl>
+                                          <p:spTgt spid="15">
+                                            <p:txEl>
+                                              <p:pRg st="4" end="4"/>
+                                            </p:txEl>
+                                          </p:spTgt>
+                                        </p:tgtEl>
+                                        <p:attrNameLst>
+                                          <p:attrName>style.visibility</p:attrName>
+                                        </p:attrNameLst>
+                                      </p:cBhvr>
+                                      <p:to>
+                                        <p:strVal val="visible"/>
+                                      </p:to>
+                                    </p:set>
+                                    <p:animEffect transition="in" filter="fade">
+                                      <p:cBhvr>
+                                        <p:cTn id="23" dur="500"/>
+                                        <p:tgtEl>
+                                          <p:spTgt spid="15">
+                                            <p:txEl>
+                                              <p:pRg st="4" end="4"/>
+                                            </p:txEl>
+                                          </p:spTgt>
+                                        </p:tgtEl>
+                                      </p:cBhvr>
+                                    </p:animEffect>
+                                  </p:childTnLst>
+                                </p:cTn>
+                              </p:par>
+                            </p:childTnLst>
+                          </p:cTn>
+                        </p:par>
+                      </p:childTnLst>
+                    </p:cTn>
+                  </p:par>
+                  <p:par>
+                    <p:cTn id="24" fill="hold">
+                      <p:stCondLst>
+                        <p:cond delay="indefinite"/>
+                      </p:stCondLst>
+                      <p:childTnLst>
+                        <p:par>
+                          <p:cTn id="25" fill="hold">
+                            <p:stCondLst>
+                              <p:cond delay="0"/>
+                            </p:stCondLst>
+                            <p:childTnLst>
+                              <p:par>
+                                <p:cTn id="26" presetID="10" presetClass="entr" presetSubtype="0" fill="hold" nodeType="clickEffect">
+                                  <p:stCondLst>
+                                    <p:cond delay="0"/>
+                                  </p:stCondLst>
+                                  <p:childTnLst>
+                                    <p:set>
+                                      <p:cBhvr>
+                                        <p:cTn id="27" dur="1" fill="hold">
+                                          <p:stCondLst>
+                                            <p:cond delay="0"/>
+                                          </p:stCondLst>
+                                        </p:cTn>
+                                        <p:tgtEl>
+                                          <p:spTgt spid="2052"/>
+                                        </p:tgtEl>
+                                        <p:attrNameLst>
+                                          <p:attrName>style.visibility</p:attrName>
+                                        </p:attrNameLst>
+                                      </p:cBhvr>
+                                      <p:to>
+                                        <p:strVal val="visible"/>
+                                      </p:to>
+                                    </p:set>
+                                    <p:animEffect transition="in" filter="fade">
+                                      <p:cBhvr>
+                                        <p:cTn id="28" dur="500"/>
+                                        <p:tgtEl>
+                                          <p:spTgt spid="2052"/>
+                                        </p:tgtEl>
+                                      </p:cBhvr>
+                                    </p:animEffect>
+                                  </p:childTnLst>
+                                </p:cTn>
+                              </p:par>
+                            </p:childTnLst>
+                          </p:cTn>
+                        </p:par>
+                      </p:childTnLst>
+                    </p:cTn>
+                  </p:par>
+                </p:childTnLst>
+              </p:cTn>
+              <p:prevCondLst>
+                <p:cond evt="onPrev" delay="0">
+                  <p:tgtEl>
+                    <p:sldTgt/>
+                  </p:tgtEl>
+                </p:cond>
+              </p:prevCondLst>
+              <p:nextCondLst>
+                <p:cond evt="onNext" delay="0">
+                  <p:tgtEl>
+                    <p:sldTgt/>
+                  </p:tgtEl>
+                </p:cond>
+              </p:nextCondLst>
+            </p:seq>
+          </p:childTnLst>
+        </p:cTn>
+      </p:par>
+    </p:tnLst>
+    <p:bldLst>
+      <p:bldP spid="15" grpId="0" build="p"/>
+    </p:bldLst>
+  </p:timing>
+</p:sld>
+</file>
+
+<file path=ppt/slides/slide6.xml><?xml version="1.0" encoding="utf-8"?>
+<p:sld xmlns:a="http://schemas.openxmlformats.org/drawingml/2006/main" xmlns:r="http://schemas.openxmlformats.org/officeDocument/2006/relationships" xmlns:p="http://schemas.openxmlformats.org/presentationml/2006/main">
+  <p:cSld>
+    <p:spTree>
+      <p:nvGrpSpPr>
+        <p:cNvPr id="1" name=""/>
+        <p:cNvGrpSpPr/>
+        <p:nvPr/>
+      </p:nvGrpSpPr>
+      <p:grpSpPr>
+        <a:xfrm>
+          <a:off x="0" y="0"/>
+          <a:ext cx="0" cy="0"/>
+          <a:chOff x="0" y="0"/>
+          <a:chExt cx="0" cy="0"/>
+        </a:xfrm>
+      </p:grpSpPr>
+      <p:sp>
+        <p:nvSpPr>
+          <p:cNvPr id="15" name="Content Placeholder 7"/>
+          <p:cNvSpPr>
+            <a:spLocks noGrp="1"/>
+          </p:cNvSpPr>
+          <p:nvPr>
+            <p:ph idx="1"/>
+          </p:nvPr>
+        </p:nvSpPr>
+        <p:spPr>
+          <a:xfrm>
+            <a:off x="152260" y="1099221"/>
+            <a:ext cx="6563850" cy="2734953"/>
+          </a:xfrm>
+        </p:spPr>
+        <p:txBody>
+          <a:bodyPr>
+            <a:noAutofit/>
+          </a:bodyPr>
+          <a:lstStyle/>
+          <a:p>
+            <a:r>
+              <a:rPr lang="en-US" dirty="0" smtClean="0"/>
+              <a:t>Important methods of </a:t>
+            </a:r>
+            <a:r>
+              <a:rPr lang="en-US" dirty="0" err="1" smtClean="0"/>
+              <a:t>throwable</a:t>
+            </a:r>
+            <a:r>
+              <a:rPr lang="en-US" dirty="0" smtClean="0"/>
+              <a:t> class.</a:t>
+            </a:r>
+          </a:p>
+          <a:p>
+            <a:pPr lvl="1"/>
+            <a:r>
+              <a:rPr lang="en-US" dirty="0" err="1"/>
+              <a:t>getCause</a:t>
+            </a:r>
+            <a:r>
+              <a:rPr lang="en-US" dirty="0"/>
+              <a:t>():Returns the cause of this </a:t>
+            </a:r>
+            <a:r>
+              <a:rPr lang="en-US" dirty="0" err="1"/>
+              <a:t>throwable</a:t>
+            </a:r>
+            <a:r>
+              <a:rPr lang="en-US" dirty="0"/>
+              <a:t> or null if the cause is nonexistent or unknown</a:t>
+            </a:r>
+            <a:r>
+              <a:rPr lang="en-US" dirty="0" smtClean="0"/>
+              <a:t>.</a:t>
+            </a:r>
+          </a:p>
+          <a:p>
+            <a:pPr lvl="1"/>
+            <a:r>
+              <a:rPr lang="en-US" dirty="0" err="1"/>
+              <a:t>getMessage</a:t>
+            </a:r>
+            <a:r>
+              <a:rPr lang="en-US" dirty="0"/>
+              <a:t>():Returns the detail message string of this </a:t>
+            </a:r>
+            <a:r>
+              <a:rPr lang="en-US" dirty="0" err="1"/>
+              <a:t>throwable</a:t>
+            </a:r>
+            <a:r>
+              <a:rPr lang="en-US" dirty="0" smtClean="0"/>
+              <a:t>.</a:t>
+            </a:r>
+          </a:p>
+          <a:p>
+            <a:pPr lvl="1"/>
+            <a:r>
+              <a:rPr lang="en-US" dirty="0" err="1"/>
+              <a:t>printStackTrace</a:t>
+            </a:r>
+            <a:r>
+              <a:rPr lang="en-US" dirty="0" smtClean="0"/>
+              <a:t>():</a:t>
+            </a:r>
+            <a:r>
+              <a:rPr lang="en-US" dirty="0"/>
+              <a:t>Prints this </a:t>
+            </a:r>
+            <a:r>
+              <a:rPr lang="en-US" dirty="0" err="1"/>
+              <a:t>throwable</a:t>
+            </a:r>
+            <a:r>
+              <a:rPr lang="en-US" dirty="0"/>
+              <a:t> and its </a:t>
+            </a:r>
+            <a:r>
+              <a:rPr lang="en-US" dirty="0" err="1"/>
+              <a:t>backtrace</a:t>
+            </a:r>
+            <a:r>
+              <a:rPr lang="en-US" dirty="0"/>
+              <a:t> to the standard error stream.</a:t>
+            </a:r>
+            <a:endParaRPr lang="en-US" dirty="0" smtClean="0"/>
+          </a:p>
+          <a:p>
+            <a:endParaRPr lang="en-US" dirty="0" smtClean="0"/>
+          </a:p>
+          <a:p>
+            <a:endParaRPr lang="en-US" dirty="0" smtClean="0"/>
+          </a:p>
+        </p:txBody>
+      </p:sp>
+      <p:sp>
+        <p:nvSpPr>
+          <p:cNvPr id="9" name="Text Placeholder 8"/>
+          <p:cNvSpPr>
+            <a:spLocks noGrp="1"/>
+          </p:cNvSpPr>
+          <p:nvPr>
+            <p:ph type="body" sz="quarter" idx="10"/>
+          </p:nvPr>
+        </p:nvSpPr>
+        <p:spPr>
+          <a:xfrm>
+            <a:off x="0" y="-1"/>
+            <a:ext cx="9144000" cy="712601"/>
+          </a:xfrm>
+        </p:spPr>
+        <p:txBody>
+          <a:bodyPr/>
+          <a:lstStyle/>
+          <a:p>
+            <a:r>
+              <a:rPr lang="en-US" dirty="0" err="1" smtClean="0"/>
+              <a:t>Throwable</a:t>
+            </a:r>
+            <a:r>
+              <a:rPr lang="en-US" dirty="0" smtClean="0"/>
+              <a:t> class</a:t>
+            </a:r>
+            <a:endParaRPr lang="en-US" dirty="0"/>
+          </a:p>
+        </p:txBody>
+      </p:sp>
+    </p:spTree>
+    <p:extLst>
+      <p:ext uri="{BB962C8B-B14F-4D97-AF65-F5344CB8AC3E}">
+        <p14:creationId xmlns:p14="http://schemas.microsoft.com/office/powerpoint/2010/main" val="923883502"/>
+      </p:ext>
+    </p:extLst>
+  </p:cSld>
+  <p:clrMapOvr>
+    <a:masterClrMapping/>
+  </p:clrMapOvr>
+  <p:timing>
+    <p:tnLst>
+      <p:par>
         <p:cTn id="1" dur="indefinite" restart="never" nodeType="tmRoot"/>
       </p:par>
     </p:tnLst>
@@ -5245,7 +11912,7 @@
 </p:sld>
 </file>
 
-<file path=ppt/slides/slide6.xml><?xml version="1.0" encoding="utf-8"?>
+<file path=ppt/slides/slide7.xml><?xml version="1.0" encoding="utf-8"?>
 <p:sld xmlns:a="http://schemas.openxmlformats.org/drawingml/2006/main" xmlns:r="http://schemas.openxmlformats.org/officeDocument/2006/relationships" xmlns:p="http://schemas.openxmlformats.org/presentationml/2006/main">
   <p:cSld>
     <p:bg>
@@ -5369,128 +12036,6 @@
 </p:sld>
 </file>
 
-<file path=ppt/slides/slide7.xml><?xml version="1.0" encoding="utf-8"?>
-<p:sld xmlns:a="http://schemas.openxmlformats.org/drawingml/2006/main" xmlns:r="http://schemas.openxmlformats.org/officeDocument/2006/relationships" xmlns:p="http://schemas.openxmlformats.org/presentationml/2006/main">
-  <p:cSld>
-    <p:spTree>
-      <p:nvGrpSpPr>
-        <p:cNvPr id="1" name=""/>
-        <p:cNvGrpSpPr/>
-        <p:nvPr/>
-      </p:nvGrpSpPr>
-      <p:grpSpPr>
-        <a:xfrm>
-          <a:off x="0" y="0"/>
-          <a:ext cx="0" cy="0"/>
-          <a:chOff x="0" y="0"/>
-          <a:chExt cx="0" cy="0"/>
-        </a:xfrm>
-      </p:grpSpPr>
-      <p:sp>
-        <p:nvSpPr>
-          <p:cNvPr id="15" name="Content Placeholder 7"/>
-          <p:cNvSpPr>
-            <a:spLocks noGrp="1"/>
-          </p:cNvSpPr>
-          <p:nvPr>
-            <p:ph idx="1"/>
-          </p:nvPr>
-        </p:nvSpPr>
-        <p:spPr>
-          <a:xfrm>
-            <a:off x="152260" y="1099223"/>
-            <a:ext cx="4249472" cy="2110636"/>
-          </a:xfrm>
-        </p:spPr>
-        <p:txBody>
-          <a:bodyPr>
-            <a:noAutofit/>
-          </a:bodyPr>
-          <a:lstStyle/>
-          <a:p>
-            <a:r>
-              <a:rPr lang="en-US" dirty="0"/>
-              <a:t>A checked exception is an exception that occurs at the compile time, these are also called as compile time exceptions. These exceptions cannot simply be ignored at the time of compilation, the programmer should take care of (handle) these exceptions</a:t>
-            </a:r>
-            <a:r>
-              <a:rPr lang="en-US" dirty="0" smtClean="0"/>
-              <a:t>.</a:t>
-            </a:r>
-          </a:p>
-          <a:p>
-            <a:pPr lvl="1"/>
-            <a:r>
-              <a:rPr lang="en-US" dirty="0" err="1" smtClean="0"/>
-              <a:t>IOException</a:t>
-            </a:r>
-            <a:endParaRPr lang="en-US" dirty="0" smtClean="0"/>
-          </a:p>
-          <a:p>
-            <a:pPr lvl="1"/>
-            <a:r>
-              <a:rPr lang="en-US" dirty="0" err="1" smtClean="0"/>
-              <a:t>SQLException</a:t>
-            </a:r>
-            <a:endParaRPr lang="en-US" dirty="0" smtClean="0"/>
-          </a:p>
-          <a:p>
-            <a:pPr lvl="1"/>
-            <a:r>
-              <a:rPr lang="en-US" dirty="0" err="1"/>
-              <a:t>DataAccessException</a:t>
-            </a:r>
-            <a:endParaRPr lang="en-US" dirty="0" smtClean="0"/>
-          </a:p>
-        </p:txBody>
-      </p:sp>
-      <p:sp>
-        <p:nvSpPr>
-          <p:cNvPr id="9" name="Text Placeholder 8"/>
-          <p:cNvSpPr>
-            <a:spLocks noGrp="1"/>
-          </p:cNvSpPr>
-          <p:nvPr>
-            <p:ph type="body" sz="quarter" idx="10"/>
-          </p:nvPr>
-        </p:nvSpPr>
-        <p:spPr>
-          <a:xfrm>
-            <a:off x="0" y="-1"/>
-            <a:ext cx="9144000" cy="712601"/>
-          </a:xfrm>
-        </p:spPr>
-        <p:txBody>
-          <a:bodyPr/>
-          <a:lstStyle/>
-          <a:p>
-            <a:r>
-              <a:rPr lang="en-US" dirty="0" smtClean="0"/>
-              <a:t>Checked Exceptions</a:t>
-            </a:r>
-            <a:endParaRPr lang="en-US" dirty="0"/>
-          </a:p>
-        </p:txBody>
-      </p:sp>
-    </p:spTree>
-    <p:extLst>
-      <p:ext uri="{BB962C8B-B14F-4D97-AF65-F5344CB8AC3E}">
-        <p14:creationId xmlns:p14="http://schemas.microsoft.com/office/powerpoint/2010/main" val="3800019738"/>
-      </p:ext>
-    </p:extLst>
-  </p:cSld>
-  <p:clrMapOvr>
-    <a:masterClrMapping/>
-  </p:clrMapOvr>
-  <p:timing>
-    <p:tnLst>
-      <p:par>
-        <p:cTn id="1" dur="indefinite" restart="never" nodeType="tmRoot"/>
-      </p:par>
-    </p:tnLst>
-  </p:timing>
-</p:sld>
-</file>
-
 <file path=ppt/slides/slide8.xml><?xml version="1.0" encoding="utf-8"?>
 <p:sld xmlns:a="http://schemas.openxmlformats.org/drawingml/2006/main" xmlns:r="http://schemas.openxmlformats.org/officeDocument/2006/relationships" xmlns:p="http://schemas.openxmlformats.org/presentationml/2006/main">
   <p:cSld>
@@ -5521,7 +12066,7 @@
         <p:spPr>
           <a:xfrm>
             <a:off x="152260" y="1099223"/>
-            <a:ext cx="4249472" cy="2110636"/>
+            <a:ext cx="4249472" cy="2695538"/>
           </a:xfrm>
         </p:spPr>
         <p:txBody>
@@ -5532,7 +12077,7 @@
           <a:p>
             <a:r>
               <a:rPr lang="en-US" dirty="0"/>
-              <a:t>An unchecked exception is an exception that occurs at the time of execution. These are also called as Runtime Exceptions. These include programming bugs, such as logic errors or improper use of an API. Runtime exceptions are ignored at the time of compilation</a:t>
+              <a:t>A checked exception is an exception that occurs at the compile time, these are also called as compile time exceptions. These exceptions cannot simply be ignored at the time of compilation, the programmer should take care of (handle) these exceptions</a:t>
             </a:r>
             <a:r>
               <a:rPr lang="en-US" dirty="0" smtClean="0"/>
@@ -5543,7 +12088,7 @@
             <a:pPr lvl="1"/>
             <a:r>
               <a:rPr lang="en-US" dirty="0" err="1" smtClean="0"/>
-              <a:t>NullPointerException</a:t>
+              <a:t>IOException</a:t>
             </a:r>
             <a:endParaRPr lang="en-US" dirty="0" smtClean="0"/>
           </a:p>
@@ -5551,15 +12096,38 @@
             <a:pPr lvl="1"/>
             <a:r>
               <a:rPr lang="en-US" dirty="0" err="1" smtClean="0"/>
-              <a:t>ArithmeticException</a:t>
+              <a:t>SQLException</a:t>
             </a:r>
             <a:endParaRPr lang="en-US" dirty="0" smtClean="0"/>
           </a:p>
           <a:p>
             <a:pPr lvl="1"/>
             <a:r>
-              <a:rPr lang="en-US" dirty="0" err="1"/>
-              <a:t>ArrayIndexOutOfBoundsException</a:t>
+              <a:rPr lang="en-US" dirty="0" err="1" smtClean="0"/>
+              <a:t>DataAccessException</a:t>
+            </a:r>
+            <a:endParaRPr lang="en-US" dirty="0" smtClean="0"/>
+          </a:p>
+          <a:p>
+            <a:r>
+              <a:rPr lang="en-US" dirty="0" smtClean="0"/>
+              <a:t>Use </a:t>
+            </a:r>
+            <a:r>
+              <a:rPr lang="en-US" dirty="0"/>
+              <a:t>checked exceptions for conditions from which the </a:t>
+            </a:r>
+            <a:r>
+              <a:rPr lang="en-US" dirty="0" smtClean="0"/>
+              <a:t>caller can </a:t>
+            </a:r>
+            <a:r>
+              <a:rPr lang="en-US" dirty="0"/>
+              <a:t>reasonably be expected to </a:t>
+            </a:r>
+            <a:r>
+              <a:rPr lang="en-US" dirty="0" smtClean="0"/>
+              <a:t>recover.</a:t>
             </a:r>
             <a:endParaRPr lang="en-US" dirty="0" smtClean="0"/>
           </a:p>
@@ -5587,7 +12155,7 @@
           <a:p>
             <a:r>
               <a:rPr lang="en-US" dirty="0" smtClean="0"/>
-              <a:t>Unchecked Exceptions</a:t>
+              <a:t>Checked Exceptions</a:t>
             </a:r>
             <a:endParaRPr lang="en-US" dirty="0"/>
           </a:p>
@@ -5596,7 +12164,7 @@
     </p:spTree>
     <p:extLst>
       <p:ext uri="{BB962C8B-B14F-4D97-AF65-F5344CB8AC3E}">
-        <p14:creationId xmlns:p14="http://schemas.microsoft.com/office/powerpoint/2010/main" val="3006932659"/>
+        <p14:creationId xmlns:p14="http://schemas.microsoft.com/office/powerpoint/2010/main" val="3800019738"/>
       </p:ext>
     </p:extLst>
   </p:cSld>
@@ -5643,7 +12211,7 @@
         <p:spPr>
           <a:xfrm>
             <a:off x="152260" y="1099223"/>
-            <a:ext cx="4249472" cy="2110636"/>
+            <a:ext cx="4249472" cy="2205680"/>
           </a:xfrm>
         </p:spPr>
         <p:txBody>
@@ -5654,7 +12222,7 @@
           <a:p>
             <a:r>
               <a:rPr lang="en-US" dirty="0"/>
-              <a:t>There are 5 keywords used in java exception handling</a:t>
+              <a:t>An unchecked exception is an exception that occurs at the time of execution. These are also called as Runtime Exceptions. These include programming bugs, such as logic errors or improper use of an API. Runtime exceptions are ignored at the time of compilation</a:t>
             </a:r>
             <a:r>
               <a:rPr lang="en-US" dirty="0" smtClean="0"/>
@@ -5664,42 +12232,32 @@
           <a:p>
             <a:pPr lvl="1"/>
             <a:r>
+              <a:rPr lang="en-US" dirty="0" err="1" smtClean="0"/>
+              <a:t>NullPointerException</a:t>
+            </a:r>
+            <a:endParaRPr lang="en-US" dirty="0" smtClean="0"/>
+          </a:p>
+          <a:p>
+            <a:pPr lvl="1"/>
+            <a:r>
+              <a:rPr lang="en-US" dirty="0" err="1" smtClean="0"/>
+              <a:t>ArithmeticException</a:t>
+            </a:r>
+            <a:endParaRPr lang="en-US" dirty="0" smtClean="0"/>
+          </a:p>
+          <a:p>
+            <a:pPr lvl="1"/>
+            <a:r>
+              <a:rPr lang="en-US" dirty="0" err="1" smtClean="0"/>
+              <a:t>ArrayIndexOutOfBoundsException</a:t>
+            </a:r>
+            <a:endParaRPr lang="en-US" dirty="0" smtClean="0"/>
+          </a:p>
+          <a:p>
+            <a:r>
               <a:rPr lang="en-US" dirty="0"/>
-              <a:t>try</a:t>
-            </a:r>
-          </a:p>
-          <a:p>
-            <a:pPr lvl="1"/>
-            <a:r>
-              <a:rPr lang="en-US" dirty="0"/>
-              <a:t>catch</a:t>
-            </a:r>
-          </a:p>
-          <a:p>
-            <a:pPr lvl="1"/>
-            <a:r>
-              <a:rPr lang="en-US" dirty="0"/>
-              <a:t>finally</a:t>
-            </a:r>
-          </a:p>
-          <a:p>
-            <a:pPr lvl="1"/>
-            <a:r>
-              <a:rPr lang="en-US" dirty="0"/>
-              <a:t>throw</a:t>
-            </a:r>
-          </a:p>
-          <a:p>
-            <a:pPr lvl="1"/>
-            <a:r>
-              <a:rPr lang="en-US" dirty="0"/>
-              <a:t>throws</a:t>
-            </a:r>
-          </a:p>
-          <a:p>
-            <a:pPr marL="342900" lvl="1" indent="0">
-              <a:buNone/>
-            </a:pPr>
+              <a:t>Use runtime exceptions to indicate programming errors</a:t>
+            </a:r>
             <a:endParaRPr lang="en-US" dirty="0" smtClean="0"/>
           </a:p>
         </p:txBody>
@@ -5726,11 +12284,7 @@
           <a:p>
             <a:r>
               <a:rPr lang="en-US" dirty="0" smtClean="0"/>
-              <a:t>Catching</a:t>
-            </a:r>
-            <a:r>
-              <a:rPr lang="en-US" dirty="0" smtClean="0"/>
-              <a:t> Exceptions</a:t>
+              <a:t>Unchecked Exceptions</a:t>
             </a:r>
             <a:endParaRPr lang="en-US" dirty="0"/>
           </a:p>
@@ -5739,7 +12293,7 @@
     </p:spTree>
     <p:extLst>
       <p:ext uri="{BB962C8B-B14F-4D97-AF65-F5344CB8AC3E}">
-        <p14:creationId xmlns:p14="http://schemas.microsoft.com/office/powerpoint/2010/main" val="1504701922"/>
+        <p14:creationId xmlns:p14="http://schemas.microsoft.com/office/powerpoint/2010/main" val="3006932659"/>
       </p:ext>
     </p:extLst>
   </p:cSld>
@@ -6711,6 +13265,15 @@
 </file>
 
 <file path=customXml/item1.xml><?xml version="1.0" encoding="utf-8"?>
+<p:properties xmlns:p="http://schemas.microsoft.com/office/2006/metadata/properties" xmlns:xsi="http://www.w3.org/2001/XMLSchema-instance" xmlns:pc="http://schemas.microsoft.com/office/infopath/2007/PartnerControls">
+  <documentManagement>
+    <PublishingExpirationDate xmlns="http://schemas.microsoft.com/sharepoint/v3" xsi:nil="true"/>
+    <PublishingStartDate xmlns="http://schemas.microsoft.com/sharepoint/v3" xsi:nil="true"/>
+  </documentManagement>
+</p:properties>
+</file>
+
+<file path=customXml/item2.xml><?xml version="1.0" encoding="utf-8"?>
 <ct:contentTypeSchema xmlns:ct="http://schemas.microsoft.com/office/2006/metadata/contentType" xmlns:ma="http://schemas.microsoft.com/office/2006/metadata/properties/metaAttributes" ct:_="" ma:_="" ma:contentTypeName="Document" ma:contentTypeID="0x010100B0E9A4A7D20EA84CAA39F80EA2A19865" ma:contentTypeVersion="1" ma:contentTypeDescription="Create a new document." ma:contentTypeScope="" ma:versionID="4ed0c655cf5595f31b06ef1418ca28bf">
   <xsd:schema xmlns:xsd="http://www.w3.org/2001/XMLSchema" xmlns:xs="http://www.w3.org/2001/XMLSchema" xmlns:p="http://schemas.microsoft.com/office/2006/metadata/properties" xmlns:ns1="http://schemas.microsoft.com/sharepoint/v3" targetNamespace="http://schemas.microsoft.com/office/2006/metadata/properties" ma:root="true" ma:fieldsID="4dcce58c87e9fcebab8021569449a8d0" ns1:_="">
     <xsd:import namespace="http://schemas.microsoft.com/sharepoint/v3"/>
@@ -6842,15 +13405,6 @@
 </ct:contentTypeSchema>
 </file>
 
-<file path=customXml/item2.xml><?xml version="1.0" encoding="utf-8"?>
-<p:properties xmlns:p="http://schemas.microsoft.com/office/2006/metadata/properties" xmlns:xsi="http://www.w3.org/2001/XMLSchema-instance" xmlns:pc="http://schemas.microsoft.com/office/infopath/2007/PartnerControls">
-  <documentManagement>
-    <PublishingExpirationDate xmlns="http://schemas.microsoft.com/sharepoint/v3" xsi:nil="true"/>
-    <PublishingStartDate xmlns="http://schemas.microsoft.com/sharepoint/v3" xsi:nil="true"/>
-  </documentManagement>
-</p:properties>
-</file>
-
 <file path=customXml/item3.xml><?xml version="1.0" encoding="utf-8"?>
 <?mso-contentType ?>
 <FormTemplates xmlns="http://schemas.microsoft.com/sharepoint/v3/contenttype/forms">
@@ -6861,6 +13415,22 @@
 </file>
 
 <file path=customXml/itemProps1.xml><?xml version="1.0" encoding="utf-8"?>
+<ds:datastoreItem xmlns:ds="http://schemas.openxmlformats.org/officeDocument/2006/customXml" ds:itemID="{D5E3C081-4081-47AD-A9A6-9F18F525DA1D}">
+  <ds:schemaRefs>
+    <ds:schemaRef ds:uri="http://purl.org/dc/elements/1.1/"/>
+    <ds:schemaRef ds:uri="http://schemas.microsoft.com/office/2006/metadata/properties"/>
+    <ds:schemaRef ds:uri="http://www.w3.org/XML/1998/namespace"/>
+    <ds:schemaRef ds:uri="http://schemas.microsoft.com/office/2006/documentManagement/types"/>
+    <ds:schemaRef ds:uri="http://schemas.openxmlformats.org/package/2006/metadata/core-properties"/>
+    <ds:schemaRef ds:uri="http://purl.org/dc/terms/"/>
+    <ds:schemaRef ds:uri="http://schemas.microsoft.com/office/infopath/2007/PartnerControls"/>
+    <ds:schemaRef ds:uri="http://schemas.microsoft.com/sharepoint/v3"/>
+    <ds:schemaRef ds:uri="http://purl.org/dc/dcmitype/"/>
+  </ds:schemaRefs>
+</ds:datastoreItem>
+</file>
+
+<file path=customXml/itemProps2.xml><?xml version="1.0" encoding="utf-8"?>
 <ds:datastoreItem xmlns:ds="http://schemas.openxmlformats.org/officeDocument/2006/customXml" ds:itemID="{C3A1A37E-F8E3-427A-BCE9-B1DDB8B96CDF}">
   <ds:schemaRefs>
     <ds:schemaRef ds:uri="http://schemas.microsoft.com/office/2006/metadata/contentType"/>
@@ -6878,22 +13448,6 @@
 </ds:datastoreItem>
 </file>
 
-<file path=customXml/itemProps2.xml><?xml version="1.0" encoding="utf-8"?>
-<ds:datastoreItem xmlns:ds="http://schemas.openxmlformats.org/officeDocument/2006/customXml" ds:itemID="{D5E3C081-4081-47AD-A9A6-9F18F525DA1D}">
-  <ds:schemaRefs>
-    <ds:schemaRef ds:uri="http://schemas.microsoft.com/office/2006/documentManagement/types"/>
-    <ds:schemaRef ds:uri="http://www.w3.org/XML/1998/namespace"/>
-    <ds:schemaRef ds:uri="http://purl.org/dc/terms/"/>
-    <ds:schemaRef ds:uri="http://schemas.microsoft.com/office/2006/metadata/properties"/>
-    <ds:schemaRef ds:uri="http://purl.org/dc/elements/1.1/"/>
-    <ds:schemaRef ds:uri="http://purl.org/dc/dcmitype/"/>
-    <ds:schemaRef ds:uri="http://schemas.microsoft.com/office/infopath/2007/PartnerControls"/>
-    <ds:schemaRef ds:uri="http://schemas.openxmlformats.org/package/2006/metadata/core-properties"/>
-    <ds:schemaRef ds:uri="http://schemas.microsoft.com/sharepoint/v3"/>
-  </ds:schemaRefs>
-</ds:datastoreItem>
-</file>
-
 <file path=customXml/itemProps3.xml><?xml version="1.0" encoding="utf-8"?>
 <ds:datastoreItem xmlns:ds="http://schemas.openxmlformats.org/officeDocument/2006/customXml" ds:itemID="{14883F0F-DE57-4ECA-B9BB-F22E8C5B5D82}">
   <ds:schemaRefs>
